--- a/TM/Lab meeting with UNIST.pptx
+++ b/TM/Lab meeting with UNIST.pptx
@@ -5,7 +5,7 @@
     <p:sldMasterId id="2147483696" r:id="rId1"/>
   </p:sldMasterIdLst>
   <p:notesMasterIdLst>
-    <p:notesMasterId r:id="rId22"/>
+    <p:notesMasterId r:id="rId23"/>
   </p:notesMasterIdLst>
   <p:sldIdLst>
     <p:sldId id="256" r:id="rId2"/>
@@ -17,17 +17,18 @@
     <p:sldId id="261" r:id="rId8"/>
     <p:sldId id="262" r:id="rId9"/>
     <p:sldId id="263" r:id="rId10"/>
-    <p:sldId id="264" r:id="rId11"/>
-    <p:sldId id="267" r:id="rId12"/>
-    <p:sldId id="266" r:id="rId13"/>
-    <p:sldId id="268" r:id="rId14"/>
-    <p:sldId id="269" r:id="rId15"/>
-    <p:sldId id="271" r:id="rId16"/>
-    <p:sldId id="272" r:id="rId17"/>
-    <p:sldId id="273" r:id="rId18"/>
-    <p:sldId id="270" r:id="rId19"/>
-    <p:sldId id="274" r:id="rId20"/>
-    <p:sldId id="275" r:id="rId21"/>
+    <p:sldId id="276" r:id="rId11"/>
+    <p:sldId id="264" r:id="rId12"/>
+    <p:sldId id="267" r:id="rId13"/>
+    <p:sldId id="266" r:id="rId14"/>
+    <p:sldId id="268" r:id="rId15"/>
+    <p:sldId id="269" r:id="rId16"/>
+    <p:sldId id="271" r:id="rId17"/>
+    <p:sldId id="272" r:id="rId18"/>
+    <p:sldId id="273" r:id="rId19"/>
+    <p:sldId id="270" r:id="rId20"/>
+    <p:sldId id="274" r:id="rId21"/>
+    <p:sldId id="275" r:id="rId22"/>
   </p:sldIdLst>
   <p:sldSz cx="9144000" cy="6858000" type="screen4x3"/>
   <p:notesSz cx="6858000" cy="9144000"/>
@@ -140,6 +141,7 @@
             <p14:sldId id="261"/>
             <p14:sldId id="262"/>
             <p14:sldId id="263"/>
+            <p14:sldId id="276"/>
             <p14:sldId id="264"/>
             <p14:sldId id="267"/>
             <p14:sldId id="266"/>
@@ -155,8 +157,103 @@
         </p14:section>
       </p14:sectionLst>
     </p:ext>
+    <p:ext uri="{EFAFB233-063F-42B5-8137-9DF3F51BA10A}">
+      <p15:sldGuideLst xmlns:p15="http://schemas.microsoft.com/office/powerpoint/2012/main">
+        <p15:guide id="1" orient="horz" pos="2160">
+          <p15:clr>
+            <a:srgbClr val="A4A3A4"/>
+          </p15:clr>
+        </p15:guide>
+        <p15:guide id="2" pos="2880">
+          <p15:clr>
+            <a:srgbClr val="A4A3A4"/>
+          </p15:clr>
+        </p15:guide>
+      </p15:sldGuideLst>
+    </p:ext>
   </p:extLst>
 </p:presentation>
+</file>
+
+<file path=ppt/ink/ink1.xml><?xml version="1.0" encoding="utf-8"?>
+<inkml:ink xmlns:inkml="http://www.w3.org/2003/InkML">
+  <inkml:definitions>
+    <inkml:context xml:id="ctx0">
+      <inkml:inkSource xml:id="inkSrc0">
+        <inkml:traceFormat>
+          <inkml:channel name="X" type="integer" min="-2.14748E9" max="2.14748E9" units="cm"/>
+          <inkml:channel name="Y" type="integer" min="-2.14748E9" max="2.14748E9" units="cm"/>
+          <inkml:channel name="F" type="integer" max="32767" units="dev"/>
+        </inkml:traceFormat>
+        <inkml:channelProperties>
+          <inkml:channelProperty channel="X" name="resolution" value="1000" units="1/cm"/>
+          <inkml:channelProperty channel="Y" name="resolution" value="1000" units="1/cm"/>
+          <inkml:channelProperty channel="F" name="resolution" value="0" units="1/dev"/>
+        </inkml:channelProperties>
+      </inkml:inkSource>
+      <inkml:timestamp xml:id="ts0" timeString="2023-07-20T03:38:55.668"/>
+    </inkml:context>
+    <inkml:brush xml:id="br0">
+      <inkml:brushProperty name="width" value="0.2" units="cm"/>
+      <inkml:brushProperty name="height" value="0.2" units="cm"/>
+    </inkml:brush>
+  </inkml:definitions>
+  <inkml:trace contextRef="#ctx0" brushRef="#br0">0 0 24575</inkml:trace>
+</inkml:ink>
+</file>
+
+<file path=ppt/ink/ink2.xml><?xml version="1.0" encoding="utf-8"?>
+<inkml:ink xmlns:inkml="http://www.w3.org/2003/InkML">
+  <inkml:definitions>
+    <inkml:context xml:id="ctx0">
+      <inkml:inkSource xml:id="inkSrc0">
+        <inkml:traceFormat>
+          <inkml:channel name="X" type="integer" min="-2.14748E9" max="2.14748E9" units="cm"/>
+          <inkml:channel name="Y" type="integer" min="-2.14748E9" max="2.14748E9" units="cm"/>
+          <inkml:channel name="F" type="integer" max="32767" units="dev"/>
+        </inkml:traceFormat>
+        <inkml:channelProperties>
+          <inkml:channelProperty channel="X" name="resolution" value="1000" units="1/cm"/>
+          <inkml:channelProperty channel="Y" name="resolution" value="1000" units="1/cm"/>
+          <inkml:channelProperty channel="F" name="resolution" value="0" units="1/dev"/>
+        </inkml:channelProperties>
+      </inkml:inkSource>
+      <inkml:timestamp xml:id="ts0" timeString="2023-07-20T03:38:56.689"/>
+    </inkml:context>
+    <inkml:brush xml:id="br0">
+      <inkml:brushProperty name="width" value="0.2" units="cm"/>
+      <inkml:brushProperty name="height" value="0.2" units="cm"/>
+    </inkml:brush>
+  </inkml:definitions>
+  <inkml:trace contextRef="#ctx0" brushRef="#br0">0 0 24575</inkml:trace>
+</inkml:ink>
+</file>
+
+<file path=ppt/ink/ink3.xml><?xml version="1.0" encoding="utf-8"?>
+<inkml:ink xmlns:inkml="http://www.w3.org/2003/InkML">
+  <inkml:definitions>
+    <inkml:context xml:id="ctx0">
+      <inkml:inkSource xml:id="inkSrc0">
+        <inkml:traceFormat>
+          <inkml:channel name="X" type="integer" min="-2.14748E9" max="2.14748E9" units="cm"/>
+          <inkml:channel name="Y" type="integer" min="-2.14748E9" max="2.14748E9" units="cm"/>
+          <inkml:channel name="F" type="integer" max="32767" units="dev"/>
+        </inkml:traceFormat>
+        <inkml:channelProperties>
+          <inkml:channelProperty channel="X" name="resolution" value="1000" units="1/cm"/>
+          <inkml:channelProperty channel="Y" name="resolution" value="1000" units="1/cm"/>
+          <inkml:channelProperty channel="F" name="resolution" value="0" units="1/dev"/>
+        </inkml:channelProperties>
+      </inkml:inkSource>
+      <inkml:timestamp xml:id="ts0" timeString="2023-07-20T03:38:57.598"/>
+    </inkml:context>
+    <inkml:brush xml:id="br0">
+      <inkml:brushProperty name="width" value="0.2" units="cm"/>
+      <inkml:brushProperty name="height" value="0.2" units="cm"/>
+    </inkml:brush>
+  </inkml:definitions>
+  <inkml:trace contextRef="#ctx0" brushRef="#br0">1 0 24575</inkml:trace>
+</inkml:ink>
 </file>
 
 <file path=ppt/notesMasters/notesMaster1.xml><?xml version="1.0" encoding="utf-8"?>
@@ -241,7 +338,7 @@
           <a:p>
             <a:fld id="{0D05FFFA-5016-4187-85F2-DFA9E2C8B3D3}" type="datetimeFigureOut">
               <a:rPr lang="ko-KR" altLang="en-US" smtClean="0"/>
-              <a:t>2020-01-09</a:t>
+              <a:t>07/20</a:t>
             </a:fld>
             <a:endParaRPr lang="ko-KR" altLang="en-US"/>
           </a:p>
@@ -305,38 +402,37 @@
           <a:p>
             <a:pPr lvl="0"/>
             <a:r>
-              <a:rPr lang="ko-KR" altLang="en-US" smtClean="0"/>
+              <a:rPr lang="ko-KR" altLang="en-US"/>
               <a:t>마스터 텍스트 스타일을 편집합니다</a:t>
             </a:r>
           </a:p>
           <a:p>
             <a:pPr lvl="1"/>
             <a:r>
-              <a:rPr lang="ko-KR" altLang="en-US" smtClean="0"/>
+              <a:rPr lang="ko-KR" altLang="en-US"/>
               <a:t>둘째 수준</a:t>
             </a:r>
           </a:p>
           <a:p>
             <a:pPr lvl="2"/>
             <a:r>
-              <a:rPr lang="ko-KR" altLang="en-US" smtClean="0"/>
+              <a:rPr lang="ko-KR" altLang="en-US"/>
               <a:t>셋째 수준</a:t>
             </a:r>
           </a:p>
           <a:p>
             <a:pPr lvl="3"/>
             <a:r>
-              <a:rPr lang="ko-KR" altLang="en-US" smtClean="0"/>
+              <a:rPr lang="ko-KR" altLang="en-US"/>
               <a:t>넷째 수준</a:t>
             </a:r>
           </a:p>
           <a:p>
             <a:pPr lvl="4"/>
             <a:r>
-              <a:rPr lang="ko-KR" altLang="en-US" smtClean="0"/>
+              <a:rPr lang="ko-KR" altLang="en-US"/>
               <a:t>다섯째 수준</a:t>
             </a:r>
-            <a:endParaRPr lang="ko-KR" altLang="en-US"/>
           </a:p>
         </p:txBody>
       </p:sp>
@@ -554,134 +650,134 @@
           <a:lstStyle/>
           <a:p>
             <a:r>
-              <a:rPr lang="ko-KR" altLang="en-US" dirty="0" smtClean="0"/>
+              <a:rPr lang="ko-KR" altLang="en-US" dirty="0"/>
               <a:t>인간을 비롯한 지구상의 다양한 고등 동물들은 가장 기초적인 </a:t>
             </a:r>
             <a:r>
-              <a:rPr lang="en-US" altLang="ko-KR" dirty="0" smtClean="0"/>
+              <a:rPr lang="en-US" altLang="ko-KR" dirty="0"/>
               <a:t>5</a:t>
             </a:r>
             <a:r>
-              <a:rPr lang="ko-KR" altLang="en-US" dirty="0" smtClean="0"/>
+              <a:rPr lang="ko-KR" altLang="en-US" dirty="0"/>
               <a:t>개의 감각기관을 가지고 있다</a:t>
             </a:r>
             <a:r>
-              <a:rPr lang="en-US" altLang="ko-KR" dirty="0" smtClean="0"/>
+              <a:rPr lang="en-US" altLang="ko-KR" dirty="0"/>
               <a:t>.</a:t>
             </a:r>
           </a:p>
           <a:p>
             <a:r>
-              <a:rPr lang="ko-KR" altLang="en-US" dirty="0" smtClean="0"/>
+              <a:rPr lang="ko-KR" altLang="en-US" dirty="0"/>
               <a:t>눈의 시각</a:t>
             </a:r>
             <a:r>
-              <a:rPr lang="en-US" altLang="ko-KR" dirty="0" smtClean="0"/>
+              <a:rPr lang="en-US" altLang="ko-KR" dirty="0"/>
               <a:t>, </a:t>
             </a:r>
             <a:r>
-              <a:rPr lang="ko-KR" altLang="en-US" dirty="0" smtClean="0"/>
+              <a:rPr lang="ko-KR" altLang="en-US" dirty="0"/>
               <a:t>귀의 청각</a:t>
             </a:r>
             <a:r>
-              <a:rPr lang="en-US" altLang="ko-KR" dirty="0" smtClean="0"/>
+              <a:rPr lang="en-US" altLang="ko-KR" dirty="0"/>
               <a:t>, </a:t>
             </a:r>
             <a:r>
-              <a:rPr lang="ko-KR" altLang="en-US" dirty="0" smtClean="0"/>
+              <a:rPr lang="ko-KR" altLang="en-US" dirty="0"/>
               <a:t>코의 후각</a:t>
             </a:r>
             <a:r>
-              <a:rPr lang="en-US" altLang="ko-KR" dirty="0" smtClean="0"/>
+              <a:rPr lang="en-US" altLang="ko-KR" dirty="0"/>
               <a:t>, </a:t>
             </a:r>
             <a:r>
-              <a:rPr lang="ko-KR" altLang="en-US" dirty="0" smtClean="0"/>
+              <a:rPr lang="ko-KR" altLang="en-US" dirty="0"/>
               <a:t>혀의 미각</a:t>
             </a:r>
             <a:r>
-              <a:rPr lang="en-US" altLang="ko-KR" dirty="0" smtClean="0"/>
+              <a:rPr lang="en-US" altLang="ko-KR" dirty="0"/>
               <a:t>, </a:t>
             </a:r>
             <a:r>
-              <a:rPr lang="ko-KR" altLang="en-US" dirty="0" smtClean="0"/>
+              <a:rPr lang="ko-KR" altLang="en-US" dirty="0"/>
               <a:t>그리고 피부의 촉각이 그것이다</a:t>
             </a:r>
             <a:r>
-              <a:rPr lang="en-US" altLang="ko-KR" dirty="0" smtClean="0"/>
+              <a:rPr lang="en-US" altLang="ko-KR" dirty="0"/>
               <a:t>.</a:t>
             </a:r>
             <a:r>
-              <a:rPr lang="en-US" altLang="ko-KR" baseline="0" dirty="0" smtClean="0"/>
+              <a:rPr lang="en-US" altLang="ko-KR" baseline="0" dirty="0"/>
               <a:t> </a:t>
             </a:r>
             <a:r>
-              <a:rPr lang="ko-KR" altLang="en-US" baseline="0" dirty="0" smtClean="0"/>
+              <a:rPr lang="ko-KR" altLang="en-US" baseline="0" dirty="0"/>
               <a:t>다른 동물들도 그러하겠지만 특히 인간에게 있어서</a:t>
             </a:r>
-            <a:endParaRPr lang="en-US" altLang="ko-KR" baseline="0" dirty="0" smtClean="0"/>
-          </a:p>
-          <a:p>
-            <a:r>
-              <a:rPr lang="ko-KR" altLang="en-US" baseline="0" dirty="0" smtClean="0"/>
+            <a:endParaRPr lang="en-US" altLang="ko-KR" baseline="0" dirty="0"/>
+          </a:p>
+          <a:p>
+            <a:r>
+              <a:rPr lang="ko-KR" altLang="en-US" baseline="0" dirty="0"/>
               <a:t>이러한 다양한 외부의 자극들은 더욱 다양한 방식으로 우리의 오감을 자극하며</a:t>
             </a:r>
             <a:r>
-              <a:rPr lang="en-US" altLang="ko-KR" baseline="0" dirty="0" smtClean="0"/>
+              <a:rPr lang="en-US" altLang="ko-KR" baseline="0" dirty="0"/>
               <a:t> </a:t>
             </a:r>
             <a:r>
-              <a:rPr lang="ko-KR" altLang="en-US" baseline="0" dirty="0" smtClean="0"/>
+              <a:rPr lang="ko-KR" altLang="en-US" baseline="0" dirty="0"/>
               <a:t>즐거움과 불쾌감</a:t>
             </a:r>
             <a:r>
-              <a:rPr lang="en-US" altLang="ko-KR" baseline="0" dirty="0" smtClean="0"/>
+              <a:rPr lang="en-US" altLang="ko-KR" baseline="0" dirty="0"/>
               <a:t>, </a:t>
             </a:r>
             <a:r>
-              <a:rPr lang="ko-KR" altLang="en-US" baseline="0" dirty="0" smtClean="0"/>
+              <a:rPr lang="ko-KR" altLang="en-US" baseline="0" dirty="0"/>
               <a:t>행복과 놀라움 같은 다양한 감정들이 생겨나게 한다</a:t>
             </a:r>
             <a:r>
-              <a:rPr lang="en-US" altLang="ko-KR" baseline="0" dirty="0" smtClean="0"/>
+              <a:rPr lang="en-US" altLang="ko-KR" baseline="0" dirty="0"/>
               <a:t>.</a:t>
             </a:r>
           </a:p>
           <a:p>
             <a:r>
-              <a:rPr lang="ko-KR" altLang="en-US" dirty="0" smtClean="0"/>
+              <a:rPr lang="ko-KR" altLang="en-US" dirty="0"/>
               <a:t>뿐만 아니라 인간은 감각기관을 통해 받아들인 정보들을 바탕으로 수많은 종류의 학습을 이뤄내는 것도 가능하다</a:t>
             </a:r>
             <a:r>
-              <a:rPr lang="en-US" altLang="ko-KR" dirty="0" smtClean="0"/>
+              <a:rPr lang="en-US" altLang="ko-KR" dirty="0"/>
               <a:t>.</a:t>
             </a:r>
           </a:p>
           <a:p>
-            <a:endParaRPr lang="en-US" altLang="ko-KR" dirty="0" smtClean="0"/>
-          </a:p>
-          <a:p>
-            <a:r>
-              <a:rPr lang="ko-KR" altLang="en-US" dirty="0" smtClean="0"/>
+            <a:endParaRPr lang="en-US" altLang="ko-KR" dirty="0"/>
+          </a:p>
+          <a:p>
+            <a:r>
+              <a:rPr lang="ko-KR" altLang="en-US" dirty="0"/>
               <a:t>특히 인간의 가장 기초적인 감각이자 유아기부터도 가장 강렬하게 느낄 수 있는 감각인 촉각은</a:t>
             </a:r>
             <a:r>
-              <a:rPr lang="en-US" altLang="ko-KR" dirty="0" smtClean="0"/>
+              <a:rPr lang="en-US" altLang="ko-KR" dirty="0"/>
               <a:t>,</a:t>
             </a:r>
             <a:r>
-              <a:rPr lang="ko-KR" altLang="en-US" dirty="0" smtClean="0"/>
+              <a:rPr lang="ko-KR" altLang="en-US" dirty="0"/>
               <a:t> 거의 모든 종류의 운동과 신체활동에 관계되어있다고 해도 무방할 정도로</a:t>
             </a:r>
-            <a:endParaRPr lang="en-US" altLang="ko-KR" dirty="0" smtClean="0"/>
-          </a:p>
-          <a:p>
-            <a:r>
-              <a:rPr lang="ko-KR" altLang="en-US" dirty="0" smtClean="0"/>
+            <a:endParaRPr lang="en-US" altLang="ko-KR" dirty="0"/>
+          </a:p>
+          <a:p>
+            <a:r>
+              <a:rPr lang="ko-KR" altLang="en-US" dirty="0"/>
               <a:t>우리의 삶에 매우 밀접하게 관계되어 있는 감각이다</a:t>
             </a:r>
             <a:r>
-              <a:rPr lang="en-US" altLang="ko-KR" dirty="0" smtClean="0"/>
+              <a:rPr lang="en-US" altLang="ko-KR" dirty="0"/>
               <a:t>.</a:t>
             </a:r>
             <a:endParaRPr lang="ko-KR" altLang="en-US" dirty="0"/>
@@ -769,265 +865,249 @@
           <a:lstStyle/>
           <a:p>
             <a:r>
-              <a:rPr lang="ko-KR" altLang="en-US" dirty="0" smtClean="0"/>
+              <a:rPr lang="ko-KR" altLang="en-US" dirty="0"/>
               <a:t>우리가 피부</a:t>
             </a:r>
             <a:r>
-              <a:rPr lang="en-US" altLang="ko-KR" dirty="0" smtClean="0"/>
+              <a:rPr lang="en-US" altLang="ko-KR" dirty="0"/>
               <a:t>,</a:t>
             </a:r>
             <a:r>
-              <a:rPr lang="en-US" altLang="ko-KR" baseline="0" dirty="0" smtClean="0"/>
+              <a:rPr lang="en-US" altLang="ko-KR" baseline="0" dirty="0"/>
               <a:t> </a:t>
             </a:r>
             <a:r>
-              <a:rPr lang="ko-KR" altLang="en-US" baseline="0" dirty="0" smtClean="0"/>
+              <a:rPr lang="ko-KR" altLang="en-US" baseline="0" dirty="0"/>
               <a:t>근육</a:t>
             </a:r>
             <a:r>
-              <a:rPr lang="en-US" altLang="ko-KR" baseline="0" dirty="0" smtClean="0"/>
+              <a:rPr lang="en-US" altLang="ko-KR" baseline="0" dirty="0"/>
               <a:t>, </a:t>
             </a:r>
             <a:r>
-              <a:rPr lang="ko-KR" altLang="en-US" baseline="0" dirty="0" smtClean="0"/>
+              <a:rPr lang="ko-KR" altLang="en-US" baseline="0" dirty="0"/>
               <a:t>뼈 등을 통해서 느끼는 모든 종류의 감각은 사실 </a:t>
             </a:r>
             <a:r>
-              <a:rPr lang="ko-KR" altLang="en-US" dirty="0" smtClean="0"/>
+              <a:rPr lang="ko-KR" altLang="en-US" dirty="0"/>
               <a:t>촉각이라는 단어만으로는 표현하기에 부족하다</a:t>
             </a:r>
             <a:r>
-              <a:rPr lang="en-US" altLang="ko-KR" dirty="0" smtClean="0"/>
+              <a:rPr lang="en-US" altLang="ko-KR" dirty="0"/>
               <a:t>.</a:t>
             </a:r>
             <a:r>
-              <a:rPr lang="en-US" altLang="ko-KR" baseline="0" dirty="0" smtClean="0"/>
+              <a:rPr lang="en-US" altLang="ko-KR" baseline="0" dirty="0"/>
               <a:t> </a:t>
             </a:r>
             <a:r>
-              <a:rPr lang="ko-KR" altLang="en-US" dirty="0" smtClean="0"/>
+              <a:rPr lang="ko-KR" altLang="en-US" dirty="0"/>
               <a:t>이를 표현하는 단어로는 </a:t>
             </a:r>
             <a:r>
-              <a:rPr lang="en-US" altLang="ko-KR" dirty="0" smtClean="0"/>
+              <a:rPr lang="en-US" altLang="ko-KR" dirty="0"/>
               <a:t>‘</a:t>
             </a:r>
             <a:r>
-              <a:rPr lang="ko-KR" altLang="en-US" dirty="0" err="1" smtClean="0"/>
+              <a:rPr lang="ko-KR" altLang="en-US" dirty="0" err="1"/>
               <a:t>체성</a:t>
             </a:r>
             <a:r>
-              <a:rPr lang="ko-KR" altLang="en-US" dirty="0" smtClean="0"/>
+              <a:rPr lang="ko-KR" altLang="en-US" dirty="0"/>
               <a:t> 감각</a:t>
             </a:r>
             <a:r>
-              <a:rPr lang="en-US" altLang="ko-KR" dirty="0" smtClean="0"/>
+              <a:rPr lang="en-US" altLang="ko-KR" dirty="0"/>
               <a:t>’</a:t>
             </a:r>
             <a:r>
-              <a:rPr lang="ko-KR" altLang="en-US" dirty="0" smtClean="0"/>
+              <a:rPr lang="ko-KR" altLang="en-US" dirty="0"/>
               <a:t>이 있다</a:t>
             </a:r>
             <a:r>
-              <a:rPr lang="en-US" altLang="ko-KR" dirty="0" smtClean="0"/>
+              <a:rPr lang="en-US" altLang="ko-KR" dirty="0"/>
               <a:t>. </a:t>
             </a:r>
           </a:p>
           <a:p>
             <a:r>
-              <a:rPr lang="ko-KR" altLang="en-US" dirty="0" err="1" smtClean="0"/>
+              <a:rPr lang="ko-KR" altLang="en-US" dirty="0" err="1"/>
               <a:t>체성</a:t>
             </a:r>
             <a:r>
-              <a:rPr lang="ko-KR" altLang="en-US" dirty="0" smtClean="0"/>
+              <a:rPr lang="ko-KR" altLang="en-US" dirty="0"/>
               <a:t> 감각은 촉각</a:t>
             </a:r>
             <a:r>
-              <a:rPr lang="en-US" altLang="ko-KR" dirty="0" smtClean="0"/>
+              <a:rPr lang="en-US" altLang="ko-KR" dirty="0"/>
               <a:t>,</a:t>
             </a:r>
             <a:r>
-              <a:rPr lang="en-US" altLang="ko-KR" baseline="0" dirty="0" smtClean="0"/>
+              <a:rPr lang="en-US" altLang="ko-KR" baseline="0" dirty="0"/>
               <a:t> </a:t>
             </a:r>
             <a:r>
-              <a:rPr lang="ko-KR" altLang="en-US" baseline="0" dirty="0" smtClean="0"/>
+              <a:rPr lang="ko-KR" altLang="en-US" baseline="0" dirty="0"/>
               <a:t>통증</a:t>
             </a:r>
             <a:r>
-              <a:rPr lang="en-US" altLang="ko-KR" baseline="0" dirty="0" smtClean="0"/>
+              <a:rPr lang="en-US" altLang="ko-KR" baseline="0" dirty="0"/>
               <a:t>, </a:t>
             </a:r>
             <a:r>
-              <a:rPr lang="ko-KR" altLang="en-US" baseline="0" dirty="0" smtClean="0"/>
+              <a:rPr lang="ko-KR" altLang="en-US" baseline="0" dirty="0"/>
               <a:t>온도변화 등을 중추신경계로 보내는 </a:t>
             </a:r>
             <a:r>
-              <a:rPr lang="ko-KR" altLang="en-US" baseline="0" dirty="0" err="1" smtClean="0"/>
+              <a:rPr lang="ko-KR" altLang="en-US" baseline="0" dirty="0" err="1"/>
               <a:t>외수용성</a:t>
             </a:r>
             <a:r>
-              <a:rPr lang="ko-KR" altLang="en-US" baseline="0" dirty="0" smtClean="0"/>
+              <a:rPr lang="ko-KR" altLang="en-US" baseline="0" dirty="0"/>
               <a:t> 감각과</a:t>
             </a:r>
             <a:r>
-              <a:rPr lang="en-US" altLang="ko-KR" baseline="0" dirty="0" smtClean="0"/>
+              <a:rPr lang="en-US" altLang="ko-KR" baseline="0" dirty="0"/>
               <a:t>, </a:t>
             </a:r>
             <a:r>
-              <a:rPr lang="ko-KR" altLang="en-US" dirty="0" smtClean="0"/>
+              <a:rPr lang="ko-KR" altLang="en-US" dirty="0"/>
               <a:t>근육의 늘어남과 수축된 정도</a:t>
             </a:r>
             <a:r>
-              <a:rPr lang="en-US" altLang="ko-KR" dirty="0" smtClean="0"/>
+              <a:rPr lang="en-US" altLang="ko-KR" dirty="0"/>
               <a:t>, </a:t>
             </a:r>
             <a:r>
-              <a:rPr lang="ko-KR" altLang="en-US" dirty="0" smtClean="0"/>
+              <a:rPr lang="ko-KR" altLang="en-US" dirty="0"/>
               <a:t>인대의 </a:t>
             </a:r>
             <a:r>
-              <a:rPr lang="ko-KR" altLang="en-US" dirty="0" err="1" smtClean="0"/>
+              <a:rPr lang="ko-KR" altLang="en-US" dirty="0" err="1"/>
               <a:t>텐션</a:t>
             </a:r>
             <a:r>
-              <a:rPr lang="ko-KR" altLang="en-US" baseline="0" dirty="0" smtClean="0"/>
-              <a:t> 등을 </a:t>
-            </a:r>
-            <a:r>
-              <a:rPr lang="ko-KR" altLang="en-US" baseline="0" dirty="0" smtClean="0"/>
-              <a:t>토대로 </a:t>
-            </a:r>
-            <a:r>
-              <a:rPr lang="ko-KR" altLang="en-US" baseline="0" dirty="0" smtClean="0"/>
-              <a:t>내 몸의 위치나 움직임을 느끼게 하는 </a:t>
-            </a:r>
-            <a:r>
-              <a:rPr lang="en-US" altLang="ko-KR" baseline="0" dirty="0" smtClean="0"/>
+              <a:rPr lang="ko-KR" altLang="en-US" baseline="0" dirty="0"/>
+              <a:t> 등을 토대로 내 몸의 위치나 움직임을 느끼게 하는 </a:t>
+            </a:r>
+            <a:r>
+              <a:rPr lang="en-US" altLang="ko-KR" baseline="0" dirty="0"/>
               <a:t>‘</a:t>
             </a:r>
             <a:r>
-              <a:rPr lang="ko-KR" altLang="en-US" baseline="0" dirty="0" smtClean="0"/>
+              <a:rPr lang="ko-KR" altLang="en-US" baseline="0" dirty="0"/>
               <a:t>고유 감각</a:t>
             </a:r>
             <a:r>
-              <a:rPr lang="en-US" altLang="ko-KR" baseline="0" dirty="0" smtClean="0"/>
+              <a:rPr lang="en-US" altLang="ko-KR" baseline="0" dirty="0"/>
               <a:t>’, </a:t>
             </a:r>
             <a:r>
-              <a:rPr lang="ko-KR" altLang="en-US" baseline="0" dirty="0" smtClean="0"/>
+              <a:rPr lang="ko-KR" altLang="en-US" baseline="0" dirty="0"/>
               <a:t>그리고</a:t>
             </a:r>
             <a:r>
-              <a:rPr lang="en-US" altLang="ko-KR" baseline="0" dirty="0" smtClean="0"/>
+              <a:rPr lang="en-US" altLang="ko-KR" baseline="0" dirty="0"/>
               <a:t> </a:t>
             </a:r>
             <a:r>
-              <a:rPr lang="ko-KR" altLang="en-US" baseline="0" dirty="0" smtClean="0"/>
+              <a:rPr lang="ko-KR" altLang="en-US" baseline="0" dirty="0"/>
               <a:t>내장을 통해서 느끼는 내장 감각 등이 있다</a:t>
             </a:r>
             <a:r>
-              <a:rPr lang="en-US" altLang="ko-KR" baseline="0" dirty="0" smtClean="0"/>
+              <a:rPr lang="en-US" altLang="ko-KR" baseline="0" dirty="0"/>
               <a:t>.</a:t>
             </a:r>
           </a:p>
           <a:p>
-            <a:endParaRPr lang="en-US" altLang="ko-KR" baseline="0" dirty="0" smtClean="0"/>
-          </a:p>
-          <a:p>
-            <a:r>
-              <a:rPr lang="ko-KR" altLang="en-US" baseline="0" dirty="0" smtClean="0"/>
+            <a:endParaRPr lang="en-US" altLang="ko-KR" baseline="0" dirty="0"/>
+          </a:p>
+          <a:p>
+            <a:r>
+              <a:rPr lang="ko-KR" altLang="en-US" baseline="0" dirty="0"/>
               <a:t>우리는 왼쪽 사진에서</a:t>
             </a:r>
             <a:r>
-              <a:rPr lang="en-US" altLang="ko-KR" baseline="0" dirty="0" smtClean="0"/>
+              <a:rPr lang="en-US" altLang="ko-KR" baseline="0" dirty="0"/>
               <a:t>, </a:t>
             </a:r>
             <a:r>
-              <a:rPr lang="ko-KR" altLang="en-US" baseline="0" dirty="0" smtClean="0"/>
+              <a:rPr lang="ko-KR" altLang="en-US" baseline="0" dirty="0"/>
               <a:t>고유 감각과 경험적 훈련을 바탕으로 날라오는 공을 타자라면 어떻게 칠지</a:t>
             </a:r>
             <a:r>
-              <a:rPr lang="en-US" altLang="ko-KR" baseline="0" dirty="0" smtClean="0"/>
+              <a:rPr lang="en-US" altLang="ko-KR" baseline="0" dirty="0"/>
               <a:t>, </a:t>
             </a:r>
             <a:r>
-              <a:rPr lang="ko-KR" altLang="en-US" baseline="0" dirty="0" smtClean="0"/>
+              <a:rPr lang="ko-KR" altLang="en-US" baseline="0" dirty="0"/>
               <a:t>포수라면 어떻게 잡을지를 순간적으로 빠르게 판단할 수 있으며</a:t>
             </a:r>
             <a:r>
-              <a:rPr lang="en-US" altLang="ko-KR" baseline="0" dirty="0" smtClean="0"/>
+              <a:rPr lang="en-US" altLang="ko-KR" baseline="0" dirty="0"/>
               <a:t>,</a:t>
             </a:r>
           </a:p>
           <a:p>
             <a:r>
-              <a:rPr lang="ko-KR" altLang="en-US" baseline="0" dirty="0" smtClean="0"/>
+              <a:rPr lang="ko-KR" altLang="en-US" baseline="0" dirty="0"/>
               <a:t>오른쪽 그림처럼</a:t>
             </a:r>
             <a:r>
-              <a:rPr lang="en-US" altLang="ko-KR" baseline="0" dirty="0" smtClean="0"/>
+              <a:rPr lang="en-US" altLang="ko-KR" baseline="0" dirty="0"/>
               <a:t>, </a:t>
             </a:r>
             <a:r>
-              <a:rPr lang="ko-KR" altLang="en-US" baseline="0" dirty="0" smtClean="0"/>
+              <a:rPr lang="ko-KR" altLang="en-US" baseline="0" dirty="0"/>
               <a:t>특별한 훈련이 없이도</a:t>
             </a:r>
             <a:r>
-              <a:rPr lang="en-US" altLang="ko-KR" baseline="0" dirty="0" smtClean="0"/>
+              <a:rPr lang="en-US" altLang="ko-KR" baseline="0" dirty="0"/>
               <a:t> </a:t>
             </a:r>
             <a:r>
-              <a:rPr lang="ko-KR" altLang="en-US" baseline="0" dirty="0" smtClean="0"/>
+              <a:rPr lang="ko-KR" altLang="en-US" baseline="0" dirty="0"/>
               <a:t>앞을 보지 않더라도 신발 밑창을 통해 느껴지는 돌기의 느낌을 통해 앞에 계단과 같은 구조물이 있다는 것도 판단할 수 있다</a:t>
             </a:r>
             <a:r>
-              <a:rPr lang="en-US" altLang="ko-KR" baseline="0" dirty="0" smtClean="0"/>
+              <a:rPr lang="en-US" altLang="ko-KR" baseline="0" dirty="0"/>
               <a:t>.</a:t>
             </a:r>
           </a:p>
           <a:p>
-            <a:endParaRPr lang="en-US" altLang="ko-KR" baseline="0" dirty="0" smtClean="0"/>
-          </a:p>
-          <a:p>
-            <a:r>
-              <a:rPr lang="ko-KR" altLang="en-US" baseline="0" dirty="0" smtClean="0"/>
+            <a:endParaRPr lang="en-US" altLang="ko-KR" baseline="0" dirty="0"/>
+          </a:p>
+          <a:p>
+            <a:r>
+              <a:rPr lang="ko-KR" altLang="en-US" baseline="0" dirty="0"/>
               <a:t>결국</a:t>
             </a:r>
             <a:r>
-              <a:rPr lang="en-US" altLang="ko-KR" baseline="0" dirty="0" smtClean="0"/>
+              <a:rPr lang="en-US" altLang="ko-KR" baseline="0" dirty="0"/>
               <a:t>, </a:t>
             </a:r>
             <a:r>
-              <a:rPr lang="ko-KR" altLang="en-US" baseline="0" dirty="0" smtClean="0"/>
-              <a:t>어떠한 형태로든 인간의 </a:t>
-            </a:r>
-            <a:r>
-              <a:rPr lang="ko-KR" altLang="en-US" baseline="0" dirty="0" smtClean="0"/>
-              <a:t>삶에 밀접하게 연관되어있는 </a:t>
-            </a:r>
-            <a:r>
-              <a:rPr lang="ko-KR" altLang="en-US" baseline="0" dirty="0" err="1" smtClean="0"/>
+              <a:rPr lang="ko-KR" altLang="en-US" baseline="0" dirty="0"/>
+              <a:t>어떠한 형태로든 인간의 삶에 밀접하게 연관되어있는 </a:t>
+            </a:r>
+            <a:r>
+              <a:rPr lang="ko-KR" altLang="en-US" baseline="0" dirty="0" err="1"/>
               <a:t>체성</a:t>
             </a:r>
             <a:r>
-              <a:rPr lang="ko-KR" altLang="en-US" baseline="0" dirty="0" smtClean="0"/>
-              <a:t> 감각이라는 것은 없어서는 안될 요소이지만 그에 비하여 연구가 이루어진 부분은 턱없이 부족한 </a:t>
-            </a:r>
-            <a:r>
-              <a:rPr lang="ko-KR" altLang="en-US" baseline="0" dirty="0" smtClean="0"/>
-              <a:t>실</a:t>
-            </a:r>
-            <a:r>
-              <a:rPr lang="en-US" altLang="ko-KR" baseline="0" dirty="0" smtClean="0"/>
+              <a:rPr lang="ko-KR" altLang="en-US" baseline="0" dirty="0"/>
+              <a:t> 감각이라는 것은 없어서는 안될 요소이지만 그에 비하여 연구가 이루어진 부분은 턱없이 부족한 실</a:t>
+            </a:r>
+            <a:r>
+              <a:rPr lang="en-US" altLang="ko-KR" baseline="0" dirty="0"/>
               <a:t>	</a:t>
             </a:r>
             <a:r>
-              <a:rPr lang="ko-KR" altLang="en-US" baseline="0" dirty="0" smtClean="0"/>
+              <a:rPr lang="ko-KR" altLang="en-US" baseline="0" dirty="0"/>
               <a:t>정이다</a:t>
             </a:r>
             <a:r>
-              <a:rPr lang="en-US" altLang="ko-KR" baseline="0" dirty="0" smtClean="0"/>
+              <a:rPr lang="en-US" altLang="ko-KR" baseline="0" dirty="0"/>
               <a:t>.</a:t>
             </a:r>
             <a:endParaRPr lang="ko-KR" altLang="en-US" dirty="0"/>
@@ -1115,104 +1195,104 @@
           <a:lstStyle/>
           <a:p>
             <a:r>
-              <a:rPr lang="en-US" altLang="ko-KR" dirty="0" smtClean="0"/>
+              <a:rPr lang="en-US" altLang="ko-KR" dirty="0"/>
               <a:t>Chen </a:t>
             </a:r>
             <a:r>
-              <a:rPr lang="ko-KR" altLang="en-US" dirty="0" smtClean="0"/>
+              <a:rPr lang="ko-KR" altLang="en-US" dirty="0"/>
               <a:t>의 </a:t>
             </a:r>
             <a:r>
-              <a:rPr lang="en-US" altLang="ko-KR" dirty="0" smtClean="0"/>
+              <a:rPr lang="en-US" altLang="ko-KR" dirty="0"/>
               <a:t>2017</a:t>
             </a:r>
             <a:r>
-              <a:rPr lang="ko-KR" altLang="en-US" dirty="0" smtClean="0"/>
+              <a:rPr lang="ko-KR" altLang="en-US" dirty="0"/>
               <a:t>년 논문에서는 </a:t>
             </a:r>
             <a:r>
-              <a:rPr lang="en-US" altLang="ko-KR" dirty="0" smtClean="0"/>
+              <a:rPr lang="en-US" altLang="ko-KR" dirty="0"/>
               <a:t>2D motor</a:t>
             </a:r>
             <a:r>
-              <a:rPr lang="en-US" altLang="ko-KR" baseline="0" dirty="0" smtClean="0"/>
+              <a:rPr lang="en-US" altLang="ko-KR" baseline="0" dirty="0"/>
               <a:t> adaptation task</a:t>
             </a:r>
             <a:r>
-              <a:rPr lang="ko-KR" altLang="en-US" baseline="0" dirty="0" smtClean="0"/>
+              <a:rPr lang="ko-KR" altLang="en-US" baseline="0" dirty="0"/>
               <a:t>에서의 </a:t>
             </a:r>
             <a:r>
-              <a:rPr lang="en-US" altLang="ko-KR" baseline="0" dirty="0" smtClean="0"/>
+              <a:rPr lang="en-US" altLang="ko-KR" baseline="0" dirty="0"/>
               <a:t>performance</a:t>
             </a:r>
             <a:r>
-              <a:rPr lang="ko-KR" altLang="en-US" baseline="0" dirty="0" smtClean="0"/>
+              <a:rPr lang="ko-KR" altLang="en-US" baseline="0" dirty="0"/>
               <a:t>를 </a:t>
             </a:r>
             <a:r>
-              <a:rPr lang="en-US" altLang="ko-KR" dirty="0" smtClean="0"/>
+              <a:rPr lang="en-US" altLang="ko-KR" dirty="0"/>
               <a:t>decision making</a:t>
             </a:r>
             <a:r>
-              <a:rPr lang="ko-KR" altLang="en-US" dirty="0" smtClean="0"/>
+              <a:rPr lang="ko-KR" altLang="en-US" dirty="0"/>
               <a:t>과 </a:t>
             </a:r>
             <a:r>
-              <a:rPr lang="en-US" altLang="ko-KR" dirty="0" smtClean="0"/>
+              <a:rPr lang="en-US" altLang="ko-KR" dirty="0"/>
               <a:t>motor noise</a:t>
             </a:r>
             <a:r>
-              <a:rPr lang="ko-KR" altLang="en-US" dirty="0" smtClean="0"/>
+              <a:rPr lang="ko-KR" altLang="en-US" dirty="0"/>
               <a:t>를 혼합하는 </a:t>
             </a:r>
             <a:r>
-              <a:rPr lang="en-US" altLang="ko-KR" dirty="0" smtClean="0"/>
+              <a:rPr lang="en-US" altLang="ko-KR" dirty="0"/>
               <a:t>modeling</a:t>
             </a:r>
             <a:r>
-              <a:rPr lang="ko-KR" altLang="en-US" dirty="0" smtClean="0"/>
+              <a:rPr lang="ko-KR" altLang="en-US" dirty="0"/>
               <a:t>으로</a:t>
             </a:r>
-            <a:endParaRPr lang="en-US" altLang="ko-KR" dirty="0" smtClean="0"/>
-          </a:p>
-          <a:p>
-            <a:r>
-              <a:rPr lang="ko-KR" altLang="en-US" dirty="0" smtClean="0"/>
+            <a:endParaRPr lang="en-US" altLang="ko-KR" dirty="0"/>
+          </a:p>
+          <a:p>
+            <a:r>
+              <a:rPr lang="ko-KR" altLang="en-US" dirty="0"/>
               <a:t>설명하는 방식을 보여주었다</a:t>
             </a:r>
             <a:r>
-              <a:rPr lang="en-US" altLang="ko-KR" dirty="0" smtClean="0"/>
+              <a:rPr lang="en-US" altLang="ko-KR" dirty="0"/>
               <a:t>.</a:t>
             </a:r>
           </a:p>
           <a:p>
             <a:r>
-              <a:rPr lang="ko-KR" altLang="en-US" dirty="0" smtClean="0"/>
+              <a:rPr lang="ko-KR" altLang="en-US" dirty="0"/>
               <a:t>우리는 </a:t>
             </a:r>
             <a:r>
-              <a:rPr lang="en-US" altLang="ko-KR" dirty="0" smtClean="0"/>
+              <a:rPr lang="en-US" altLang="ko-KR" dirty="0"/>
               <a:t>motor adaptation </a:t>
             </a:r>
             <a:r>
-              <a:rPr lang="ko-KR" altLang="en-US" dirty="0" smtClean="0"/>
+              <a:rPr lang="ko-KR" altLang="en-US" dirty="0"/>
               <a:t>이 아니지만 이러한 </a:t>
             </a:r>
             <a:r>
-              <a:rPr lang="en-US" altLang="ko-KR" dirty="0" smtClean="0"/>
+              <a:rPr lang="en-US" altLang="ko-KR" dirty="0"/>
               <a:t>decision making </a:t>
             </a:r>
             <a:r>
-              <a:rPr lang="ko-KR" altLang="en-US" dirty="0" smtClean="0"/>
+              <a:rPr lang="ko-KR" altLang="en-US" dirty="0"/>
               <a:t>이 이루어질 수 있는 비슷한 상황에서</a:t>
             </a:r>
             <a:r>
-              <a:rPr lang="en-US" altLang="ko-KR" dirty="0" smtClean="0"/>
+              <a:rPr lang="en-US" altLang="ko-KR" dirty="0"/>
               <a:t>, </a:t>
             </a:r>
             <a:r>
-              <a:rPr lang="ko-KR" altLang="en-US" sz="1200" b="0" i="0" kern="1200" dirty="0" smtClean="0">
+              <a:rPr lang="ko-KR" altLang="en-US" sz="1200" b="0" i="0" kern="1200" dirty="0">
                 <a:solidFill>
                   <a:schemeClr val="tx1"/>
                 </a:solidFill>
@@ -1224,7 +1304,7 @@
               <a:t>탐색적 강화</a:t>
             </a:r>
             <a:r>
-              <a:rPr lang="ko-KR" altLang="en-US" sz="1200" b="0" i="0" kern="1200" baseline="0" dirty="0" smtClean="0">
+              <a:rPr lang="ko-KR" altLang="en-US" sz="1200" b="0" i="0" kern="1200" baseline="0" dirty="0">
                 <a:solidFill>
                   <a:schemeClr val="tx1"/>
                 </a:solidFill>
@@ -1236,7 +1316,7 @@
               <a:t> </a:t>
             </a:r>
             <a:r>
-              <a:rPr lang="ko-KR" altLang="en-US" sz="1200" b="0" i="0" kern="1200" dirty="0" smtClean="0">
+              <a:rPr lang="ko-KR" altLang="en-US" sz="1200" b="0" i="0" kern="1200" dirty="0">
                 <a:solidFill>
                   <a:schemeClr val="tx1"/>
                 </a:solidFill>
@@ -1248,7 +1328,7 @@
               <a:t>학습이 과제 불확실성</a:t>
             </a:r>
             <a:r>
-              <a:rPr lang="en-US" altLang="ko-KR" sz="1200" b="0" i="0" kern="1200" dirty="0" smtClean="0">
+              <a:rPr lang="en-US" altLang="ko-KR" sz="1200" b="0" i="0" kern="1200" dirty="0">
                 <a:solidFill>
                   <a:schemeClr val="tx1"/>
                 </a:solidFill>
@@ -1260,7 +1340,7 @@
               <a:t>, </a:t>
             </a:r>
             <a:r>
-              <a:rPr lang="ko-KR" altLang="en-US" sz="1200" b="0" i="0" kern="1200" dirty="0" smtClean="0">
+              <a:rPr lang="ko-KR" altLang="en-US" sz="1200" b="0" i="0" kern="1200" dirty="0">
                 <a:solidFill>
                   <a:schemeClr val="tx1"/>
                 </a:solidFill>
@@ -1269,34 +1349,10 @@
                 <a:ea typeface="+mn-ea"/>
                 <a:cs typeface="+mn-cs"/>
               </a:rPr>
-              <a:t>감각 불확실성 및 </a:t>
-            </a:r>
-            <a:r>
-              <a:rPr lang="ko-KR" altLang="en-US" sz="1200" b="0" i="0" kern="1200" dirty="0" smtClean="0">
-                <a:solidFill>
-                  <a:schemeClr val="tx1"/>
-                </a:solidFill>
-                <a:effectLst/>
-                <a:latin typeface="+mn-lt"/>
-                <a:ea typeface="+mn-ea"/>
-                <a:cs typeface="+mn-cs"/>
-              </a:rPr>
-              <a:t>움직임 </a:t>
-            </a:r>
-            <a:r>
-              <a:rPr lang="ko-KR" altLang="en-US" sz="1200" b="0" i="0" kern="1200" dirty="0" smtClean="0">
-                <a:solidFill>
-                  <a:schemeClr val="tx1"/>
-                </a:solidFill>
-                <a:effectLst/>
-                <a:latin typeface="+mn-lt"/>
-                <a:ea typeface="+mn-ea"/>
-                <a:cs typeface="+mn-cs"/>
-              </a:rPr>
-              <a:t>불확실성 앞에서 보상을 최적화하는 순차적 의사결정 과제인지 알아보고 싶다</a:t>
-            </a:r>
-            <a:r>
-              <a:rPr lang="en-US" altLang="ko-KR" sz="1200" b="0" i="0" kern="1200" dirty="0" smtClean="0">
+              <a:t>감각 불확실성 및 움직임 불확실성 앞에서 보상을 최적화하는 순차적 의사결정 과제인지 알아보고 싶다</a:t>
+            </a:r>
+            <a:r>
+              <a:rPr lang="en-US" altLang="ko-KR" sz="1200" b="0" i="0" kern="1200" dirty="0">
                 <a:solidFill>
                   <a:schemeClr val="tx1"/>
                 </a:solidFill>
@@ -1308,7 +1364,7 @@
               <a:t>. </a:t>
             </a:r>
             <a:r>
-              <a:rPr lang="ko-KR" altLang="en-US" sz="1200" b="0" i="0" kern="1200" dirty="0" smtClean="0">
+              <a:rPr lang="ko-KR" altLang="en-US" sz="1200" b="0" i="0" kern="1200" dirty="0">
                 <a:solidFill>
                   <a:schemeClr val="tx1"/>
                 </a:solidFill>
@@ -1320,7 +1376,7 @@
               <a:t>또한 </a:t>
             </a:r>
             <a:r>
-              <a:rPr lang="en-US" altLang="ko-KR" sz="1200" b="0" i="0" kern="1200" dirty="0" smtClean="0">
+              <a:rPr lang="en-US" altLang="ko-KR" sz="1200" b="0" i="0" kern="1200" dirty="0">
                 <a:solidFill>
                   <a:schemeClr val="tx1"/>
                 </a:solidFill>
@@ -1332,7 +1388,7 @@
               <a:t>fMRI</a:t>
             </a:r>
             <a:r>
-              <a:rPr lang="ko-KR" altLang="en-US" sz="1200" b="0" i="0" kern="1200" dirty="0" smtClean="0">
+              <a:rPr lang="ko-KR" altLang="en-US" sz="1200" b="0" i="0" kern="1200" dirty="0">
                 <a:solidFill>
                   <a:schemeClr val="tx1"/>
                 </a:solidFill>
@@ -1341,34 +1397,10 @@
                 <a:ea typeface="+mn-ea"/>
                 <a:cs typeface="+mn-cs"/>
               </a:rPr>
-              <a:t>를 </a:t>
-            </a:r>
-            <a:r>
-              <a:rPr lang="ko-KR" altLang="en-US" sz="1200" b="0" i="0" kern="1200" dirty="0" smtClean="0">
-                <a:solidFill>
-                  <a:schemeClr val="tx1"/>
-                </a:solidFill>
-                <a:effectLst/>
-                <a:latin typeface="+mn-lt"/>
-                <a:ea typeface="+mn-ea"/>
-                <a:cs typeface="+mn-cs"/>
-              </a:rPr>
-              <a:t>통해 </a:t>
-            </a:r>
-            <a:r>
-              <a:rPr lang="ko-KR" altLang="en-US" sz="1200" b="0" i="0" kern="1200" dirty="0" smtClean="0">
-                <a:solidFill>
-                  <a:schemeClr val="tx1"/>
-                </a:solidFill>
-                <a:effectLst/>
-                <a:latin typeface="+mn-lt"/>
-                <a:ea typeface="+mn-ea"/>
-                <a:cs typeface="+mn-cs"/>
-              </a:rPr>
-              <a:t>이 과정을 인간에게서 확인하고자 한다</a:t>
-            </a:r>
-            <a:r>
-              <a:rPr lang="en-US" altLang="ko-KR" sz="1200" b="0" i="0" kern="1200" dirty="0" smtClean="0">
+              <a:t>를 통해 이 과정을 인간에게서 확인하고자 한다</a:t>
+            </a:r>
+            <a:r>
+              <a:rPr lang="en-US" altLang="ko-KR" sz="1200" b="0" i="0" kern="1200" dirty="0">
                 <a:solidFill>
                   <a:schemeClr val="tx1"/>
                 </a:solidFill>
@@ -1464,23 +1496,23 @@
           <a:lstStyle/>
           <a:p>
             <a:r>
-              <a:rPr lang="ko-KR" altLang="en-US" dirty="0" smtClean="0"/>
+              <a:rPr lang="ko-KR" altLang="en-US" dirty="0"/>
               <a:t>우리는 촉각과 운동능력을 모두 갖춘 가장 훌륭한 신체기관인 손을 이용하여</a:t>
             </a:r>
             <a:r>
-              <a:rPr lang="ko-KR" altLang="en-US" baseline="0" dirty="0" smtClean="0"/>
+              <a:rPr lang="ko-KR" altLang="en-US" baseline="0" dirty="0"/>
               <a:t> 진동자극을 느낀 손과 그것을 토대로 하는 </a:t>
             </a:r>
             <a:r>
-              <a:rPr lang="en-US" altLang="ko-KR" baseline="0" dirty="0" smtClean="0"/>
+              <a:rPr lang="en-US" altLang="ko-KR" baseline="0" dirty="0"/>
               <a:t>decision making</a:t>
             </a:r>
             <a:r>
-              <a:rPr lang="ko-KR" altLang="en-US" baseline="0" dirty="0" smtClean="0"/>
+              <a:rPr lang="ko-KR" altLang="en-US" baseline="0" dirty="0"/>
               <a:t>을 살펴보고자 하는 실험을 계획했다</a:t>
             </a:r>
             <a:r>
-              <a:rPr lang="en-US" altLang="ko-KR" baseline="0" dirty="0" smtClean="0"/>
+              <a:rPr lang="en-US" altLang="ko-KR" baseline="0" dirty="0"/>
               <a:t>.</a:t>
             </a:r>
           </a:p>
@@ -1570,11 +1602,11 @@
           <a:lstStyle/>
           <a:p>
             <a:r>
-              <a:rPr lang="ko-KR" altLang="en-US" dirty="0" smtClean="0"/>
+              <a:rPr lang="ko-KR" altLang="en-US" dirty="0"/>
               <a:t>우리가 실험에서 피험자들에게 제공할 실험장비는 다음과 같다</a:t>
             </a:r>
             <a:r>
-              <a:rPr lang="en-US" altLang="ko-KR" dirty="0" smtClean="0"/>
+              <a:rPr lang="en-US" altLang="ko-KR" dirty="0"/>
               <a:t>.</a:t>
             </a:r>
             <a:endParaRPr lang="ko-KR" altLang="en-US" dirty="0"/>
@@ -1662,21 +1694,21 @@
           <a:lstStyle/>
           <a:p>
             <a:r>
-              <a:rPr lang="ko-KR" altLang="en-US" dirty="0" smtClean="0"/>
+              <a:rPr lang="ko-KR" altLang="en-US" dirty="0"/>
               <a:t>세부적인 실험과정은 이보다 복잡하지만 간단하게 정리하면 다음과 같은 세가지 방식의 실험이 존재한다</a:t>
             </a:r>
             <a:r>
-              <a:rPr lang="en-US" altLang="ko-KR" dirty="0" smtClean="0"/>
+              <a:rPr lang="en-US" altLang="ko-KR" dirty="0"/>
               <a:t>.</a:t>
             </a:r>
           </a:p>
           <a:p>
             <a:r>
-              <a:rPr lang="ko-KR" altLang="en-US" dirty="0" smtClean="0"/>
+              <a:rPr lang="ko-KR" altLang="en-US" dirty="0"/>
               <a:t>진동수를 다르게 설정한 이유는 </a:t>
             </a:r>
             <a:r>
-              <a:rPr lang="en-US" altLang="ko-KR" dirty="0" smtClean="0"/>
+              <a:rPr lang="en-US" altLang="ko-KR" dirty="0"/>
               <a:t>Weber</a:t>
             </a:r>
             <a:endParaRPr lang="ko-KR" altLang="en-US" dirty="0"/>
@@ -1720,6 +1752,90 @@
 </file>
 
 <file path=ppt/notesSlides/notesSlide7.xml><?xml version="1.0" encoding="utf-8"?>
+<p:notes xmlns:a="http://schemas.openxmlformats.org/drawingml/2006/main" xmlns:r="http://schemas.openxmlformats.org/officeDocument/2006/relationships" xmlns:p="http://schemas.openxmlformats.org/presentationml/2006/main">
+  <p:cSld>
+    <p:spTree>
+      <p:nvGrpSpPr>
+        <p:cNvPr id="1" name=""/>
+        <p:cNvGrpSpPr/>
+        <p:nvPr/>
+      </p:nvGrpSpPr>
+      <p:grpSpPr>
+        <a:xfrm>
+          <a:off x="0" y="0"/>
+          <a:ext cx="0" cy="0"/>
+          <a:chOff x="0" y="0"/>
+          <a:chExt cx="0" cy="0"/>
+        </a:xfrm>
+      </p:grpSpPr>
+      <p:sp>
+        <p:nvSpPr>
+          <p:cNvPr id="2" name="Slide Image Placeholder 1"/>
+          <p:cNvSpPr>
+            <a:spLocks noGrp="1" noRot="1" noChangeAspect="1"/>
+          </p:cNvSpPr>
+          <p:nvPr>
+            <p:ph type="sldImg"/>
+          </p:nvPr>
+        </p:nvSpPr>
+        <p:spPr/>
+      </p:sp>
+      <p:sp>
+        <p:nvSpPr>
+          <p:cNvPr id="3" name="Notes Placeholder 2"/>
+          <p:cNvSpPr>
+            <a:spLocks noGrp="1"/>
+          </p:cNvSpPr>
+          <p:nvPr>
+            <p:ph type="body" idx="1"/>
+          </p:nvPr>
+        </p:nvSpPr>
+        <p:spPr/>
+        <p:txBody>
+          <a:bodyPr/>
+          <a:lstStyle/>
+          <a:p>
+            <a:endParaRPr lang="ko-KR" altLang="en-US" dirty="0"/>
+          </a:p>
+        </p:txBody>
+      </p:sp>
+      <p:sp>
+        <p:nvSpPr>
+          <p:cNvPr id="4" name="Slide Number Placeholder 3"/>
+          <p:cNvSpPr>
+            <a:spLocks noGrp="1"/>
+          </p:cNvSpPr>
+          <p:nvPr>
+            <p:ph type="sldNum" sz="quarter" idx="5"/>
+          </p:nvPr>
+        </p:nvSpPr>
+        <p:spPr/>
+        <p:txBody>
+          <a:bodyPr/>
+          <a:lstStyle/>
+          <a:p>
+            <a:fld id="{80A3CF43-E014-4CFB-B2B6-E9FAB9BED37C}" type="slidenum">
+              <a:rPr lang="ko-KR" altLang="en-US" smtClean="0"/>
+              <a:t>8</a:t>
+            </a:fld>
+            <a:endParaRPr lang="ko-KR" altLang="en-US"/>
+          </a:p>
+        </p:txBody>
+      </p:sp>
+    </p:spTree>
+    <p:extLst>
+      <p:ext uri="{BB962C8B-B14F-4D97-AF65-F5344CB8AC3E}">
+        <p14:creationId xmlns:p14="http://schemas.microsoft.com/office/powerpoint/2010/main" val="3711802217"/>
+      </p:ext>
+    </p:extLst>
+  </p:cSld>
+  <p:clrMapOvr>
+    <a:masterClrMapping/>
+  </p:clrMapOvr>
+</p:notes>
+</file>
+
+<file path=ppt/notesSlides/notesSlide8.xml><?xml version="1.0" encoding="utf-8"?>
 <p:notes xmlns:a="http://schemas.openxmlformats.org/drawingml/2006/main" xmlns:r="http://schemas.openxmlformats.org/officeDocument/2006/relationships" xmlns:p="http://schemas.openxmlformats.org/presentationml/2006/main">
   <p:cSld>
     <p:spTree>
@@ -1784,7 +1900,7 @@
           <a:p>
             <a:fld id="{80A3CF43-E014-4CFB-B2B6-E9FAB9BED37C}" type="slidenum">
               <a:rPr lang="ko-KR" altLang="en-US" smtClean="0"/>
-              <a:t>11</a:t>
+              <a:t>12</a:t>
             </a:fld>
             <a:endParaRPr lang="ko-KR" altLang="en-US"/>
           </a:p>
@@ -1852,7 +1968,7 @@
           </a:lstStyle>
           <a:p>
             <a:r>
-              <a:rPr lang="ko-KR" altLang="en-US" smtClean="0"/>
+              <a:rPr lang="ko-KR" altLang="en-US"/>
               <a:t>마스터 제목 스타일 편집</a:t>
             </a:r>
             <a:endParaRPr lang="en-US" dirty="0"/>
@@ -1973,7 +2089,7 @@
           </a:lstStyle>
           <a:p>
             <a:r>
-              <a:rPr lang="ko-KR" altLang="en-US" smtClean="0"/>
+              <a:rPr lang="ko-KR" altLang="en-US"/>
               <a:t>마스터 부제목 스타일 편집</a:t>
             </a:r>
             <a:endParaRPr lang="en-US" dirty="0"/>
@@ -1997,7 +2113,7 @@
           <a:p>
             <a:fld id="{FB30EDBD-1C2D-4C1E-B459-B60219FAB484}" type="datetimeFigureOut">
               <a:rPr lang="ko-KR" altLang="en-US" smtClean="0"/>
-              <a:t>2020-01-09</a:t>
+              <a:t>07/20</a:t>
             </a:fld>
             <a:endParaRPr lang="ko-KR" altLang="en-US"/>
           </a:p>
@@ -2086,7 +2202,7 @@
           <a:lstStyle/>
           <a:p>
             <a:r>
-              <a:rPr lang="ko-KR" altLang="en-US" smtClean="0"/>
+              <a:rPr lang="ko-KR" altLang="en-US"/>
               <a:t>마스터 제목 스타일 편집</a:t>
             </a:r>
             <a:endParaRPr lang="en-US"/>
@@ -2110,35 +2226,35 @@
           <a:p>
             <a:pPr lvl="0"/>
             <a:r>
-              <a:rPr lang="ko-KR" altLang="en-US" smtClean="0"/>
+              <a:rPr lang="ko-KR" altLang="en-US"/>
               <a:t>마스터 텍스트 스타일을 편집합니다</a:t>
             </a:r>
           </a:p>
           <a:p>
             <a:pPr lvl="1"/>
             <a:r>
-              <a:rPr lang="ko-KR" altLang="en-US" smtClean="0"/>
+              <a:rPr lang="ko-KR" altLang="en-US"/>
               <a:t>둘째 수준</a:t>
             </a:r>
           </a:p>
           <a:p>
             <a:pPr lvl="2"/>
             <a:r>
-              <a:rPr lang="ko-KR" altLang="en-US" smtClean="0"/>
+              <a:rPr lang="ko-KR" altLang="en-US"/>
               <a:t>셋째 수준</a:t>
             </a:r>
           </a:p>
           <a:p>
             <a:pPr lvl="3"/>
             <a:r>
-              <a:rPr lang="ko-KR" altLang="en-US" smtClean="0"/>
+              <a:rPr lang="ko-KR" altLang="en-US"/>
               <a:t>넷째 수준</a:t>
             </a:r>
           </a:p>
           <a:p>
             <a:pPr lvl="4"/>
             <a:r>
-              <a:rPr lang="ko-KR" altLang="en-US" smtClean="0"/>
+              <a:rPr lang="ko-KR" altLang="en-US"/>
               <a:t>다섯째 수준</a:t>
             </a:r>
             <a:endParaRPr lang="en-US"/>
@@ -2162,7 +2278,7 @@
           <a:p>
             <a:fld id="{FB30EDBD-1C2D-4C1E-B459-B60219FAB484}" type="datetimeFigureOut">
               <a:rPr lang="ko-KR" altLang="en-US" smtClean="0"/>
-              <a:t>2020-01-09</a:t>
+              <a:t>07/20</a:t>
             </a:fld>
             <a:endParaRPr lang="ko-KR" altLang="en-US"/>
           </a:p>
@@ -2256,7 +2372,7 @@
           <a:lstStyle/>
           <a:p>
             <a:r>
-              <a:rPr lang="ko-KR" altLang="en-US" smtClean="0"/>
+              <a:rPr lang="ko-KR" altLang="en-US"/>
               <a:t>마스터 제목 스타일 편집</a:t>
             </a:r>
             <a:endParaRPr lang="en-US" dirty="0"/>
@@ -2285,35 +2401,35 @@
           <a:p>
             <a:pPr lvl="0"/>
             <a:r>
-              <a:rPr lang="ko-KR" altLang="en-US" smtClean="0"/>
+              <a:rPr lang="ko-KR" altLang="en-US"/>
               <a:t>마스터 텍스트 스타일을 편집합니다</a:t>
             </a:r>
           </a:p>
           <a:p>
             <a:pPr lvl="1"/>
             <a:r>
-              <a:rPr lang="ko-KR" altLang="en-US" smtClean="0"/>
+              <a:rPr lang="ko-KR" altLang="en-US"/>
               <a:t>둘째 수준</a:t>
             </a:r>
           </a:p>
           <a:p>
             <a:pPr lvl="2"/>
             <a:r>
-              <a:rPr lang="ko-KR" altLang="en-US" smtClean="0"/>
+              <a:rPr lang="ko-KR" altLang="en-US"/>
               <a:t>셋째 수준</a:t>
             </a:r>
           </a:p>
           <a:p>
             <a:pPr lvl="3"/>
             <a:r>
-              <a:rPr lang="ko-KR" altLang="en-US" smtClean="0"/>
+              <a:rPr lang="ko-KR" altLang="en-US"/>
               <a:t>넷째 수준</a:t>
             </a:r>
           </a:p>
           <a:p>
             <a:pPr lvl="4"/>
             <a:r>
-              <a:rPr lang="ko-KR" altLang="en-US" smtClean="0"/>
+              <a:rPr lang="ko-KR" altLang="en-US"/>
               <a:t>다섯째 수준</a:t>
             </a:r>
             <a:endParaRPr lang="en-US"/>
@@ -2337,7 +2453,7 @@
           <a:p>
             <a:fld id="{FB30EDBD-1C2D-4C1E-B459-B60219FAB484}" type="datetimeFigureOut">
               <a:rPr lang="ko-KR" altLang="en-US" smtClean="0"/>
-              <a:t>2020-01-09</a:t>
+              <a:t>07/20</a:t>
             </a:fld>
             <a:endParaRPr lang="ko-KR" altLang="en-US"/>
           </a:p>
@@ -2426,7 +2542,7 @@
           <a:lstStyle/>
           <a:p>
             <a:r>
-              <a:rPr lang="ko-KR" altLang="en-US" smtClean="0"/>
+              <a:rPr lang="ko-KR" altLang="en-US"/>
               <a:t>마스터 제목 스타일 편집</a:t>
             </a:r>
             <a:endParaRPr lang="en-US"/>
@@ -2450,35 +2566,35 @@
           <a:p>
             <a:pPr lvl="0"/>
             <a:r>
-              <a:rPr lang="ko-KR" altLang="en-US" smtClean="0"/>
+              <a:rPr lang="ko-KR" altLang="en-US"/>
               <a:t>마스터 텍스트 스타일을 편집합니다</a:t>
             </a:r>
           </a:p>
           <a:p>
             <a:pPr lvl="1"/>
             <a:r>
-              <a:rPr lang="ko-KR" altLang="en-US" smtClean="0"/>
+              <a:rPr lang="ko-KR" altLang="en-US"/>
               <a:t>둘째 수준</a:t>
             </a:r>
           </a:p>
           <a:p>
             <a:pPr lvl="2"/>
             <a:r>
-              <a:rPr lang="ko-KR" altLang="en-US" smtClean="0"/>
+              <a:rPr lang="ko-KR" altLang="en-US"/>
               <a:t>셋째 수준</a:t>
             </a:r>
           </a:p>
           <a:p>
             <a:pPr lvl="3"/>
             <a:r>
-              <a:rPr lang="ko-KR" altLang="en-US" smtClean="0"/>
+              <a:rPr lang="ko-KR" altLang="en-US"/>
               <a:t>넷째 수준</a:t>
             </a:r>
           </a:p>
           <a:p>
             <a:pPr lvl="4"/>
             <a:r>
-              <a:rPr lang="ko-KR" altLang="en-US" smtClean="0"/>
+              <a:rPr lang="ko-KR" altLang="en-US"/>
               <a:t>다섯째 수준</a:t>
             </a:r>
             <a:endParaRPr lang="en-US"/>
@@ -2502,7 +2618,7 @@
           <a:p>
             <a:fld id="{FB30EDBD-1C2D-4C1E-B459-B60219FAB484}" type="datetimeFigureOut">
               <a:rPr lang="ko-KR" altLang="en-US" smtClean="0"/>
-              <a:t>2020-01-09</a:t>
+              <a:t>07/20</a:t>
             </a:fld>
             <a:endParaRPr lang="ko-KR" altLang="en-US"/>
           </a:p>
@@ -2600,7 +2716,7 @@
           </a:lstStyle>
           <a:p>
             <a:r>
-              <a:rPr lang="ko-KR" altLang="en-US" smtClean="0"/>
+              <a:rPr lang="ko-KR" altLang="en-US"/>
               <a:t>마스터 제목 스타일 편집</a:t>
             </a:r>
             <a:endParaRPr lang="en-US" dirty="0"/>
@@ -2720,7 +2836,7 @@
           <a:p>
             <a:pPr lvl="0"/>
             <a:r>
-              <a:rPr lang="ko-KR" altLang="en-US" smtClean="0"/>
+              <a:rPr lang="ko-KR" altLang="en-US"/>
               <a:t>마스터 텍스트 스타일을 편집합니다</a:t>
             </a:r>
           </a:p>
@@ -2743,7 +2859,7 @@
           <a:p>
             <a:fld id="{FB30EDBD-1C2D-4C1E-B459-B60219FAB484}" type="datetimeFigureOut">
               <a:rPr lang="ko-KR" altLang="en-US" smtClean="0"/>
-              <a:t>2020-01-09</a:t>
+              <a:t>07/20</a:t>
             </a:fld>
             <a:endParaRPr lang="ko-KR" altLang="en-US"/>
           </a:p>
@@ -2832,7 +2948,7 @@
           <a:lstStyle/>
           <a:p>
             <a:r>
-              <a:rPr lang="ko-KR" altLang="en-US" smtClean="0"/>
+              <a:rPr lang="ko-KR" altLang="en-US"/>
               <a:t>마스터 제목 스타일 편집</a:t>
             </a:r>
             <a:endParaRPr lang="en-US"/>
@@ -2889,35 +3005,35 @@
           <a:p>
             <a:pPr lvl="0"/>
             <a:r>
-              <a:rPr lang="ko-KR" altLang="en-US" smtClean="0"/>
+              <a:rPr lang="ko-KR" altLang="en-US"/>
               <a:t>마스터 텍스트 스타일을 편집합니다</a:t>
             </a:r>
           </a:p>
           <a:p>
             <a:pPr lvl="1"/>
             <a:r>
-              <a:rPr lang="ko-KR" altLang="en-US" smtClean="0"/>
+              <a:rPr lang="ko-KR" altLang="en-US"/>
               <a:t>둘째 수준</a:t>
             </a:r>
           </a:p>
           <a:p>
             <a:pPr lvl="2"/>
             <a:r>
-              <a:rPr lang="ko-KR" altLang="en-US" smtClean="0"/>
+              <a:rPr lang="ko-KR" altLang="en-US"/>
               <a:t>셋째 수준</a:t>
             </a:r>
           </a:p>
           <a:p>
             <a:pPr lvl="3"/>
             <a:r>
-              <a:rPr lang="ko-KR" altLang="en-US" smtClean="0"/>
+              <a:rPr lang="ko-KR" altLang="en-US"/>
               <a:t>넷째 수준</a:t>
             </a:r>
           </a:p>
           <a:p>
             <a:pPr lvl="4"/>
             <a:r>
-              <a:rPr lang="ko-KR" altLang="en-US" smtClean="0"/>
+              <a:rPr lang="ko-KR" altLang="en-US"/>
               <a:t>다섯째 수준</a:t>
             </a:r>
             <a:endParaRPr lang="en-US" dirty="0"/>
@@ -2974,35 +3090,35 @@
           <a:p>
             <a:pPr lvl="0"/>
             <a:r>
-              <a:rPr lang="ko-KR" altLang="en-US" smtClean="0"/>
+              <a:rPr lang="ko-KR" altLang="en-US"/>
               <a:t>마스터 텍스트 스타일을 편집합니다</a:t>
             </a:r>
           </a:p>
           <a:p>
             <a:pPr lvl="1"/>
             <a:r>
-              <a:rPr lang="ko-KR" altLang="en-US" smtClean="0"/>
+              <a:rPr lang="ko-KR" altLang="en-US"/>
               <a:t>둘째 수준</a:t>
             </a:r>
           </a:p>
           <a:p>
             <a:pPr lvl="2"/>
             <a:r>
-              <a:rPr lang="ko-KR" altLang="en-US" smtClean="0"/>
+              <a:rPr lang="ko-KR" altLang="en-US"/>
               <a:t>셋째 수준</a:t>
             </a:r>
           </a:p>
           <a:p>
             <a:pPr lvl="3"/>
             <a:r>
-              <a:rPr lang="ko-KR" altLang="en-US" smtClean="0"/>
+              <a:rPr lang="ko-KR" altLang="en-US"/>
               <a:t>넷째 수준</a:t>
             </a:r>
           </a:p>
           <a:p>
             <a:pPr lvl="4"/>
             <a:r>
-              <a:rPr lang="ko-KR" altLang="en-US" smtClean="0"/>
+              <a:rPr lang="ko-KR" altLang="en-US"/>
               <a:t>다섯째 수준</a:t>
             </a:r>
             <a:endParaRPr lang="en-US" dirty="0"/>
@@ -3026,7 +3142,7 @@
           <a:p>
             <a:fld id="{FB30EDBD-1C2D-4C1E-B459-B60219FAB484}" type="datetimeFigureOut">
               <a:rPr lang="ko-KR" altLang="en-US" smtClean="0"/>
-              <a:t>2020-01-09</a:t>
+              <a:t>07/20</a:t>
             </a:fld>
             <a:endParaRPr lang="ko-KR" altLang="en-US"/>
           </a:p>
@@ -3119,7 +3235,7 @@
           </a:lstStyle>
           <a:p>
             <a:r>
-              <a:rPr lang="ko-KR" altLang="en-US" smtClean="0"/>
+              <a:rPr lang="ko-KR" altLang="en-US"/>
               <a:t>마스터 제목 스타일 편집</a:t>
             </a:r>
             <a:endParaRPr lang="en-US"/>
@@ -3191,7 +3307,7 @@
           <a:p>
             <a:pPr lvl="0"/>
             <a:r>
-              <a:rPr lang="ko-KR" altLang="en-US" smtClean="0"/>
+              <a:rPr lang="ko-KR" altLang="en-US"/>
               <a:t>마스터 텍스트 스타일을 편집합니다</a:t>
             </a:r>
           </a:p>
@@ -3247,35 +3363,35 @@
           <a:p>
             <a:pPr lvl="0"/>
             <a:r>
-              <a:rPr lang="ko-KR" altLang="en-US" smtClean="0"/>
+              <a:rPr lang="ko-KR" altLang="en-US"/>
               <a:t>마스터 텍스트 스타일을 편집합니다</a:t>
             </a:r>
           </a:p>
           <a:p>
             <a:pPr lvl="1"/>
             <a:r>
-              <a:rPr lang="ko-KR" altLang="en-US" smtClean="0"/>
+              <a:rPr lang="ko-KR" altLang="en-US"/>
               <a:t>둘째 수준</a:t>
             </a:r>
           </a:p>
           <a:p>
             <a:pPr lvl="2"/>
             <a:r>
-              <a:rPr lang="ko-KR" altLang="en-US" smtClean="0"/>
+              <a:rPr lang="ko-KR" altLang="en-US"/>
               <a:t>셋째 수준</a:t>
             </a:r>
           </a:p>
           <a:p>
             <a:pPr lvl="3"/>
             <a:r>
-              <a:rPr lang="ko-KR" altLang="en-US" smtClean="0"/>
+              <a:rPr lang="ko-KR" altLang="en-US"/>
               <a:t>넷째 수준</a:t>
             </a:r>
           </a:p>
           <a:p>
             <a:pPr lvl="4"/>
             <a:r>
-              <a:rPr lang="ko-KR" altLang="en-US" smtClean="0"/>
+              <a:rPr lang="ko-KR" altLang="en-US"/>
               <a:t>다섯째 수준</a:t>
             </a:r>
             <a:endParaRPr lang="en-US" dirty="0"/>
@@ -3347,7 +3463,7 @@
           <a:p>
             <a:pPr lvl="0"/>
             <a:r>
-              <a:rPr lang="ko-KR" altLang="en-US" smtClean="0"/>
+              <a:rPr lang="ko-KR" altLang="en-US"/>
               <a:t>마스터 텍스트 스타일을 편집합니다</a:t>
             </a:r>
           </a:p>
@@ -3403,35 +3519,35 @@
           <a:p>
             <a:pPr lvl="0"/>
             <a:r>
-              <a:rPr lang="ko-KR" altLang="en-US" smtClean="0"/>
+              <a:rPr lang="ko-KR" altLang="en-US"/>
               <a:t>마스터 텍스트 스타일을 편집합니다</a:t>
             </a:r>
           </a:p>
           <a:p>
             <a:pPr lvl="1"/>
             <a:r>
-              <a:rPr lang="ko-KR" altLang="en-US" smtClean="0"/>
+              <a:rPr lang="ko-KR" altLang="en-US"/>
               <a:t>둘째 수준</a:t>
             </a:r>
           </a:p>
           <a:p>
             <a:pPr lvl="2"/>
             <a:r>
-              <a:rPr lang="ko-KR" altLang="en-US" smtClean="0"/>
+              <a:rPr lang="ko-KR" altLang="en-US"/>
               <a:t>셋째 수준</a:t>
             </a:r>
           </a:p>
           <a:p>
             <a:pPr lvl="3"/>
             <a:r>
-              <a:rPr lang="ko-KR" altLang="en-US" smtClean="0"/>
+              <a:rPr lang="ko-KR" altLang="en-US"/>
               <a:t>넷째 수준</a:t>
             </a:r>
           </a:p>
           <a:p>
             <a:pPr lvl="4"/>
             <a:r>
-              <a:rPr lang="ko-KR" altLang="en-US" smtClean="0"/>
+              <a:rPr lang="ko-KR" altLang="en-US"/>
               <a:t>다섯째 수준</a:t>
             </a:r>
             <a:endParaRPr lang="en-US"/>
@@ -3455,7 +3571,7 @@
           <a:p>
             <a:fld id="{FB30EDBD-1C2D-4C1E-B459-B60219FAB484}" type="datetimeFigureOut">
               <a:rPr lang="ko-KR" altLang="en-US" smtClean="0"/>
-              <a:t>2020-01-09</a:t>
+              <a:t>07/20</a:t>
             </a:fld>
             <a:endParaRPr lang="ko-KR" altLang="en-US"/>
           </a:p>
@@ -3544,7 +3660,7 @@
           <a:lstStyle/>
           <a:p>
             <a:r>
-              <a:rPr lang="ko-KR" altLang="en-US" smtClean="0"/>
+              <a:rPr lang="ko-KR" altLang="en-US"/>
               <a:t>마스터 제목 스타일 편집</a:t>
             </a:r>
             <a:endParaRPr lang="en-US"/>
@@ -3568,7 +3684,7 @@
           <a:p>
             <a:fld id="{FB30EDBD-1C2D-4C1E-B459-B60219FAB484}" type="datetimeFigureOut">
               <a:rPr lang="ko-KR" altLang="en-US" smtClean="0"/>
-              <a:t>2020-01-09</a:t>
+              <a:t>07/20</a:t>
             </a:fld>
             <a:endParaRPr lang="ko-KR" altLang="en-US"/>
           </a:p>
@@ -3658,7 +3774,7 @@
           <a:p>
             <a:fld id="{FB30EDBD-1C2D-4C1E-B459-B60219FAB484}" type="datetimeFigureOut">
               <a:rPr lang="ko-KR" altLang="en-US" smtClean="0"/>
-              <a:t>2020-01-09</a:t>
+              <a:t>07/20</a:t>
             </a:fld>
             <a:endParaRPr lang="ko-KR" altLang="en-US"/>
           </a:p>
@@ -3756,7 +3872,7 @@
           </a:lstStyle>
           <a:p>
             <a:r>
-              <a:rPr lang="ko-KR" altLang="en-US" smtClean="0"/>
+              <a:rPr lang="ko-KR" altLang="en-US"/>
               <a:t>마스터 제목 스타일 편집</a:t>
             </a:r>
             <a:endParaRPr lang="en-US" dirty="0"/>
@@ -3824,7 +3940,7 @@
           <a:p>
             <a:pPr lvl="0"/>
             <a:r>
-              <a:rPr lang="ko-KR" altLang="en-US" smtClean="0"/>
+              <a:rPr lang="ko-KR" altLang="en-US"/>
               <a:t>마스터 텍스트 스타일을 편집합니다</a:t>
             </a:r>
           </a:p>
@@ -3847,7 +3963,7 @@
           <a:p>
             <a:fld id="{FB30EDBD-1C2D-4C1E-B459-B60219FAB484}" type="datetimeFigureOut">
               <a:rPr lang="ko-KR" altLang="en-US" smtClean="0"/>
-              <a:t>2020-01-09</a:t>
+              <a:t>07/20</a:t>
             </a:fld>
             <a:endParaRPr lang="ko-KR" altLang="en-US"/>
           </a:p>
@@ -3917,35 +4033,35 @@
           <a:p>
             <a:pPr lvl="0"/>
             <a:r>
-              <a:rPr lang="ko-KR" altLang="en-US" smtClean="0"/>
+              <a:rPr lang="ko-KR" altLang="en-US"/>
               <a:t>마스터 텍스트 스타일을 편집합니다</a:t>
             </a:r>
           </a:p>
           <a:p>
             <a:pPr lvl="1"/>
             <a:r>
-              <a:rPr lang="ko-KR" altLang="en-US" smtClean="0"/>
+              <a:rPr lang="ko-KR" altLang="en-US"/>
               <a:t>둘째 수준</a:t>
             </a:r>
           </a:p>
           <a:p>
             <a:pPr lvl="2"/>
             <a:r>
-              <a:rPr lang="ko-KR" altLang="en-US" smtClean="0"/>
+              <a:rPr lang="ko-KR" altLang="en-US"/>
               <a:t>셋째 수준</a:t>
             </a:r>
           </a:p>
           <a:p>
             <a:pPr lvl="3"/>
             <a:r>
-              <a:rPr lang="ko-KR" altLang="en-US" smtClean="0"/>
+              <a:rPr lang="ko-KR" altLang="en-US"/>
               <a:t>넷째 수준</a:t>
             </a:r>
           </a:p>
           <a:p>
             <a:pPr lvl="4"/>
             <a:r>
-              <a:rPr lang="ko-KR" altLang="en-US" smtClean="0"/>
+              <a:rPr lang="ko-KR" altLang="en-US"/>
               <a:t>다섯째 수준</a:t>
             </a:r>
             <a:endParaRPr lang="en-US"/>
@@ -4009,7 +4125,7 @@
           </a:lstStyle>
           <a:p>
             <a:r>
-              <a:rPr lang="ko-KR" altLang="en-US" smtClean="0"/>
+              <a:rPr lang="ko-KR" altLang="en-US"/>
               <a:t>마스터 제목 스타일 편집</a:t>
             </a:r>
             <a:endParaRPr lang="en-US" dirty="0"/>
@@ -4074,7 +4190,7 @@
           </a:lstStyle>
           <a:p>
             <a:r>
-              <a:rPr lang="ko-KR" altLang="en-US" smtClean="0"/>
+              <a:rPr lang="ko-KR" altLang="en-US"/>
               <a:t>그림을 추가하려면 아이콘을 클릭하십시오</a:t>
             </a:r>
             <a:endParaRPr lang="en-US" dirty="0"/>
@@ -4142,7 +4258,7 @@
           <a:p>
             <a:pPr lvl="0"/>
             <a:r>
-              <a:rPr lang="ko-KR" altLang="en-US" smtClean="0"/>
+              <a:rPr lang="ko-KR" altLang="en-US"/>
               <a:t>마스터 텍스트 스타일을 편집합니다</a:t>
             </a:r>
           </a:p>
@@ -4165,7 +4281,7 @@
           <a:p>
             <a:fld id="{FB30EDBD-1C2D-4C1E-B459-B60219FAB484}" type="datetimeFigureOut">
               <a:rPr lang="ko-KR" altLang="en-US" smtClean="0"/>
-              <a:t>2020-01-09</a:t>
+              <a:t>07/20</a:t>
             </a:fld>
             <a:endParaRPr lang="ko-KR" altLang="en-US"/>
           </a:p>
@@ -4269,7 +4385,7 @@
           <a:lstStyle/>
           <a:p>
             <a:r>
-              <a:rPr lang="ko-KR" altLang="en-US" smtClean="0"/>
+              <a:rPr lang="ko-KR" altLang="en-US"/>
               <a:t>마스터 제목 스타일 편집</a:t>
             </a:r>
             <a:endParaRPr lang="en-US" dirty="0"/>
@@ -4303,35 +4419,35 @@
           <a:p>
             <a:pPr lvl="0"/>
             <a:r>
-              <a:rPr lang="ko-KR" altLang="en-US" smtClean="0"/>
+              <a:rPr lang="ko-KR" altLang="en-US"/>
               <a:t>마스터 텍스트 스타일을 편집합니다</a:t>
             </a:r>
           </a:p>
           <a:p>
             <a:pPr lvl="1"/>
             <a:r>
-              <a:rPr lang="ko-KR" altLang="en-US" smtClean="0"/>
+              <a:rPr lang="ko-KR" altLang="en-US"/>
               <a:t>둘째 수준</a:t>
             </a:r>
           </a:p>
           <a:p>
             <a:pPr lvl="2"/>
             <a:r>
-              <a:rPr lang="ko-KR" altLang="en-US" smtClean="0"/>
+              <a:rPr lang="ko-KR" altLang="en-US"/>
               <a:t>셋째 수준</a:t>
             </a:r>
           </a:p>
           <a:p>
             <a:pPr lvl="3"/>
             <a:r>
-              <a:rPr lang="ko-KR" altLang="en-US" smtClean="0"/>
+              <a:rPr lang="ko-KR" altLang="en-US"/>
               <a:t>넷째 수준</a:t>
             </a:r>
           </a:p>
           <a:p>
             <a:pPr lvl="4"/>
             <a:r>
-              <a:rPr lang="ko-KR" altLang="en-US" smtClean="0"/>
+              <a:rPr lang="ko-KR" altLang="en-US"/>
               <a:t>다섯째 수준</a:t>
             </a:r>
             <a:endParaRPr lang="en-US" dirty="0"/>
@@ -4544,7 +4660,7 @@
           <a:p>
             <a:fld id="{FB30EDBD-1C2D-4C1E-B459-B60219FAB484}" type="datetimeFigureOut">
               <a:rPr lang="ko-KR" altLang="en-US" smtClean="0"/>
-              <a:t>2020-01-09</a:t>
+              <a:t>07/20</a:t>
             </a:fld>
             <a:endParaRPr lang="ko-KR" altLang="en-US"/>
           </a:p>
@@ -4890,7 +5006,7 @@
           <a:lstStyle/>
           <a:p>
             <a:r>
-              <a:rPr lang="en-US" altLang="ko-KR" dirty="0" smtClean="0"/>
+              <a:rPr lang="en-US" altLang="ko-KR" dirty="0"/>
               <a:t>From perception to decision making</a:t>
             </a:r>
             <a:endParaRPr lang="ko-KR" altLang="en-US" dirty="0"/>
@@ -4907,17 +5023,885 @@
   <p:clrMapOvr>
     <a:masterClrMapping/>
   </p:clrMapOvr>
-  <p:timing>
-    <p:tnLst>
-      <p:par>
-        <p:cTn id="1" dur="indefinite" restart="never" nodeType="tmRoot"/>
-      </p:par>
-    </p:tnLst>
-  </p:timing>
 </p:sld>
 </file>
 
 <file path=ppt/slides/slide10.xml><?xml version="1.0" encoding="utf-8"?>
+<p:sld xmlns:a="http://schemas.openxmlformats.org/drawingml/2006/main" xmlns:r="http://schemas.openxmlformats.org/officeDocument/2006/relationships" xmlns:p="http://schemas.openxmlformats.org/presentationml/2006/main">
+  <p:cSld>
+    <p:spTree>
+      <p:nvGrpSpPr>
+        <p:cNvPr id="1" name=""/>
+        <p:cNvGrpSpPr/>
+        <p:nvPr/>
+      </p:nvGrpSpPr>
+      <p:grpSpPr>
+        <a:xfrm>
+          <a:off x="0" y="0"/>
+          <a:ext cx="0" cy="0"/>
+          <a:chOff x="0" y="0"/>
+          <a:chExt cx="0" cy="0"/>
+        </a:xfrm>
+      </p:grpSpPr>
+      <p:pic>
+        <p:nvPicPr>
+          <p:cNvPr id="16" name="그림 3">
+            <a:extLst>
+              <a:ext uri="{FF2B5EF4-FFF2-40B4-BE49-F238E27FC236}">
+                <a16:creationId xmlns:a16="http://schemas.microsoft.com/office/drawing/2014/main" id="{20F681F1-6D21-138D-2BDB-8BACDF164C8C}"/>
+              </a:ext>
+            </a:extLst>
+          </p:cNvPr>
+          <p:cNvPicPr>
+            <a:picLocks noChangeAspect="1"/>
+          </p:cNvPicPr>
+          <p:nvPr/>
+        </p:nvPicPr>
+        <p:blipFill>
+          <a:blip r:embed="rId2" cstate="print">
+            <a:extLst>
+              <a:ext uri="{28A0092B-C50C-407E-A947-70E740481C1C}">
+                <a14:useLocalDpi xmlns:a14="http://schemas.microsoft.com/office/drawing/2010/main" val="0"/>
+              </a:ext>
+            </a:extLst>
+          </a:blip>
+          <a:stretch>
+            <a:fillRect/>
+          </a:stretch>
+        </p:blipFill>
+        <p:spPr>
+          <a:xfrm>
+            <a:off x="1154853" y="3207846"/>
+            <a:ext cx="2341067" cy="1316850"/>
+          </a:xfrm>
+          <a:prstGeom prst="rect">
+            <a:avLst/>
+          </a:prstGeom>
+          <a:scene3d>
+            <a:camera prst="orthographicFront">
+              <a:rot lat="1200000" lon="19799989" rev="0"/>
+            </a:camera>
+            <a:lightRig rig="threePt" dir="t"/>
+          </a:scene3d>
+        </p:spPr>
+      </p:pic>
+      <p:pic>
+        <p:nvPicPr>
+          <p:cNvPr id="15" name="그림 4">
+            <a:extLst>
+              <a:ext uri="{FF2B5EF4-FFF2-40B4-BE49-F238E27FC236}">
+                <a16:creationId xmlns:a16="http://schemas.microsoft.com/office/drawing/2014/main" id="{20A6584E-888B-E705-1AA8-5CA0B7FADFE7}"/>
+              </a:ext>
+            </a:extLst>
+          </p:cNvPr>
+          <p:cNvPicPr>
+            <a:picLocks noChangeAspect="1"/>
+          </p:cNvPicPr>
+          <p:nvPr/>
+        </p:nvPicPr>
+        <p:blipFill>
+          <a:blip r:embed="rId3" cstate="print">
+            <a:extLst>
+              <a:ext uri="{28A0092B-C50C-407E-A947-70E740481C1C}">
+                <a14:useLocalDpi xmlns:a14="http://schemas.microsoft.com/office/drawing/2010/main" val="0"/>
+              </a:ext>
+            </a:extLst>
+          </a:blip>
+          <a:stretch>
+            <a:fillRect/>
+          </a:stretch>
+        </p:blipFill>
+        <p:spPr>
+          <a:xfrm>
+            <a:off x="451840" y="1348352"/>
+            <a:ext cx="2341067" cy="1316850"/>
+          </a:xfrm>
+          <a:prstGeom prst="rect">
+            <a:avLst/>
+          </a:prstGeom>
+          <a:scene3d>
+            <a:camera prst="orthographicFront">
+              <a:rot lat="1200000" lon="19799989" rev="0"/>
+            </a:camera>
+            <a:lightRig rig="threePt" dir="t"/>
+          </a:scene3d>
+        </p:spPr>
+      </p:pic>
+      <p:sp>
+        <p:nvSpPr>
+          <p:cNvPr id="2" name="제목 1"/>
+          <p:cNvSpPr>
+            <a:spLocks noGrp="1"/>
+          </p:cNvSpPr>
+          <p:nvPr>
+            <p:ph type="title"/>
+          </p:nvPr>
+        </p:nvSpPr>
+        <p:spPr/>
+        <p:txBody>
+          <a:bodyPr anchor="t"/>
+          <a:lstStyle/>
+          <a:p>
+            <a:r>
+              <a:rPr lang="en-US" altLang="ko-KR" dirty="0"/>
+              <a:t>3. Hidden Target Task</a:t>
+            </a:r>
+            <a:endParaRPr lang="ko-KR" altLang="en-US" dirty="0"/>
+          </a:p>
+        </p:txBody>
+      </p:sp>
+      <p:sp>
+        <p:nvSpPr>
+          <p:cNvPr id="3" name="내용 개체 틀 2"/>
+          <p:cNvSpPr>
+            <a:spLocks noGrp="1"/>
+          </p:cNvSpPr>
+          <p:nvPr>
+            <p:ph idx="1"/>
+          </p:nvPr>
+        </p:nvSpPr>
+        <p:spPr>
+          <a:xfrm>
+            <a:off x="2779226" y="1616143"/>
+            <a:ext cx="2188205" cy="396337"/>
+          </a:xfrm>
+        </p:spPr>
+        <p:txBody>
+          <a:bodyPr>
+            <a:noAutofit/>
+          </a:bodyPr>
+          <a:lstStyle/>
+          <a:p>
+            <a:pPr marL="114300" indent="0" algn="ctr">
+              <a:buNone/>
+            </a:pPr>
+            <a:r>
+              <a:rPr lang="en-US" altLang="ko-KR" sz="2000" dirty="0"/>
+              <a:t>Showing Target* (1.5s)</a:t>
+            </a:r>
+          </a:p>
+        </p:txBody>
+      </p:sp>
+      <p:pic>
+        <p:nvPicPr>
+          <p:cNvPr id="6" name="그림 5"/>
+          <p:cNvPicPr>
+            <a:picLocks noChangeAspect="1"/>
+          </p:cNvPicPr>
+          <p:nvPr/>
+        </p:nvPicPr>
+        <p:blipFill>
+          <a:blip r:embed="rId4" cstate="print">
+            <a:extLst>
+              <a:ext uri="{28A0092B-C50C-407E-A947-70E740481C1C}">
+                <a14:useLocalDpi xmlns:a14="http://schemas.microsoft.com/office/drawing/2010/main" val="0"/>
+              </a:ext>
+            </a:extLst>
+          </a:blip>
+          <a:stretch>
+            <a:fillRect/>
+          </a:stretch>
+        </p:blipFill>
+        <p:spPr>
+          <a:xfrm>
+            <a:off x="1847973" y="5214981"/>
+            <a:ext cx="2341067" cy="1316850"/>
+          </a:xfrm>
+          <a:prstGeom prst="rect">
+            <a:avLst/>
+          </a:prstGeom>
+          <a:scene3d>
+            <a:camera prst="orthographicFront">
+              <a:rot lat="1200000" lon="19799989" rev="0"/>
+            </a:camera>
+            <a:lightRig rig="threePt" dir="t"/>
+          </a:scene3d>
+        </p:spPr>
+      </p:pic>
+      <p:sp>
+        <p:nvSpPr>
+          <p:cNvPr id="7" name="오른쪽 화살표 6"/>
+          <p:cNvSpPr/>
+          <p:nvPr/>
+        </p:nvSpPr>
+        <p:spPr>
+          <a:xfrm rot="4004732">
+            <a:off x="1674336" y="2846267"/>
+            <a:ext cx="407252" cy="231834"/>
+          </a:xfrm>
+          <a:prstGeom prst="rightArrow">
+            <a:avLst/>
+          </a:prstGeom>
+        </p:spPr>
+        <p:style>
+          <a:lnRef idx="2">
+            <a:schemeClr val="accent1">
+              <a:shade val="50000"/>
+            </a:schemeClr>
+          </a:lnRef>
+          <a:fillRef idx="1">
+            <a:schemeClr val="accent1"/>
+          </a:fillRef>
+          <a:effectRef idx="0">
+            <a:schemeClr val="accent1"/>
+          </a:effectRef>
+          <a:fontRef idx="minor">
+            <a:schemeClr val="lt1"/>
+          </a:fontRef>
+        </p:style>
+        <p:txBody>
+          <a:bodyPr rtlCol="0" anchor="ctr"/>
+          <a:lstStyle/>
+          <a:p>
+            <a:pPr algn="ctr"/>
+            <a:endParaRPr lang="ko-KR" altLang="en-US"/>
+          </a:p>
+        </p:txBody>
+      </p:sp>
+      <p:sp>
+        <p:nvSpPr>
+          <p:cNvPr id="8" name="오른쪽 화살표 7"/>
+          <p:cNvSpPr/>
+          <p:nvPr/>
+        </p:nvSpPr>
+        <p:spPr>
+          <a:xfrm rot="4004732">
+            <a:off x="2402386" y="4813266"/>
+            <a:ext cx="407252" cy="231834"/>
+          </a:xfrm>
+          <a:prstGeom prst="rightArrow">
+            <a:avLst/>
+          </a:prstGeom>
+        </p:spPr>
+        <p:style>
+          <a:lnRef idx="2">
+            <a:schemeClr val="accent1">
+              <a:shade val="50000"/>
+            </a:schemeClr>
+          </a:lnRef>
+          <a:fillRef idx="1">
+            <a:schemeClr val="accent1"/>
+          </a:fillRef>
+          <a:effectRef idx="0">
+            <a:schemeClr val="accent1"/>
+          </a:effectRef>
+          <a:fontRef idx="minor">
+            <a:schemeClr val="lt1"/>
+          </a:fontRef>
+        </p:style>
+        <p:txBody>
+          <a:bodyPr rtlCol="0" anchor="ctr"/>
+          <a:lstStyle/>
+          <a:p>
+            <a:pPr algn="ctr"/>
+            <a:endParaRPr lang="ko-KR" altLang="en-US"/>
+          </a:p>
+        </p:txBody>
+      </p:sp>
+      <p:sp>
+        <p:nvSpPr>
+          <p:cNvPr id="9" name="내용 개체 틀 2"/>
+          <p:cNvSpPr txBox="1">
+            <a:spLocks/>
+          </p:cNvSpPr>
+          <p:nvPr/>
+        </p:nvSpPr>
+        <p:spPr>
+          <a:xfrm>
+            <a:off x="3495921" y="3469934"/>
+            <a:ext cx="1867554" cy="396337"/>
+          </a:xfrm>
+          <a:prstGeom prst="rect">
+            <a:avLst/>
+          </a:prstGeom>
+        </p:spPr>
+        <p:txBody>
+          <a:bodyPr vert="horz" lIns="91440" tIns="45720" rIns="91440" bIns="45720" rtlCol="0">
+            <a:normAutofit/>
+          </a:bodyPr>
+          <a:lstStyle>
+            <a:lvl1pPr marL="342900" indent="-228600" algn="l" defTabSz="914400" rtl="0" eaLnBrk="1" latinLnBrk="1" hangingPunct="1">
+              <a:spcBef>
+                <a:spcPct val="20000"/>
+              </a:spcBef>
+              <a:buClr>
+                <a:schemeClr val="accent1"/>
+              </a:buClr>
+              <a:buFont typeface="Arial" pitchFamily="34" charset="0"/>
+              <a:buChar char="•"/>
+              <a:defRPr sz="2200" kern="1200">
+                <a:solidFill>
+                  <a:schemeClr val="tx1"/>
+                </a:solidFill>
+                <a:latin typeface="+mn-lt"/>
+                <a:ea typeface="+mn-ea"/>
+                <a:cs typeface="+mn-cs"/>
+              </a:defRPr>
+            </a:lvl1pPr>
+            <a:lvl2pPr marL="640080" indent="-228600" algn="l" defTabSz="914400" rtl="0" eaLnBrk="1" latinLnBrk="1" hangingPunct="1">
+              <a:spcBef>
+                <a:spcPct val="20000"/>
+              </a:spcBef>
+              <a:buClr>
+                <a:schemeClr val="accent2"/>
+              </a:buClr>
+              <a:buFont typeface="Arial" pitchFamily="34" charset="0"/>
+              <a:buChar char="•"/>
+              <a:defRPr sz="2000" kern="1200">
+                <a:solidFill>
+                  <a:schemeClr val="tx1"/>
+                </a:solidFill>
+                <a:latin typeface="+mn-lt"/>
+                <a:ea typeface="+mn-ea"/>
+                <a:cs typeface="+mn-cs"/>
+              </a:defRPr>
+            </a:lvl2pPr>
+            <a:lvl3pPr marL="1005840" indent="-228600" algn="l" defTabSz="914400" rtl="0" eaLnBrk="1" latinLnBrk="1" hangingPunct="1">
+              <a:spcBef>
+                <a:spcPct val="20000"/>
+              </a:spcBef>
+              <a:buClr>
+                <a:schemeClr val="accent3"/>
+              </a:buClr>
+              <a:buFont typeface="Arial" pitchFamily="34" charset="0"/>
+              <a:buChar char="•"/>
+              <a:defRPr sz="1800" kern="1200">
+                <a:solidFill>
+                  <a:schemeClr val="tx1"/>
+                </a:solidFill>
+                <a:latin typeface="+mn-lt"/>
+                <a:ea typeface="+mn-ea"/>
+                <a:cs typeface="+mn-cs"/>
+              </a:defRPr>
+            </a:lvl3pPr>
+            <a:lvl4pPr marL="1280160" indent="-228600" algn="l" defTabSz="914400" rtl="0" eaLnBrk="1" latinLnBrk="1" hangingPunct="1">
+              <a:spcBef>
+                <a:spcPct val="20000"/>
+              </a:spcBef>
+              <a:buClr>
+                <a:schemeClr val="accent4"/>
+              </a:buClr>
+              <a:buFont typeface="Arial" pitchFamily="34" charset="0"/>
+              <a:buChar char="•"/>
+              <a:defRPr sz="1600" kern="1200">
+                <a:solidFill>
+                  <a:schemeClr val="tx1"/>
+                </a:solidFill>
+                <a:latin typeface="+mn-lt"/>
+                <a:ea typeface="+mn-ea"/>
+                <a:cs typeface="+mn-cs"/>
+              </a:defRPr>
+            </a:lvl4pPr>
+            <a:lvl5pPr marL="1554480" indent="-228600" algn="l" defTabSz="914400" rtl="0" eaLnBrk="1" latinLnBrk="1" hangingPunct="1">
+              <a:spcBef>
+                <a:spcPct val="20000"/>
+              </a:spcBef>
+              <a:buClr>
+                <a:schemeClr val="accent5"/>
+              </a:buClr>
+              <a:buFont typeface="Arial" pitchFamily="34" charset="0"/>
+              <a:buChar char="•"/>
+              <a:defRPr sz="1400" kern="1200" baseline="0">
+                <a:solidFill>
+                  <a:schemeClr val="tx1"/>
+                </a:solidFill>
+                <a:latin typeface="+mn-lt"/>
+                <a:ea typeface="+mn-ea"/>
+                <a:cs typeface="+mn-cs"/>
+              </a:defRPr>
+            </a:lvl5pPr>
+            <a:lvl6pPr marL="1737360" indent="-182880" algn="l" defTabSz="914400" rtl="0" eaLnBrk="1" latinLnBrk="1" hangingPunct="1">
+              <a:spcBef>
+                <a:spcPct val="20000"/>
+              </a:spcBef>
+              <a:buClr>
+                <a:schemeClr val="accent1"/>
+              </a:buClr>
+              <a:buFont typeface="Arial" pitchFamily="34" charset="0"/>
+              <a:buChar char="•"/>
+              <a:defRPr sz="1400" kern="1200" baseline="0">
+                <a:solidFill>
+                  <a:schemeClr val="tx1"/>
+                </a:solidFill>
+                <a:latin typeface="+mn-lt"/>
+                <a:ea typeface="+mn-ea"/>
+                <a:cs typeface="+mn-cs"/>
+              </a:defRPr>
+            </a:lvl6pPr>
+            <a:lvl7pPr marL="1920240" indent="-182880" algn="l" defTabSz="914400" rtl="0" eaLnBrk="1" latinLnBrk="1" hangingPunct="1">
+              <a:spcBef>
+                <a:spcPct val="20000"/>
+              </a:spcBef>
+              <a:buClr>
+                <a:schemeClr val="accent2"/>
+              </a:buClr>
+              <a:buFont typeface="Arial" pitchFamily="34" charset="0"/>
+              <a:buChar char="•"/>
+              <a:defRPr sz="1400" kern="1200">
+                <a:solidFill>
+                  <a:schemeClr val="tx1"/>
+                </a:solidFill>
+                <a:latin typeface="+mn-lt"/>
+                <a:ea typeface="+mn-ea"/>
+                <a:cs typeface="+mn-cs"/>
+              </a:defRPr>
+            </a:lvl7pPr>
+            <a:lvl8pPr marL="2103120" indent="-182880" algn="l" defTabSz="914400" rtl="0" eaLnBrk="1" latinLnBrk="1" hangingPunct="1">
+              <a:spcBef>
+                <a:spcPct val="20000"/>
+              </a:spcBef>
+              <a:buClr>
+                <a:schemeClr val="accent3"/>
+              </a:buClr>
+              <a:buFont typeface="Arial" pitchFamily="34" charset="0"/>
+              <a:buChar char="•"/>
+              <a:defRPr sz="1400" kern="1200">
+                <a:solidFill>
+                  <a:schemeClr val="tx1"/>
+                </a:solidFill>
+                <a:latin typeface="+mn-lt"/>
+                <a:ea typeface="+mn-ea"/>
+                <a:cs typeface="+mn-cs"/>
+              </a:defRPr>
+            </a:lvl8pPr>
+            <a:lvl9pPr marL="2286000" indent="-182880" algn="l" defTabSz="914400" rtl="0" eaLnBrk="1" latinLnBrk="1" hangingPunct="1">
+              <a:spcBef>
+                <a:spcPct val="20000"/>
+              </a:spcBef>
+              <a:buClr>
+                <a:schemeClr val="accent4"/>
+              </a:buClr>
+              <a:buFont typeface="Arial" pitchFamily="34" charset="0"/>
+              <a:buChar char="•"/>
+              <a:defRPr sz="1400" kern="1200">
+                <a:solidFill>
+                  <a:schemeClr val="tx1"/>
+                </a:solidFill>
+                <a:latin typeface="+mn-lt"/>
+                <a:ea typeface="+mn-ea"/>
+                <a:cs typeface="+mn-cs"/>
+              </a:defRPr>
+            </a:lvl9pPr>
+          </a:lstStyle>
+          <a:p>
+            <a:pPr marL="114300" indent="0" algn="ctr">
+              <a:buFont typeface="Arial" pitchFamily="34" charset="0"/>
+              <a:buNone/>
+            </a:pPr>
+            <a:r>
+              <a:rPr lang="en-US" altLang="ko-KR" sz="2000" dirty="0"/>
+              <a:t>Reaching (1.5s)</a:t>
+            </a:r>
+          </a:p>
+        </p:txBody>
+      </p:sp>
+      <p:sp>
+        <p:nvSpPr>
+          <p:cNvPr id="10" name="내용 개체 틀 2"/>
+          <p:cNvSpPr txBox="1">
+            <a:spLocks/>
+          </p:cNvSpPr>
+          <p:nvPr/>
+        </p:nvSpPr>
+        <p:spPr>
+          <a:xfrm>
+            <a:off x="4247351" y="5502860"/>
+            <a:ext cx="972721" cy="396337"/>
+          </a:xfrm>
+          <a:prstGeom prst="rect">
+            <a:avLst/>
+          </a:prstGeom>
+        </p:spPr>
+        <p:txBody>
+          <a:bodyPr vert="horz" lIns="91440" tIns="45720" rIns="91440" bIns="45720" rtlCol="0">
+            <a:noAutofit/>
+          </a:bodyPr>
+          <a:lstStyle>
+            <a:lvl1pPr marL="342900" indent="-228600" algn="l" defTabSz="914400" rtl="0" eaLnBrk="1" latinLnBrk="1" hangingPunct="1">
+              <a:spcBef>
+                <a:spcPct val="20000"/>
+              </a:spcBef>
+              <a:buClr>
+                <a:schemeClr val="accent1"/>
+              </a:buClr>
+              <a:buFont typeface="Arial" pitchFamily="34" charset="0"/>
+              <a:buChar char="•"/>
+              <a:defRPr sz="2200" kern="1200">
+                <a:solidFill>
+                  <a:schemeClr val="tx1"/>
+                </a:solidFill>
+                <a:latin typeface="+mn-lt"/>
+                <a:ea typeface="+mn-ea"/>
+                <a:cs typeface="+mn-cs"/>
+              </a:defRPr>
+            </a:lvl1pPr>
+            <a:lvl2pPr marL="640080" indent="-228600" algn="l" defTabSz="914400" rtl="0" eaLnBrk="1" latinLnBrk="1" hangingPunct="1">
+              <a:spcBef>
+                <a:spcPct val="20000"/>
+              </a:spcBef>
+              <a:buClr>
+                <a:schemeClr val="accent2"/>
+              </a:buClr>
+              <a:buFont typeface="Arial" pitchFamily="34" charset="0"/>
+              <a:buChar char="•"/>
+              <a:defRPr sz="2000" kern="1200">
+                <a:solidFill>
+                  <a:schemeClr val="tx1"/>
+                </a:solidFill>
+                <a:latin typeface="+mn-lt"/>
+                <a:ea typeface="+mn-ea"/>
+                <a:cs typeface="+mn-cs"/>
+              </a:defRPr>
+            </a:lvl2pPr>
+            <a:lvl3pPr marL="1005840" indent="-228600" algn="l" defTabSz="914400" rtl="0" eaLnBrk="1" latinLnBrk="1" hangingPunct="1">
+              <a:spcBef>
+                <a:spcPct val="20000"/>
+              </a:spcBef>
+              <a:buClr>
+                <a:schemeClr val="accent3"/>
+              </a:buClr>
+              <a:buFont typeface="Arial" pitchFamily="34" charset="0"/>
+              <a:buChar char="•"/>
+              <a:defRPr sz="1800" kern="1200">
+                <a:solidFill>
+                  <a:schemeClr val="tx1"/>
+                </a:solidFill>
+                <a:latin typeface="+mn-lt"/>
+                <a:ea typeface="+mn-ea"/>
+                <a:cs typeface="+mn-cs"/>
+              </a:defRPr>
+            </a:lvl3pPr>
+            <a:lvl4pPr marL="1280160" indent="-228600" algn="l" defTabSz="914400" rtl="0" eaLnBrk="1" latinLnBrk="1" hangingPunct="1">
+              <a:spcBef>
+                <a:spcPct val="20000"/>
+              </a:spcBef>
+              <a:buClr>
+                <a:schemeClr val="accent4"/>
+              </a:buClr>
+              <a:buFont typeface="Arial" pitchFamily="34" charset="0"/>
+              <a:buChar char="•"/>
+              <a:defRPr sz="1600" kern="1200">
+                <a:solidFill>
+                  <a:schemeClr val="tx1"/>
+                </a:solidFill>
+                <a:latin typeface="+mn-lt"/>
+                <a:ea typeface="+mn-ea"/>
+                <a:cs typeface="+mn-cs"/>
+              </a:defRPr>
+            </a:lvl4pPr>
+            <a:lvl5pPr marL="1554480" indent="-228600" algn="l" defTabSz="914400" rtl="0" eaLnBrk="1" latinLnBrk="1" hangingPunct="1">
+              <a:spcBef>
+                <a:spcPct val="20000"/>
+              </a:spcBef>
+              <a:buClr>
+                <a:schemeClr val="accent5"/>
+              </a:buClr>
+              <a:buFont typeface="Arial" pitchFamily="34" charset="0"/>
+              <a:buChar char="•"/>
+              <a:defRPr sz="1400" kern="1200" baseline="0">
+                <a:solidFill>
+                  <a:schemeClr val="tx1"/>
+                </a:solidFill>
+                <a:latin typeface="+mn-lt"/>
+                <a:ea typeface="+mn-ea"/>
+                <a:cs typeface="+mn-cs"/>
+              </a:defRPr>
+            </a:lvl5pPr>
+            <a:lvl6pPr marL="1737360" indent="-182880" algn="l" defTabSz="914400" rtl="0" eaLnBrk="1" latinLnBrk="1" hangingPunct="1">
+              <a:spcBef>
+                <a:spcPct val="20000"/>
+              </a:spcBef>
+              <a:buClr>
+                <a:schemeClr val="accent1"/>
+              </a:buClr>
+              <a:buFont typeface="Arial" pitchFamily="34" charset="0"/>
+              <a:buChar char="•"/>
+              <a:defRPr sz="1400" kern="1200" baseline="0">
+                <a:solidFill>
+                  <a:schemeClr val="tx1"/>
+                </a:solidFill>
+                <a:latin typeface="+mn-lt"/>
+                <a:ea typeface="+mn-ea"/>
+                <a:cs typeface="+mn-cs"/>
+              </a:defRPr>
+            </a:lvl6pPr>
+            <a:lvl7pPr marL="1920240" indent="-182880" algn="l" defTabSz="914400" rtl="0" eaLnBrk="1" latinLnBrk="1" hangingPunct="1">
+              <a:spcBef>
+                <a:spcPct val="20000"/>
+              </a:spcBef>
+              <a:buClr>
+                <a:schemeClr val="accent2"/>
+              </a:buClr>
+              <a:buFont typeface="Arial" pitchFamily="34" charset="0"/>
+              <a:buChar char="•"/>
+              <a:defRPr sz="1400" kern="1200">
+                <a:solidFill>
+                  <a:schemeClr val="tx1"/>
+                </a:solidFill>
+                <a:latin typeface="+mn-lt"/>
+                <a:ea typeface="+mn-ea"/>
+                <a:cs typeface="+mn-cs"/>
+              </a:defRPr>
+            </a:lvl7pPr>
+            <a:lvl8pPr marL="2103120" indent="-182880" algn="l" defTabSz="914400" rtl="0" eaLnBrk="1" latinLnBrk="1" hangingPunct="1">
+              <a:spcBef>
+                <a:spcPct val="20000"/>
+              </a:spcBef>
+              <a:buClr>
+                <a:schemeClr val="accent3"/>
+              </a:buClr>
+              <a:buFont typeface="Arial" pitchFamily="34" charset="0"/>
+              <a:buChar char="•"/>
+              <a:defRPr sz="1400" kern="1200">
+                <a:solidFill>
+                  <a:schemeClr val="tx1"/>
+                </a:solidFill>
+                <a:latin typeface="+mn-lt"/>
+                <a:ea typeface="+mn-ea"/>
+                <a:cs typeface="+mn-cs"/>
+              </a:defRPr>
+            </a:lvl8pPr>
+            <a:lvl9pPr marL="2286000" indent="-182880" algn="l" defTabSz="914400" rtl="0" eaLnBrk="1" latinLnBrk="1" hangingPunct="1">
+              <a:spcBef>
+                <a:spcPct val="20000"/>
+              </a:spcBef>
+              <a:buClr>
+                <a:schemeClr val="accent4"/>
+              </a:buClr>
+              <a:buFont typeface="Arial" pitchFamily="34" charset="0"/>
+              <a:buChar char="•"/>
+              <a:defRPr sz="1400" kern="1200">
+                <a:solidFill>
+                  <a:schemeClr val="tx1"/>
+                </a:solidFill>
+                <a:latin typeface="+mn-lt"/>
+                <a:ea typeface="+mn-ea"/>
+                <a:cs typeface="+mn-cs"/>
+              </a:defRPr>
+            </a:lvl9pPr>
+          </a:lstStyle>
+          <a:p>
+            <a:pPr marL="114300" indent="0" algn="ctr">
+              <a:buFont typeface="Arial" pitchFamily="34" charset="0"/>
+              <a:buNone/>
+            </a:pPr>
+            <a:r>
+              <a:rPr lang="en-US" altLang="ko-KR" sz="2000" dirty="0"/>
+              <a:t>Result</a:t>
+            </a:r>
+          </a:p>
+        </p:txBody>
+      </p:sp>
+      <p:sp>
+        <p:nvSpPr>
+          <p:cNvPr id="11" name="TextBox 10"/>
+          <p:cNvSpPr txBox="1"/>
+          <p:nvPr/>
+        </p:nvSpPr>
+        <p:spPr>
+          <a:xfrm>
+            <a:off x="5075443" y="274638"/>
+            <a:ext cx="1260140" cy="4508927"/>
+          </a:xfrm>
+          <a:prstGeom prst="rect">
+            <a:avLst/>
+          </a:prstGeom>
+          <a:noFill/>
+        </p:spPr>
+        <p:txBody>
+          <a:bodyPr wrap="square" rtlCol="0">
+            <a:spAutoFit/>
+          </a:bodyPr>
+          <a:lstStyle/>
+          <a:p>
+            <a:r>
+              <a:rPr lang="en-US" altLang="ko-KR" sz="28700" dirty="0"/>
+              <a:t>}</a:t>
+            </a:r>
+            <a:endParaRPr lang="ko-KR" altLang="en-US" sz="28700" dirty="0"/>
+          </a:p>
+        </p:txBody>
+      </p:sp>
+      <p:sp>
+        <p:nvSpPr>
+          <p:cNvPr id="12" name="TextBox 11"/>
+          <p:cNvSpPr txBox="1"/>
+          <p:nvPr/>
+        </p:nvSpPr>
+        <p:spPr>
+          <a:xfrm>
+            <a:off x="6443595" y="2486942"/>
+            <a:ext cx="1008112" cy="369332"/>
+          </a:xfrm>
+          <a:prstGeom prst="rect">
+            <a:avLst/>
+          </a:prstGeom>
+          <a:noFill/>
+        </p:spPr>
+        <p:txBody>
+          <a:bodyPr wrap="square" rtlCol="0">
+            <a:spAutoFit/>
+          </a:bodyPr>
+          <a:lstStyle/>
+          <a:p>
+            <a:r>
+              <a:rPr lang="en-US" altLang="ko-KR" dirty="0"/>
+              <a:t>15 trials</a:t>
+            </a:r>
+            <a:endParaRPr lang="ko-KR" altLang="en-US" dirty="0"/>
+          </a:p>
+        </p:txBody>
+      </p:sp>
+      <p:sp>
+        <p:nvSpPr>
+          <p:cNvPr id="14" name="TextBox 13"/>
+          <p:cNvSpPr txBox="1"/>
+          <p:nvPr/>
+        </p:nvSpPr>
+        <p:spPr>
+          <a:xfrm>
+            <a:off x="5975543" y="6224054"/>
+            <a:ext cx="1476164" cy="307777"/>
+          </a:xfrm>
+          <a:prstGeom prst="rect">
+            <a:avLst/>
+          </a:prstGeom>
+          <a:noFill/>
+        </p:spPr>
+        <p:txBody>
+          <a:bodyPr wrap="square" rtlCol="0">
+            <a:spAutoFit/>
+          </a:bodyPr>
+          <a:lstStyle/>
+          <a:p>
+            <a:r>
+              <a:rPr lang="en-US" altLang="ko-KR" sz="1400" dirty="0"/>
+              <a:t>* Total 16 targets</a:t>
+            </a:r>
+            <a:endParaRPr lang="ko-KR" altLang="en-US" sz="1400" dirty="0"/>
+          </a:p>
+        </p:txBody>
+      </p:sp>
+      <mc:AlternateContent xmlns:mc="http://schemas.openxmlformats.org/markup-compatibility/2006">
+        <mc:Choice xmlns:a14="http://schemas.microsoft.com/office/drawing/2010/main" Requires="a14">
+          <p:sp>
+            <p:nvSpPr>
+              <p:cNvPr id="17" name="TextBox 16">
+                <a:extLst>
+                  <a:ext uri="{FF2B5EF4-FFF2-40B4-BE49-F238E27FC236}">
+                    <a16:creationId xmlns:a16="http://schemas.microsoft.com/office/drawing/2014/main" id="{EB4D16C9-5130-A9AD-D57E-8EEA571B36F3}"/>
+                  </a:ext>
+                </a:extLst>
+              </p:cNvPr>
+              <p:cNvSpPr txBox="1"/>
+              <p:nvPr/>
+            </p:nvSpPr>
+            <p:spPr>
+              <a:xfrm>
+                <a:off x="2255662" y="2557958"/>
+                <a:ext cx="1843850" cy="369332"/>
+              </a:xfrm>
+              <a:prstGeom prst="rect">
+                <a:avLst/>
+              </a:prstGeom>
+              <a:noFill/>
+            </p:spPr>
+            <p:txBody>
+              <a:bodyPr wrap="square" rtlCol="0">
+                <a:spAutoFit/>
+              </a:bodyPr>
+              <a:lstStyle/>
+              <a:p>
+                <a:pPr algn="ctr"/>
+                <a14:m>
+                  <m:oMath xmlns:m="http://schemas.openxmlformats.org/officeDocument/2006/math">
+                    <m:r>
+                      <a:rPr lang="en-US" altLang="ko-KR" b="0" i="1" smtClean="0">
+                        <a:latin typeface="Cambria Math" panose="02040503050406030204" pitchFamily="18" charset="0"/>
+                      </a:rPr>
+                      <m:t>&lt;</m:t>
+                    </m:r>
+                    <m:r>
+                      <a:rPr lang="en-US" altLang="ko-KR" b="0" i="1" smtClean="0">
+                        <a:latin typeface="Cambria Math" panose="02040503050406030204" pitchFamily="18" charset="0"/>
+                      </a:rPr>
+                      <m:t>𝐼𝑆𝐼</m:t>
+                    </m:r>
+                    <m:r>
+                      <a:rPr lang="en-US" altLang="ko-KR" b="0" i="1" smtClean="0">
+                        <a:latin typeface="Cambria Math" panose="02040503050406030204" pitchFamily="18" charset="0"/>
+                      </a:rPr>
+                      <m:t>&gt; =4.0</m:t>
+                    </m:r>
+                  </m:oMath>
+                </a14:m>
+                <a:r>
+                  <a:rPr lang="en-US" altLang="ko-KR" dirty="0"/>
+                  <a:t>s</a:t>
+                </a:r>
+              </a:p>
+            </p:txBody>
+          </p:sp>
+        </mc:Choice>
+        <mc:Fallback>
+          <p:sp>
+            <p:nvSpPr>
+              <p:cNvPr id="17" name="TextBox 16">
+                <a:extLst>
+                  <a:ext uri="{FF2B5EF4-FFF2-40B4-BE49-F238E27FC236}">
+                    <a16:creationId xmlns:a16="http://schemas.microsoft.com/office/drawing/2014/main" id="{EB4D16C9-5130-A9AD-D57E-8EEA571B36F3}"/>
+                  </a:ext>
+                </a:extLst>
+              </p:cNvPr>
+              <p:cNvSpPr txBox="1">
+                <a:spLocks noRot="1" noChangeAspect="1" noMove="1" noResize="1" noEditPoints="1" noAdjustHandles="1" noChangeArrowheads="1" noChangeShapeType="1" noTextEdit="1"/>
+              </p:cNvSpPr>
+              <p:nvPr/>
+            </p:nvSpPr>
+            <p:spPr>
+              <a:xfrm>
+                <a:off x="2255662" y="2557958"/>
+                <a:ext cx="1843850" cy="369332"/>
+              </a:xfrm>
+              <a:prstGeom prst="rect">
+                <a:avLst/>
+              </a:prstGeom>
+              <a:blipFill>
+                <a:blip r:embed="rId5"/>
+                <a:stretch>
+                  <a:fillRect t="-10000" b="-26667"/>
+                </a:stretch>
+              </a:blipFill>
+            </p:spPr>
+            <p:txBody>
+              <a:bodyPr/>
+              <a:lstStyle/>
+              <a:p>
+                <a:r>
+                  <a:rPr lang="ko-KR" altLang="en-US">
+                    <a:noFill/>
+                  </a:rPr>
+                  <a:t> </a:t>
+                </a:r>
+              </a:p>
+            </p:txBody>
+          </p:sp>
+        </mc:Fallback>
+      </mc:AlternateContent>
+    </p:spTree>
+    <p:extLst>
+      <p:ext uri="{BB962C8B-B14F-4D97-AF65-F5344CB8AC3E}">
+        <p14:creationId xmlns:p14="http://schemas.microsoft.com/office/powerpoint/2010/main" val="2168303742"/>
+      </p:ext>
+    </p:extLst>
+  </p:cSld>
+  <p:clrMapOvr>
+    <a:masterClrMapping/>
+  </p:clrMapOvr>
+</p:sld>
+</file>
+
+<file path=ppt/slides/slide11.xml><?xml version="1.0" encoding="utf-8"?>
 <p:sld xmlns:a="http://schemas.openxmlformats.org/drawingml/2006/main" xmlns:r="http://schemas.openxmlformats.org/officeDocument/2006/relationships" xmlns:p="http://schemas.openxmlformats.org/presentationml/2006/main">
   <p:cSld>
     <p:spTree>
@@ -4950,11 +5934,11 @@
           <a:lstStyle/>
           <a:p>
             <a:r>
-              <a:rPr lang="en-US" altLang="ko-KR" dirty="0" smtClean="0"/>
+              <a:rPr lang="en-US" altLang="ko-KR" dirty="0"/>
               <a:t>Result </a:t>
             </a:r>
             <a:r>
-              <a:rPr lang="en-US" altLang="ko-KR" sz="4000" dirty="0" smtClean="0"/>
+              <a:rPr lang="en-US" altLang="ko-KR" sz="4000" dirty="0"/>
               <a:t>(Low)</a:t>
             </a:r>
             <a:endParaRPr lang="ko-KR" altLang="en-US" dirty="0"/>
@@ -5135,17 +6119,10 @@
   <p:clrMapOvr>
     <a:masterClrMapping/>
   </p:clrMapOvr>
-  <p:timing>
-    <p:tnLst>
-      <p:par>
-        <p:cTn id="1" dur="indefinite" restart="never" nodeType="tmRoot"/>
-      </p:par>
-    </p:tnLst>
-  </p:timing>
 </p:sld>
 </file>
 
-<file path=ppt/slides/slide11.xml><?xml version="1.0" encoding="utf-8"?>
+<file path=ppt/slides/slide12.xml><?xml version="1.0" encoding="utf-8"?>
 <p:sld xmlns:a="http://schemas.openxmlformats.org/drawingml/2006/main" xmlns:r="http://schemas.openxmlformats.org/officeDocument/2006/relationships" xmlns:p="http://schemas.openxmlformats.org/presentationml/2006/main">
   <p:cSld>
     <p:spTree>
@@ -5178,11 +6155,11 @@
           <a:lstStyle/>
           <a:p>
             <a:r>
-              <a:rPr lang="en-US" altLang="ko-KR" dirty="0" smtClean="0"/>
+              <a:rPr lang="en-US" altLang="ko-KR" dirty="0"/>
               <a:t>Result </a:t>
             </a:r>
             <a:r>
-              <a:rPr lang="en-US" altLang="ko-KR" sz="4000" dirty="0" smtClean="0"/>
+              <a:rPr lang="en-US" altLang="ko-KR" sz="4000" dirty="0"/>
               <a:t>(High)</a:t>
             </a:r>
             <a:endParaRPr lang="ko-KR" altLang="en-US" dirty="0"/>
@@ -5363,17 +6340,10 @@
   <p:clrMapOvr>
     <a:masterClrMapping/>
   </p:clrMapOvr>
-  <p:timing>
-    <p:tnLst>
-      <p:par>
-        <p:cTn id="1" dur="indefinite" restart="never" nodeType="tmRoot"/>
-      </p:par>
-    </p:tnLst>
-  </p:timing>
 </p:sld>
 </file>
 
-<file path=ppt/slides/slide12.xml><?xml version="1.0" encoding="utf-8"?>
+<file path=ppt/slides/slide13.xml><?xml version="1.0" encoding="utf-8"?>
 <p:sld xmlns:a="http://schemas.openxmlformats.org/drawingml/2006/main" xmlns:r="http://schemas.openxmlformats.org/officeDocument/2006/relationships" xmlns:p="http://schemas.openxmlformats.org/presentationml/2006/main">
   <p:cSld>
     <p:spTree>
@@ -5406,7 +6376,7 @@
           <a:lstStyle/>
           <a:p>
             <a:r>
-              <a:rPr lang="en-US" altLang="ko-KR" dirty="0" smtClean="0"/>
+              <a:rPr lang="en-US" altLang="ko-KR" dirty="0"/>
               <a:t>Result</a:t>
             </a:r>
             <a:endParaRPr lang="ko-KR" altLang="en-US" dirty="0"/>
@@ -5464,17 +6434,10 @@
   <p:clrMapOvr>
     <a:masterClrMapping/>
   </p:clrMapOvr>
-  <p:timing>
-    <p:tnLst>
-      <p:par>
-        <p:cTn id="1" dur="indefinite" restart="never" nodeType="tmRoot"/>
-      </p:par>
-    </p:tnLst>
-  </p:timing>
 </p:sld>
 </file>
 
-<file path=ppt/slides/slide13.xml><?xml version="1.0" encoding="utf-8"?>
+<file path=ppt/slides/slide14.xml><?xml version="1.0" encoding="utf-8"?>
 <p:sld xmlns:a="http://schemas.openxmlformats.org/drawingml/2006/main" xmlns:r="http://schemas.openxmlformats.org/officeDocument/2006/relationships" xmlns:p="http://schemas.openxmlformats.org/presentationml/2006/main">
   <p:cSld>
     <p:spTree>
@@ -5507,7 +6470,7 @@
           <a:lstStyle/>
           <a:p>
             <a:r>
-              <a:rPr lang="en-US" altLang="ko-KR" dirty="0" smtClean="0"/>
+              <a:rPr lang="en-US" altLang="ko-KR" dirty="0"/>
               <a:t>Result</a:t>
             </a:r>
             <a:endParaRPr lang="ko-KR" altLang="en-US" dirty="0"/>
@@ -5541,9 +6504,27 @@
                     <a:tableStyleId>{5C22544A-7EE6-4342-B048-85BDC9FD1C3A}</a:tableStyleId>
                   </a:tblPr>
                   <a:tblGrid>
-                    <a:gridCol w="2760307"/>
-                    <a:gridCol w="2760307"/>
-                    <a:gridCol w="2760307"/>
+                    <a:gridCol w="2760307">
+                      <a:extLst>
+                        <a:ext uri="{9D8B030D-6E8A-4147-A177-3AD203B41FA5}">
+                          <a16:colId xmlns:a16="http://schemas.microsoft.com/office/drawing/2014/main" val="20000"/>
+                        </a:ext>
+                      </a:extLst>
+                    </a:gridCol>
+                    <a:gridCol w="2760307">
+                      <a:extLst>
+                        <a:ext uri="{9D8B030D-6E8A-4147-A177-3AD203B41FA5}">
+                          <a16:colId xmlns:a16="http://schemas.microsoft.com/office/drawing/2014/main" val="20001"/>
+                        </a:ext>
+                      </a:extLst>
+                    </a:gridCol>
+                    <a:gridCol w="2760307">
+                      <a:extLst>
+                        <a:ext uri="{9D8B030D-6E8A-4147-A177-3AD203B41FA5}">
+                          <a16:colId xmlns:a16="http://schemas.microsoft.com/office/drawing/2014/main" val="20002"/>
+                        </a:ext>
+                      </a:extLst>
+                    </a:gridCol>
                   </a:tblGrid>
                   <a:tr h="1138070">
                     <a:tc>
@@ -5564,7 +6545,7 @@
                         <a:p>
                           <a:pPr algn="ctr" latinLnBrk="1"/>
                           <a:r>
-                            <a:rPr lang="en-US" altLang="ko-KR" dirty="0" smtClean="0"/>
+                            <a:rPr lang="en-US" altLang="ko-KR" dirty="0"/>
                             <a:t>Low</a:t>
                           </a:r>
                           <a:endParaRPr lang="ko-KR" altLang="en-US" dirty="0"/>
@@ -5579,7 +6560,7 @@
                         <a:p>
                           <a:pPr algn="ctr" latinLnBrk="1"/>
                           <a:r>
-                            <a:rPr lang="en-US" altLang="ko-KR" dirty="0" smtClean="0"/>
+                            <a:rPr lang="en-US" altLang="ko-KR" dirty="0"/>
                             <a:t>High</a:t>
                           </a:r>
                           <a:endParaRPr lang="ko-KR" altLang="en-US" dirty="0"/>
@@ -5587,6 +6568,11 @@
                       </a:txBody>
                       <a:tcPr anchor="ctr"/>
                     </a:tc>
+                    <a:extLst>
+                      <a:ext uri="{0D108BD9-81ED-4DB2-BD59-A6C34878D82A}">
+                        <a16:rowId xmlns:a16="http://schemas.microsoft.com/office/drawing/2014/main" val="10000"/>
+                      </a:ext>
+                    </a:extLst>
                   </a:tr>
                   <a:tr h="1138070">
                     <a:tc>
@@ -5596,7 +6582,7 @@
                         <a:p>
                           <a:pPr algn="ctr" latinLnBrk="1"/>
                           <a:r>
-                            <a:rPr lang="en-US" altLang="ko-KR" dirty="0" smtClean="0"/>
+                            <a:rPr lang="en-US" altLang="ko-KR" dirty="0"/>
                             <a:t>Participant 1</a:t>
                           </a:r>
                           <a:endParaRPr lang="ko-KR" altLang="en-US" dirty="0"/>
@@ -5616,7 +6602,7 @@
                                 <m:sSubPr>
                                   <m:ctrlPr>
                                     <a:rPr lang="en-US" altLang="ko-KR" b="0" i="1" smtClean="0">
-                                      <a:latin typeface="Cambria Math"/>
+                                      <a:latin typeface="Cambria Math" panose="02040503050406030204" pitchFamily="18" charset="0"/>
                                     </a:rPr>
                                   </m:ctrlPr>
                                 </m:sSubPr>
@@ -5640,7 +6626,7 @@
                             </m:oMath>
                           </a14:m>
                           <a:r>
-                            <a:rPr lang="en-US" altLang="ko-KR" baseline="0" dirty="0" smtClean="0"/>
+                            <a:rPr lang="en-US" altLang="ko-KR" baseline="0" dirty="0"/>
                             <a:t> ~ </a:t>
                           </a:r>
                           <a14:m>
@@ -5655,7 +6641,7 @@
                                 <m:dPr>
                                   <m:ctrlPr>
                                     <a:rPr lang="en-US" altLang="ko-KR" b="0" i="1" baseline="0" smtClean="0">
-                                      <a:latin typeface="Cambria Math"/>
+                                      <a:latin typeface="Cambria Math" panose="02040503050406030204" pitchFamily="18" charset="0"/>
                                     </a:rPr>
                                   </m:ctrlPr>
                                 </m:dPr>
@@ -5664,7 +6650,7 @@
                                     <m:sSupPr>
                                       <m:ctrlPr>
                                         <a:rPr lang="en-US" altLang="ko-KR" b="0" i="1" baseline="0" smtClean="0">
-                                          <a:latin typeface="Cambria Math"/>
+                                          <a:latin typeface="Cambria Math" panose="02040503050406030204" pitchFamily="18" charset="0"/>
                                         </a:rPr>
                                       </m:ctrlPr>
                                     </m:sSupPr>
@@ -5689,7 +6675,7 @@
                               </m:d>
                             </m:oMath>
                           </a14:m>
-                          <a:endParaRPr lang="en-US" altLang="ko-KR" b="0" baseline="0" dirty="0" smtClean="0"/>
+                          <a:endParaRPr lang="en-US" altLang="ko-KR" b="0" baseline="0" dirty="0"/>
                         </a:p>
                       </a:txBody>
                       <a:tcPr anchor="ctr"/>
@@ -5722,7 +6708,7 @@
                                 <m:sSubPr>
                                   <m:ctrlPr>
                                     <a:rPr lang="en-US" altLang="ko-KR" b="0" i="1" smtClean="0">
-                                      <a:latin typeface="Cambria Math"/>
+                                      <a:latin typeface="Cambria Math" panose="02040503050406030204" pitchFamily="18" charset="0"/>
                                     </a:rPr>
                                   </m:ctrlPr>
                                 </m:sSubPr>
@@ -5746,7 +6732,7 @@
                             </m:oMath>
                           </a14:m>
                           <a:r>
-                            <a:rPr lang="en-US" altLang="ko-KR" baseline="0" dirty="0" smtClean="0"/>
+                            <a:rPr lang="en-US" altLang="ko-KR" baseline="0" dirty="0"/>
                             <a:t> ~ </a:t>
                           </a:r>
                           <a14:m>
@@ -5761,7 +6747,7 @@
                                 <m:dPr>
                                   <m:ctrlPr>
                                     <a:rPr lang="en-US" altLang="ko-KR" b="0" i="1" baseline="0" smtClean="0">
-                                      <a:latin typeface="Cambria Math"/>
+                                      <a:latin typeface="Cambria Math" panose="02040503050406030204" pitchFamily="18" charset="0"/>
                                     </a:rPr>
                                   </m:ctrlPr>
                                 </m:dPr>
@@ -5776,7 +6762,7 @@
                                     <m:sSupPr>
                                       <m:ctrlPr>
                                         <a:rPr lang="en-US" altLang="ko-KR" b="0" i="1" baseline="0" smtClean="0">
-                                          <a:latin typeface="Cambria Math"/>
+                                          <a:latin typeface="Cambria Math" panose="02040503050406030204" pitchFamily="18" charset="0"/>
                                         </a:rPr>
                                       </m:ctrlPr>
                                     </m:sSupPr>
@@ -5801,11 +6787,16 @@
                               </m:d>
                             </m:oMath>
                           </a14:m>
-                          <a:endParaRPr lang="en-US" altLang="ko-KR" b="0" baseline="0" dirty="0" smtClean="0"/>
+                          <a:endParaRPr lang="en-US" altLang="ko-KR" b="0" baseline="0" dirty="0"/>
                         </a:p>
                       </a:txBody>
                       <a:tcPr anchor="ctr"/>
                     </a:tc>
+                    <a:extLst>
+                      <a:ext uri="{0D108BD9-81ED-4DB2-BD59-A6C34878D82A}">
+                        <a16:rowId xmlns:a16="http://schemas.microsoft.com/office/drawing/2014/main" val="10001"/>
+                      </a:ext>
+                    </a:extLst>
                   </a:tr>
                   <a:tr h="1138070">
                     <a:tc>
@@ -5815,11 +6806,11 @@
                         <a:p>
                           <a:pPr algn="ctr" latinLnBrk="1"/>
                           <a:r>
-                            <a:rPr lang="en-US" altLang="ko-KR" dirty="0" smtClean="0"/>
+                            <a:rPr lang="en-US" altLang="ko-KR" dirty="0"/>
                             <a:t>Participant</a:t>
                           </a:r>
                           <a:r>
-                            <a:rPr lang="en-US" altLang="ko-KR" baseline="0" dirty="0" smtClean="0"/>
+                            <a:rPr lang="en-US" altLang="ko-KR" baseline="0" dirty="0"/>
                             <a:t> 2</a:t>
                           </a:r>
                         </a:p>
@@ -5854,7 +6845,7 @@
                                 <m:sSubPr>
                                   <m:ctrlPr>
                                     <a:rPr lang="en-US" altLang="ko-KR" b="0" i="1" smtClean="0">
-                                      <a:latin typeface="Cambria Math"/>
+                                      <a:latin typeface="Cambria Math" panose="02040503050406030204" pitchFamily="18" charset="0"/>
                                     </a:rPr>
                                   </m:ctrlPr>
                                 </m:sSubPr>
@@ -5878,7 +6869,7 @@
                             </m:oMath>
                           </a14:m>
                           <a:r>
-                            <a:rPr lang="en-US" altLang="ko-KR" baseline="0" dirty="0" smtClean="0"/>
+                            <a:rPr lang="en-US" altLang="ko-KR" baseline="0" dirty="0"/>
                             <a:t> ~ </a:t>
                           </a:r>
                           <a14:m>
@@ -5893,7 +6884,7 @@
                                 <m:dPr>
                                   <m:ctrlPr>
                                     <a:rPr lang="en-US" altLang="ko-KR" b="0" i="1" baseline="0" smtClean="0">
-                                      <a:latin typeface="Cambria Math"/>
+                                      <a:latin typeface="Cambria Math" panose="02040503050406030204" pitchFamily="18" charset="0"/>
                                     </a:rPr>
                                   </m:ctrlPr>
                                 </m:dPr>
@@ -5902,7 +6893,7 @@
                                     <m:sSupPr>
                                       <m:ctrlPr>
                                         <a:rPr lang="en-US" altLang="ko-KR" b="0" i="1" baseline="0" smtClean="0">
-                                          <a:latin typeface="Cambria Math"/>
+                                          <a:latin typeface="Cambria Math" panose="02040503050406030204" pitchFamily="18" charset="0"/>
                                         </a:rPr>
                                       </m:ctrlPr>
                                     </m:sSupPr>
@@ -5927,7 +6918,7 @@
                               </m:d>
                             </m:oMath>
                           </a14:m>
-                          <a:endParaRPr lang="en-US" altLang="ko-KR" b="0" baseline="0" dirty="0" smtClean="0"/>
+                          <a:endParaRPr lang="en-US" altLang="ko-KR" b="0" baseline="0" dirty="0"/>
                         </a:p>
                       </a:txBody>
                       <a:tcPr anchor="ctr"/>
@@ -5960,7 +6951,7 @@
                                 <m:sSubPr>
                                   <m:ctrlPr>
                                     <a:rPr lang="en-US" altLang="ko-KR" b="0" i="1" smtClean="0">
-                                      <a:latin typeface="Cambria Math"/>
+                                      <a:latin typeface="Cambria Math" panose="02040503050406030204" pitchFamily="18" charset="0"/>
                                     </a:rPr>
                                   </m:ctrlPr>
                                 </m:sSubPr>
@@ -5984,7 +6975,7 @@
                             </m:oMath>
                           </a14:m>
                           <a:r>
-                            <a:rPr lang="en-US" altLang="ko-KR" baseline="0" dirty="0" smtClean="0"/>
+                            <a:rPr lang="en-US" altLang="ko-KR" baseline="0" dirty="0"/>
                             <a:t> ~ </a:t>
                           </a:r>
                           <a14:m>
@@ -5999,7 +6990,7 @@
                                 <m:dPr>
                                   <m:ctrlPr>
                                     <a:rPr lang="en-US" altLang="ko-KR" b="0" i="1" baseline="0" smtClean="0">
-                                      <a:latin typeface="Cambria Math"/>
+                                      <a:latin typeface="Cambria Math" panose="02040503050406030204" pitchFamily="18" charset="0"/>
                                     </a:rPr>
                                   </m:ctrlPr>
                                 </m:dPr>
@@ -6008,7 +6999,7 @@
                                     <m:sSupPr>
                                       <m:ctrlPr>
                                         <a:rPr lang="en-US" altLang="ko-KR" b="0" i="1" baseline="0" smtClean="0">
-                                          <a:latin typeface="Cambria Math"/>
+                                          <a:latin typeface="Cambria Math" panose="02040503050406030204" pitchFamily="18" charset="0"/>
                                         </a:rPr>
                                       </m:ctrlPr>
                                     </m:sSupPr>
@@ -6033,13 +7024,18 @@
                               </m:d>
                             </m:oMath>
                           </a14:m>
-                          <a:endParaRPr lang="en-US" altLang="ko-KR" b="0" i="1" dirty="0" smtClean="0">
+                          <a:endParaRPr lang="en-US" altLang="ko-KR" b="0" i="1" dirty="0">
                             <a:latin typeface="Cambria Math"/>
                           </a:endParaRPr>
                         </a:p>
                       </a:txBody>
                       <a:tcPr anchor="ctr"/>
                     </a:tc>
+                    <a:extLst>
+                      <a:ext uri="{0D108BD9-81ED-4DB2-BD59-A6C34878D82A}">
+                        <a16:rowId xmlns:a16="http://schemas.microsoft.com/office/drawing/2014/main" val="10002"/>
+                      </a:ext>
+                    </a:extLst>
                   </a:tr>
                   <a:tr h="1138070">
                     <a:tc>
@@ -6065,14 +7061,14 @@
                             <a:defRPr/>
                           </a:pPr>
                           <a:r>
-                            <a:rPr lang="en-US" altLang="ko-KR" dirty="0" smtClean="0"/>
+                            <a:rPr lang="en-US" altLang="ko-KR" dirty="0"/>
                             <a:t>Participant</a:t>
                           </a:r>
                           <a:r>
-                            <a:rPr lang="en-US" altLang="ko-KR" baseline="0" dirty="0" smtClean="0"/>
+                            <a:rPr lang="en-US" altLang="ko-KR" baseline="0" dirty="0"/>
                             <a:t> 3</a:t>
                           </a:r>
-                          <a:endParaRPr lang="ko-KR" altLang="en-US" dirty="0" smtClean="0"/>
+                          <a:endParaRPr lang="ko-KR" altLang="en-US" dirty="0"/>
                         </a:p>
                       </a:txBody>
                       <a:tcPr anchor="ctr"/>
@@ -6105,7 +7101,7 @@
                                 <m:sSubPr>
                                   <m:ctrlPr>
                                     <a:rPr lang="en-US" altLang="ko-KR" b="0" i="1" smtClean="0">
-                                      <a:latin typeface="Cambria Math"/>
+                                      <a:latin typeface="Cambria Math" panose="02040503050406030204" pitchFamily="18" charset="0"/>
                                     </a:rPr>
                                   </m:ctrlPr>
                                 </m:sSubPr>
@@ -6129,7 +7125,7 @@
                             </m:oMath>
                           </a14:m>
                           <a:r>
-                            <a:rPr lang="en-US" altLang="ko-KR" baseline="0" dirty="0" smtClean="0"/>
+                            <a:rPr lang="en-US" altLang="ko-KR" baseline="0" dirty="0"/>
                             <a:t> ~ </a:t>
                           </a:r>
                           <a14:m>
@@ -6144,7 +7140,7 @@
                                 <m:dPr>
                                   <m:ctrlPr>
                                     <a:rPr lang="en-US" altLang="ko-KR" b="0" i="1" baseline="0" smtClean="0">
-                                      <a:latin typeface="Cambria Math"/>
+                                      <a:latin typeface="Cambria Math" panose="02040503050406030204" pitchFamily="18" charset="0"/>
                                     </a:rPr>
                                   </m:ctrlPr>
                                 </m:dPr>
@@ -6153,7 +7149,7 @@
                                     <m:sSupPr>
                                       <m:ctrlPr>
                                         <a:rPr lang="en-US" altLang="ko-KR" b="0" i="1" baseline="0" smtClean="0">
-                                          <a:latin typeface="Cambria Math"/>
+                                          <a:latin typeface="Cambria Math" panose="02040503050406030204" pitchFamily="18" charset="0"/>
                                         </a:rPr>
                                       </m:ctrlPr>
                                     </m:sSupPr>
@@ -6178,7 +7174,7 @@
                               </m:d>
                             </m:oMath>
                           </a14:m>
-                          <a:endParaRPr lang="en-US" altLang="ko-KR" b="0" baseline="0" dirty="0" smtClean="0"/>
+                          <a:endParaRPr lang="en-US" altLang="ko-KR" b="0" baseline="0" dirty="0"/>
                         </a:p>
                       </a:txBody>
                       <a:tcPr anchor="ctr"/>
@@ -6211,7 +7207,7 @@
                                 <m:sSubPr>
                                   <m:ctrlPr>
                                     <a:rPr lang="en-US" altLang="ko-KR" b="0" i="1" smtClean="0">
-                                      <a:latin typeface="Cambria Math"/>
+                                      <a:latin typeface="Cambria Math" panose="02040503050406030204" pitchFamily="18" charset="0"/>
                                     </a:rPr>
                                   </m:ctrlPr>
                                 </m:sSubPr>
@@ -6235,7 +7231,7 @@
                             </m:oMath>
                           </a14:m>
                           <a:r>
-                            <a:rPr lang="en-US" altLang="ko-KR" baseline="0" dirty="0" smtClean="0"/>
+                            <a:rPr lang="en-US" altLang="ko-KR" baseline="0" dirty="0"/>
                             <a:t> ~ </a:t>
                           </a:r>
                           <a14:m>
@@ -6250,7 +7246,7 @@
                                 <m:dPr>
                                   <m:ctrlPr>
                                     <a:rPr lang="en-US" altLang="ko-KR" b="0" i="1" baseline="0" smtClean="0">
-                                      <a:latin typeface="Cambria Math"/>
+                                      <a:latin typeface="Cambria Math" panose="02040503050406030204" pitchFamily="18" charset="0"/>
                                     </a:rPr>
                                   </m:ctrlPr>
                                 </m:dPr>
@@ -6259,7 +7255,7 @@
                                     <m:sSupPr>
                                       <m:ctrlPr>
                                         <a:rPr lang="en-US" altLang="ko-KR" b="0" i="1" baseline="0" smtClean="0">
-                                          <a:latin typeface="Cambria Math"/>
+                                          <a:latin typeface="Cambria Math" panose="02040503050406030204" pitchFamily="18" charset="0"/>
                                         </a:rPr>
                                       </m:ctrlPr>
                                     </m:sSupPr>
@@ -6284,11 +7280,16 @@
                               </m:d>
                             </m:oMath>
                           </a14:m>
-                          <a:endParaRPr lang="en-US" altLang="ko-KR" b="0" baseline="0" dirty="0" smtClean="0"/>
+                          <a:endParaRPr lang="en-US" altLang="ko-KR" b="0" baseline="0" dirty="0"/>
                         </a:p>
                       </a:txBody>
                       <a:tcPr anchor="ctr"/>
                     </a:tc>
+                    <a:extLst>
+                      <a:ext uri="{0D108BD9-81ED-4DB2-BD59-A6C34878D82A}">
+                        <a16:rowId xmlns:a16="http://schemas.microsoft.com/office/drawing/2014/main" val="10003"/>
+                      </a:ext>
+                    </a:extLst>
                   </a:tr>
                 </a:tbl>
               </a:graphicData>
@@ -6561,17 +7562,10 @@
   <p:clrMapOvr>
     <a:masterClrMapping/>
   </p:clrMapOvr>
-  <p:timing>
-    <p:tnLst>
-      <p:par>
-        <p:cTn id="1" dur="indefinite" restart="never" nodeType="tmRoot"/>
-      </p:par>
-    </p:tnLst>
-  </p:timing>
 </p:sld>
 </file>
 
-<file path=ppt/slides/slide14.xml><?xml version="1.0" encoding="utf-8"?>
+<file path=ppt/slides/slide15.xml><?xml version="1.0" encoding="utf-8"?>
 <p:sld xmlns:a="http://schemas.openxmlformats.org/drawingml/2006/main" xmlns:r="http://schemas.openxmlformats.org/officeDocument/2006/relationships" xmlns:p="http://schemas.openxmlformats.org/presentationml/2006/main">
   <p:cSld>
     <p:spTree>
@@ -6662,17 +7656,10 @@
   <p:clrMapOvr>
     <a:masterClrMapping/>
   </p:clrMapOvr>
-  <p:timing>
-    <p:tnLst>
-      <p:par>
-        <p:cTn id="1" dur="indefinite" restart="never" nodeType="tmRoot"/>
-      </p:par>
-    </p:tnLst>
-  </p:timing>
 </p:sld>
 </file>
 
-<file path=ppt/slides/slide15.xml><?xml version="1.0" encoding="utf-8"?>
+<file path=ppt/slides/slide16.xml><?xml version="1.0" encoding="utf-8"?>
 <p:sld xmlns:a="http://schemas.openxmlformats.org/drawingml/2006/main" xmlns:r="http://schemas.openxmlformats.org/officeDocument/2006/relationships" xmlns:p="http://schemas.openxmlformats.org/presentationml/2006/main">
   <p:cSld>
     <p:spTree>
@@ -6705,15 +7692,15 @@
           <a:lstStyle/>
           <a:p>
             <a:r>
-              <a:rPr lang="en-US" altLang="ko-KR" dirty="0" smtClean="0"/>
+              <a:rPr lang="en-US" altLang="ko-KR" dirty="0"/>
               <a:t>Model</a:t>
             </a:r>
             <a:endParaRPr lang="ko-KR" altLang="en-US" dirty="0"/>
           </a:p>
         </p:txBody>
       </p:sp>
-      <mc:AlternateContent xmlns:mc="http://schemas.openxmlformats.org/markup-compatibility/2006">
-        <mc:Choice xmlns:a14="http://schemas.microsoft.com/office/drawing/2010/main" Requires="a14">
+      <mc:AlternateContent xmlns:mc="http://schemas.openxmlformats.org/markup-compatibility/2006" xmlns:a14="http://schemas.microsoft.com/office/drawing/2010/main">
+        <mc:Choice Requires="a14">
           <p:sp>
             <p:nvSpPr>
               <p:cNvPr id="3" name="내용 개체 틀 2"/>
@@ -6730,7 +7717,7 @@
               <a:lstStyle/>
               <a:p>
                 <a:r>
-                  <a:rPr lang="en-US" altLang="ko-KR" sz="2800" dirty="0" smtClean="0"/>
+                  <a:rPr lang="en-US" altLang="ko-KR" sz="2800" dirty="0"/>
                   <a:t>State</a:t>
                 </a:r>
                 <a:r>
@@ -6743,7 +7730,7 @@
                       <m:sSubPr>
                         <m:ctrlPr>
                           <a:rPr lang="en-US" altLang="ko-KR" i="1">
-                            <a:latin typeface="Cambria Math"/>
+                            <a:latin typeface="Cambria Math" panose="02040503050406030204" pitchFamily="18" charset="0"/>
                           </a:rPr>
                         </m:ctrlPr>
                       </m:sSubPr>
@@ -6768,7 +7755,7 @@
                       <m:dPr>
                         <m:ctrlPr>
                           <a:rPr lang="en-US" altLang="ko-KR" i="1">
-                            <a:latin typeface="Cambria Math"/>
+                            <a:latin typeface="Cambria Math" panose="02040503050406030204" pitchFamily="18" charset="0"/>
                           </a:rPr>
                         </m:ctrlPr>
                       </m:dPr>
@@ -6811,13 +7798,13 @@
                       <a:rPr lang="en-US" altLang="ko-KR" i="1">
                         <a:latin typeface="Cambria Math"/>
                       </a:rPr>
-                      <m:t>∈[0:0.</m:t>
+                      <m:t>∈[0:0.5:18</m:t>
                     </m:r>
                     <m:r>
                       <a:rPr lang="en-US" altLang="ko-KR" b="0" i="1" smtClean="0">
                         <a:latin typeface="Cambria Math"/>
                       </a:rPr>
-                      <m:t>5:180]</m:t>
+                      <m:t>0]</m:t>
                     </m:r>
                   </m:oMath>
                 </a14:m>
@@ -6844,7 +7831,7 @@
                       <m:dPr>
                         <m:ctrlPr>
                           <a:rPr lang="en-US" altLang="ko-KR" i="1">
-                            <a:latin typeface="Cambria Math"/>
+                            <a:latin typeface="Cambria Math" panose="02040503050406030204" pitchFamily="18" charset="0"/>
                           </a:rPr>
                         </m:ctrlPr>
                       </m:dPr>
@@ -6902,7 +7889,7 @@
                       <m:dPr>
                         <m:ctrlPr>
                           <a:rPr lang="en-US" altLang="ko-KR" i="1">
-                            <a:latin typeface="Cambria Math"/>
+                            <a:latin typeface="Cambria Math" panose="02040503050406030204" pitchFamily="18" charset="0"/>
                           </a:rPr>
                         </m:ctrlPr>
                       </m:dPr>
@@ -6935,7 +7922,7 @@
                           <m:sSupPr>
                             <m:ctrlPr>
                               <a:rPr lang="en-US" altLang="ko-KR" i="1">
-                                <a:latin typeface="Cambria Math"/>
+                                <a:latin typeface="Cambria Math" panose="02040503050406030204" pitchFamily="18" charset="0"/>
                               </a:rPr>
                             </m:ctrlPr>
                           </m:sSupPr>
@@ -6983,7 +7970,7 @@
                       <m:sSupPr>
                         <m:ctrlPr>
                           <a:rPr lang="en-US" altLang="ko-KR" i="1">
-                            <a:latin typeface="Cambria Math"/>
+                            <a:latin typeface="Cambria Math" panose="02040503050406030204" pitchFamily="18" charset="0"/>
                           </a:rPr>
                         </m:ctrlPr>
                       </m:sSupPr>
@@ -7080,7 +8067,7 @@
                           <m:endChr m:val="|"/>
                           <m:ctrlPr>
                             <a:rPr lang="en-US" altLang="ko-KR" i="1">
-                              <a:latin typeface="Cambria Math"/>
+                              <a:latin typeface="Cambria Math" panose="02040503050406030204" pitchFamily="18" charset="0"/>
                             </a:rPr>
                           </m:ctrlPr>
                         </m:dPr>
@@ -7089,7 +8076,7 @@
                             <m:sSubPr>
                               <m:ctrlPr>
                                 <a:rPr lang="en-US" altLang="ko-KR" i="1">
-                                  <a:latin typeface="Cambria Math"/>
+                                  <a:latin typeface="Cambria Math" panose="02040503050406030204" pitchFamily="18" charset="0"/>
                                 </a:rPr>
                               </m:ctrlPr>
                             </m:sSubPr>
@@ -7128,7 +8115,7 @@
                         <m:sSubPr>
                           <m:ctrlPr>
                             <a:rPr lang="en-US" altLang="ko-KR" i="1">
-                              <a:latin typeface="Cambria Math"/>
+                              <a:latin typeface="Cambria Math" panose="02040503050406030204" pitchFamily="18" charset="0"/>
                             </a:rPr>
                           </m:ctrlPr>
                         </m:sSubPr>
@@ -7165,7 +8152,7 @@
                         <m:dPr>
                           <m:ctrlPr>
                             <a:rPr lang="en-US" altLang="ko-KR" i="1">
-                              <a:latin typeface="Cambria Math"/>
+                              <a:latin typeface="Cambria Math" panose="02040503050406030204" pitchFamily="18" charset="0"/>
                             </a:rPr>
                           </m:ctrlPr>
                         </m:dPr>
@@ -7180,7 +8167,7 @@
                             <m:dPr>
                               <m:ctrlPr>
                                 <a:rPr lang="en-US" altLang="ko-KR" i="1">
-                                  <a:latin typeface="Cambria Math"/>
+                                  <a:latin typeface="Cambria Math" panose="02040503050406030204" pitchFamily="18" charset="0"/>
                                 </a:rPr>
                               </m:ctrlPr>
                             </m:dPr>
@@ -7201,7 +8188,7 @@
                                 <m:sSubPr>
                                   <m:ctrlPr>
                                     <a:rPr lang="en-US" altLang="ko-KR" i="1">
-                                      <a:latin typeface="Cambria Math"/>
+                                      <a:latin typeface="Cambria Math" panose="02040503050406030204" pitchFamily="18" charset="0"/>
                                     </a:rPr>
                                   </m:ctrlPr>
                                 </m:sSubPr>
@@ -7250,7 +8237,7 @@
                 <a:pPr marL="0" indent="0">
                   <a:buNone/>
                 </a:pPr>
-                <a:endParaRPr lang="en-US" altLang="ko-KR" dirty="0" smtClean="0"/>
+                <a:endParaRPr lang="en-US" altLang="ko-KR" dirty="0"/>
               </a:p>
               <a:p>
                 <a:pPr marL="400050" lvl="1" indent="0">
@@ -7286,7 +8273,7 @@
             </p:txBody>
           </p:sp>
         </mc:Choice>
-        <mc:Fallback>
+        <mc:Fallback xmlns="">
           <p:sp>
             <p:nvSpPr>
               <p:cNvPr id="3" name="내용 개체 틀 2"/>
@@ -7330,17 +8317,10 @@
   <p:clrMapOvr>
     <a:masterClrMapping/>
   </p:clrMapOvr>
-  <p:timing>
-    <p:tnLst>
-      <p:par>
-        <p:cTn id="1" dur="indefinite" restart="never" nodeType="tmRoot"/>
-      </p:par>
-    </p:tnLst>
-  </p:timing>
 </p:sld>
 </file>
 
-<file path=ppt/slides/slide16.xml><?xml version="1.0" encoding="utf-8"?>
+<file path=ppt/slides/slide17.xml><?xml version="1.0" encoding="utf-8"?>
 <p:sld xmlns:a="http://schemas.openxmlformats.org/drawingml/2006/main" xmlns:r="http://schemas.openxmlformats.org/officeDocument/2006/relationships" xmlns:p="http://schemas.openxmlformats.org/presentationml/2006/main">
   <p:cSld>
     <p:spTree>
@@ -7373,15 +8353,15 @@
           <a:lstStyle/>
           <a:p>
             <a:r>
-              <a:rPr lang="en-US" altLang="ko-KR" dirty="0" smtClean="0"/>
+              <a:rPr lang="en-US" altLang="ko-KR" dirty="0"/>
               <a:t>Model</a:t>
             </a:r>
             <a:endParaRPr lang="ko-KR" altLang="en-US" dirty="0"/>
           </a:p>
         </p:txBody>
       </p:sp>
-      <mc:AlternateContent xmlns:mc="http://schemas.openxmlformats.org/markup-compatibility/2006">
-        <mc:Choice xmlns:a14="http://schemas.microsoft.com/office/drawing/2010/main" Requires="a14">
+      <mc:AlternateContent xmlns:mc="http://schemas.openxmlformats.org/markup-compatibility/2006" xmlns:a14="http://schemas.microsoft.com/office/drawing/2010/main">
+        <mc:Choice Requires="a14">
           <p:sp>
             <p:nvSpPr>
               <p:cNvPr id="3" name="내용 개체 틀 2"/>
@@ -7422,7 +8402,7 @@
                         <m:sSubPr>
                           <m:ctrlPr>
                             <a:rPr lang="en-US" altLang="ko-KR" sz="2800" i="1">
-                              <a:latin typeface="Cambria Math"/>
+                              <a:latin typeface="Cambria Math" panose="02040503050406030204" pitchFamily="18" charset="0"/>
                             </a:rPr>
                           </m:ctrlPr>
                         </m:sSubPr>
@@ -7447,7 +8427,7 @@
                         <m:dPr>
                           <m:ctrlPr>
                             <a:rPr lang="en-US" altLang="ko-KR" sz="2800" i="1">
-                              <a:latin typeface="Cambria Math"/>
+                              <a:latin typeface="Cambria Math" panose="02040503050406030204" pitchFamily="18" charset="0"/>
                             </a:rPr>
                           </m:ctrlPr>
                         </m:dPr>
@@ -7456,7 +8436,7 @@
                             <m:sSupPr>
                               <m:ctrlPr>
                                 <a:rPr lang="en-US" altLang="ko-KR" sz="2800" i="1">
-                                  <a:latin typeface="Cambria Math"/>
+                                  <a:latin typeface="Cambria Math" panose="02040503050406030204" pitchFamily="18" charset="0"/>
                                 </a:rPr>
                               </m:ctrlPr>
                             </m:sSupPr>
@@ -7489,7 +8469,7 @@
                         <m:fPr>
                           <m:ctrlPr>
                             <a:rPr lang="en-US" altLang="ko-KR" sz="2800" i="1">
-                              <a:latin typeface="Cambria Math"/>
+                              <a:latin typeface="Cambria Math" panose="02040503050406030204" pitchFamily="18" charset="0"/>
                             </a:rPr>
                           </m:ctrlPr>
                         </m:fPr>
@@ -7501,7 +8481,7 @@
                               <m:supHide m:val="on"/>
                               <m:ctrlPr>
                                 <a:rPr lang="en-US" altLang="ko-KR" sz="2800" i="1">
-                                  <a:latin typeface="Cambria Math"/>
+                                  <a:latin typeface="Cambria Math" panose="02040503050406030204" pitchFamily="18" charset="0"/>
                                 </a:rPr>
                               </m:ctrlPr>
                             </m:naryPr>
@@ -7534,7 +8514,7 @@
                                 <m:sSubPr>
                                   <m:ctrlPr>
                                     <a:rPr lang="en-US" altLang="ko-KR" sz="2800" i="1">
-                                      <a:latin typeface="Cambria Math"/>
+                                      <a:latin typeface="Cambria Math" panose="02040503050406030204" pitchFamily="18" charset="0"/>
                                     </a:rPr>
                                   </m:ctrlPr>
                                 </m:sSubPr>
@@ -7565,7 +8545,7 @@
                                 <m:dPr>
                                   <m:ctrlPr>
                                     <a:rPr lang="en-US" altLang="ko-KR" sz="2800" i="1">
-                                      <a:latin typeface="Cambria Math"/>
+                                      <a:latin typeface="Cambria Math" panose="02040503050406030204" pitchFamily="18" charset="0"/>
                                     </a:rPr>
                                   </m:ctrlPr>
                                 </m:dPr>
@@ -7594,7 +8574,7 @@
                                 <m:dPr>
                                   <m:ctrlPr>
                                     <a:rPr lang="en-US" altLang="ko-KR" sz="2800" i="1">
-                                      <a:latin typeface="Cambria Math"/>
+                                      <a:latin typeface="Cambria Math" panose="02040503050406030204" pitchFamily="18" charset="0"/>
                                     </a:rPr>
                                   </m:ctrlPr>
                                 </m:dPr>
@@ -7603,7 +8583,7 @@
                                     <m:sSupPr>
                                       <m:ctrlPr>
                                         <a:rPr lang="en-US" altLang="ko-KR" sz="2800" i="1">
-                                          <a:latin typeface="Cambria Math"/>
+                                          <a:latin typeface="Cambria Math" panose="02040503050406030204" pitchFamily="18" charset="0"/>
                                         </a:rPr>
                                       </m:ctrlPr>
                                     </m:sSupPr>
@@ -7642,7 +8622,7 @@
                                     <m:sSubPr>
                                       <m:ctrlPr>
                                         <a:rPr lang="en-US" altLang="ko-KR" sz="2800" i="1">
-                                          <a:latin typeface="Cambria Math"/>
+                                          <a:latin typeface="Cambria Math" panose="02040503050406030204" pitchFamily="18" charset="0"/>
                                         </a:rPr>
                                       </m:ctrlPr>
                                     </m:sSubPr>
@@ -7687,7 +8667,7 @@
                                 <m:sSubPr>
                                   <m:ctrlPr>
                                     <a:rPr lang="en-US" altLang="ko-KR" sz="2800" i="1">
-                                      <a:latin typeface="Cambria Math"/>
+                                      <a:latin typeface="Cambria Math" panose="02040503050406030204" pitchFamily="18" charset="0"/>
                                     </a:rPr>
                                   </m:ctrlPr>
                                 </m:sSubPr>
@@ -7718,7 +8698,7 @@
                                 <m:sSupPr>
                                   <m:ctrlPr>
                                     <a:rPr lang="en-US" altLang="ko-KR" sz="2800" i="1">
-                                      <a:latin typeface="Cambria Math"/>
+                                      <a:latin typeface="Cambria Math" panose="02040503050406030204" pitchFamily="18" charset="0"/>
                                     </a:rPr>
                                   </m:ctrlPr>
                                 </m:sSupPr>
@@ -7749,7 +8729,7 @@
                                 <m:sSubPr>
                                   <m:ctrlPr>
                                     <a:rPr lang="en-US" altLang="ko-KR" sz="2800" i="1">
-                                      <a:latin typeface="Cambria Math"/>
+                                      <a:latin typeface="Cambria Math" panose="02040503050406030204" pitchFamily="18" charset="0"/>
                                     </a:rPr>
                                   </m:ctrlPr>
                                 </m:sSubPr>
@@ -7787,7 +8767,7 @@
                               <m:supHide m:val="on"/>
                               <m:ctrlPr>
                                 <a:rPr lang="en-US" altLang="ko-KR" sz="2800" i="1">
-                                  <a:latin typeface="Cambria Math"/>
+                                  <a:latin typeface="Cambria Math" panose="02040503050406030204" pitchFamily="18" charset="0"/>
                                 </a:rPr>
                               </m:ctrlPr>
                             </m:naryPr>
@@ -7805,13 +8785,7 @@
                                 <a:rPr lang="en-US" altLang="ko-KR" sz="2800" i="1">
                                   <a:latin typeface="Cambria Math"/>
                                 </a:rPr>
-                                <m:t>′</m:t>
-                              </m:r>
-                              <m:r>
-                                <a:rPr lang="en-US" altLang="ko-KR" sz="2800" i="1">
-                                  <a:latin typeface="Cambria Math"/>
-                                </a:rPr>
-                                <m:t>∈</m:t>
+                                <m:t>′∈</m:t>
                               </m:r>
                               <m:r>
                                 <a:rPr lang="en-US" altLang="ko-KR" sz="2800" i="1">
@@ -7838,7 +8812,7 @@
                                 <m:sSubPr>
                                   <m:ctrlPr>
                                     <a:rPr lang="en-US" altLang="ko-KR" sz="2800" i="1">
-                                      <a:latin typeface="Cambria Math"/>
+                                      <a:latin typeface="Cambria Math" panose="02040503050406030204" pitchFamily="18" charset="0"/>
                                     </a:rPr>
                                   </m:ctrlPr>
                                 </m:sSubPr>
@@ -7869,7 +8843,7 @@
                                 <m:sSupPr>
                                   <m:ctrlPr>
                                     <a:rPr lang="en-US" altLang="ko-KR" sz="2800" i="1">
-                                      <a:latin typeface="Cambria Math"/>
+                                      <a:latin typeface="Cambria Math" panose="02040503050406030204" pitchFamily="18" charset="0"/>
                                     </a:rPr>
                                   </m:ctrlPr>
                                 </m:sSupPr>
@@ -7900,7 +8874,7 @@
                                 <m:sSubPr>
                                   <m:ctrlPr>
                                     <a:rPr lang="en-US" altLang="ko-KR" sz="2800" i="1">
-                                      <a:latin typeface="Cambria Math"/>
+                                      <a:latin typeface="Cambria Math" panose="02040503050406030204" pitchFamily="18" charset="0"/>
                                     </a:rPr>
                                   </m:ctrlPr>
                                 </m:sSubPr>
@@ -7934,7 +8908,7 @@
                                   <m:supHide m:val="on"/>
                                   <m:ctrlPr>
                                     <a:rPr lang="en-US" altLang="ko-KR" sz="3200" i="1">
-                                      <a:latin typeface="Cambria Math"/>
+                                      <a:latin typeface="Cambria Math" panose="02040503050406030204" pitchFamily="18" charset="0"/>
                                     </a:rPr>
                                   </m:ctrlPr>
                                 </m:naryPr>
@@ -7973,7 +8947,7 @@
                                     <m:dPr>
                                       <m:ctrlPr>
                                         <a:rPr lang="en-US" altLang="ko-KR" sz="3200" i="1">
-                                          <a:latin typeface="Cambria Math"/>
+                                          <a:latin typeface="Cambria Math" panose="02040503050406030204" pitchFamily="18" charset="0"/>
                                         </a:rPr>
                                       </m:ctrlPr>
                                     </m:dPr>
@@ -7982,7 +8956,7 @@
                                         <m:sSupPr>
                                           <m:ctrlPr>
                                             <a:rPr lang="en-US" altLang="ko-KR" sz="3200" i="1">
-                                              <a:latin typeface="Cambria Math"/>
+                                              <a:latin typeface="Cambria Math" panose="02040503050406030204" pitchFamily="18" charset="0"/>
                                             </a:rPr>
                                           </m:ctrlPr>
                                         </m:sSupPr>
@@ -8021,7 +8995,7 @@
                                         <m:sSubPr>
                                           <m:ctrlPr>
                                             <a:rPr lang="en-US" altLang="ko-KR" sz="3200" i="1">
-                                              <a:latin typeface="Cambria Math"/>
+                                              <a:latin typeface="Cambria Math" panose="02040503050406030204" pitchFamily="18" charset="0"/>
                                             </a:rPr>
                                           </m:ctrlPr>
                                         </m:sSubPr>
@@ -8048,7 +9022,7 @@
                                     <m:sSubPr>
                                       <m:ctrlPr>
                                         <a:rPr lang="en-US" altLang="ko-KR" sz="3200" i="1">
-                                          <a:latin typeface="Cambria Math"/>
+                                          <a:latin typeface="Cambria Math" panose="02040503050406030204" pitchFamily="18" charset="0"/>
                                         </a:rPr>
                                       </m:ctrlPr>
                                     </m:sSubPr>
@@ -8121,7 +9095,7 @@
                         <m:sSubPr>
                           <m:ctrlPr>
                             <a:rPr lang="en-US" altLang="ko-KR" sz="2800" i="1">
-                              <a:latin typeface="Cambria Math"/>
+                              <a:latin typeface="Cambria Math" panose="02040503050406030204" pitchFamily="18" charset="0"/>
                             </a:rPr>
                           </m:ctrlPr>
                         </m:sSubPr>
@@ -8146,7 +9120,7 @@
                         <m:dPr>
                           <m:ctrlPr>
                             <a:rPr lang="en-US" altLang="ko-KR" sz="2800" i="1">
-                              <a:latin typeface="Cambria Math"/>
+                              <a:latin typeface="Cambria Math" panose="02040503050406030204" pitchFamily="18" charset="0"/>
                             </a:rPr>
                           </m:ctrlPr>
                         </m:dPr>
@@ -8155,7 +9129,7 @@
                             <m:sSupPr>
                               <m:ctrlPr>
                                 <a:rPr lang="en-US" altLang="ko-KR" sz="2800" i="1">
-                                  <a:latin typeface="Cambria Math"/>
+                                  <a:latin typeface="Cambria Math" panose="02040503050406030204" pitchFamily="18" charset="0"/>
                                 </a:rPr>
                               </m:ctrlPr>
                             </m:sSupPr>
@@ -8188,7 +9162,7 @@
                         <m:fPr>
                           <m:ctrlPr>
                             <a:rPr lang="en-US" altLang="ko-KR" sz="2800" i="1">
-                              <a:latin typeface="Cambria Math"/>
+                              <a:latin typeface="Cambria Math" panose="02040503050406030204" pitchFamily="18" charset="0"/>
                             </a:rPr>
                           </m:ctrlPr>
                         </m:fPr>
@@ -8197,7 +9171,7 @@
                             <m:sSubPr>
                               <m:ctrlPr>
                                 <a:rPr lang="en-US" altLang="ko-KR" sz="2800" i="1">
-                                  <a:latin typeface="Cambria Math"/>
+                                  <a:latin typeface="Cambria Math" panose="02040503050406030204" pitchFamily="18" charset="0"/>
                                 </a:rPr>
                               </m:ctrlPr>
                             </m:sSubPr>
@@ -8228,7 +9202,7 @@
                             <m:dPr>
                               <m:ctrlPr>
                                 <a:rPr lang="en-US" altLang="ko-KR" sz="2800" i="1">
-                                  <a:latin typeface="Cambria Math"/>
+                                  <a:latin typeface="Cambria Math" panose="02040503050406030204" pitchFamily="18" charset="0"/>
                                 </a:rPr>
                               </m:ctrlPr>
                             </m:dPr>
@@ -8269,7 +9243,7 @@
                             <m:sSubPr>
                               <m:ctrlPr>
                                 <a:rPr lang="en-US" altLang="ko-KR" sz="2800" i="1">
-                                  <a:latin typeface="Cambria Math"/>
+                                  <a:latin typeface="Cambria Math" panose="02040503050406030204" pitchFamily="18" charset="0"/>
                                 </a:rPr>
                               </m:ctrlPr>
                             </m:sSubPr>
@@ -8306,19 +9280,13 @@
                             <a:rPr lang="en-US" altLang="ko-KR" sz="2800" i="1">
                               <a:latin typeface="Cambria Math"/>
                             </a:rPr>
-                            <m:t>′</m:t>
-                          </m:r>
-                          <m:r>
-                            <a:rPr lang="en-US" altLang="ko-KR" sz="2800" i="1">
-                              <a:latin typeface="Cambria Math"/>
-                            </a:rPr>
-                            <m:t>,</m:t>
+                            <m:t>′,</m:t>
                           </m:r>
                           <m:sSub>
                             <m:sSubPr>
                               <m:ctrlPr>
                                 <a:rPr lang="en-US" altLang="ko-KR" sz="2800" i="1">
-                                  <a:latin typeface="Cambria Math"/>
+                                  <a:latin typeface="Cambria Math" panose="02040503050406030204" pitchFamily="18" charset="0"/>
                                 </a:rPr>
                               </m:ctrlPr>
                             </m:sSubPr>
@@ -8354,7 +9322,7 @@
                               <m:supHide m:val="on"/>
                               <m:ctrlPr>
                                 <a:rPr lang="en-US" altLang="ko-KR" sz="2800" i="1">
-                                  <a:latin typeface="Cambria Math"/>
+                                  <a:latin typeface="Cambria Math" panose="02040503050406030204" pitchFamily="18" charset="0"/>
                                 </a:rPr>
                               </m:ctrlPr>
                             </m:naryPr>
@@ -8399,7 +9367,7 @@
                                 <m:sSubPr>
                                   <m:ctrlPr>
                                     <a:rPr lang="en-US" altLang="ko-KR" sz="2800" i="1">
-                                      <a:latin typeface="Cambria Math"/>
+                                      <a:latin typeface="Cambria Math" panose="02040503050406030204" pitchFamily="18" charset="0"/>
                                     </a:rPr>
                                   </m:ctrlPr>
                                 </m:sSubPr>
@@ -8430,7 +9398,7 @@
                                 <m:sSupPr>
                                   <m:ctrlPr>
                                     <a:rPr lang="en-US" altLang="ko-KR" sz="2800" i="1">
-                                      <a:latin typeface="Cambria Math"/>
+                                      <a:latin typeface="Cambria Math" panose="02040503050406030204" pitchFamily="18" charset="0"/>
                                     </a:rPr>
                                   </m:ctrlPr>
                                 </m:sSupPr>
@@ -8461,7 +9429,7 @@
                                 <m:sSubPr>
                                   <m:ctrlPr>
                                     <a:rPr lang="en-US" altLang="ko-KR" sz="2800" i="1">
-                                      <a:latin typeface="Cambria Math"/>
+                                      <a:latin typeface="Cambria Math" panose="02040503050406030204" pitchFamily="18" charset="0"/>
                                     </a:rPr>
                                   </m:ctrlPr>
                                 </m:sSubPr>
@@ -8492,7 +9460,7 @@
                                 <m:sSubPr>
                                   <m:ctrlPr>
                                     <a:rPr lang="en-US" altLang="ko-KR" sz="2800" i="1">
-                                      <a:latin typeface="Cambria Math"/>
+                                      <a:latin typeface="Cambria Math" panose="02040503050406030204" pitchFamily="18" charset="0"/>
                                     </a:rPr>
                                   </m:ctrlPr>
                                 </m:sSubPr>
@@ -8535,13 +9503,7 @@
                                 <a:rPr lang="en-US" altLang="ko-KR" sz="2800" i="1">
                                   <a:latin typeface="Cambria Math"/>
                                 </a:rPr>
-                                <m:t>′</m:t>
-                              </m:r>
-                              <m:r>
-                                <a:rPr lang="en-US" altLang="ko-KR" sz="2800" i="1">
-                                  <a:latin typeface="Cambria Math"/>
-                                </a:rPr>
-                                <m:t>)</m:t>
+                                <m:t>′)</m:t>
                               </m:r>
                             </m:e>
                           </m:nary>
@@ -8582,7 +9544,7 @@
                         <m:dPr>
                           <m:ctrlPr>
                             <a:rPr lang="en-US" altLang="ko-KR" sz="2800" i="1">
-                              <a:latin typeface="Cambria Math"/>
+                              <a:latin typeface="Cambria Math" panose="02040503050406030204" pitchFamily="18" charset="0"/>
                             </a:rPr>
                           </m:ctrlPr>
                         </m:dPr>
@@ -8629,7 +9591,7 @@
                         <m:sSubPr>
                           <m:ctrlPr>
                             <a:rPr lang="en-US" altLang="ko-KR" sz="2800" i="1">
-                              <a:latin typeface="Cambria Math"/>
+                              <a:latin typeface="Cambria Math" panose="02040503050406030204" pitchFamily="18" charset="0"/>
                             </a:rPr>
                           </m:ctrlPr>
                         </m:sSubPr>
@@ -8666,7 +9628,7 @@
                         <m:funcPr>
                           <m:ctrlPr>
                             <a:rPr lang="en-US" altLang="ko-KR" sz="2800" i="1">
-                              <a:latin typeface="Cambria Math"/>
+                              <a:latin typeface="Cambria Math" panose="02040503050406030204" pitchFamily="18" charset="0"/>
                             </a:rPr>
                           </m:ctrlPr>
                         </m:funcPr>
@@ -8675,7 +9637,7 @@
                             <m:limLowPr>
                               <m:ctrlPr>
                                 <a:rPr lang="en-US" altLang="ko-KR" sz="2800" i="1">
-                                  <a:latin typeface="Cambria Math"/>
+                                  <a:latin typeface="Cambria Math" panose="02040503050406030204" pitchFamily="18" charset="0"/>
                                 </a:rPr>
                               </m:ctrlPr>
                             </m:limLowPr>
@@ -8723,7 +9685,7 @@
                             <m:sSubPr>
                               <m:ctrlPr>
                                 <a:rPr lang="en-US" altLang="ko-KR" sz="2800" i="1">
-                                  <a:latin typeface="Cambria Math"/>
+                                  <a:latin typeface="Cambria Math" panose="02040503050406030204" pitchFamily="18" charset="0"/>
                                 </a:rPr>
                               </m:ctrlPr>
                             </m:sSubPr>
@@ -8760,7 +9722,7 @@
                             <m:sSupPr>
                               <m:ctrlPr>
                                 <a:rPr lang="en-US" altLang="ko-KR" sz="2800" i="1">
-                                  <a:latin typeface="Cambria Math"/>
+                                  <a:latin typeface="Cambria Math" panose="02040503050406030204" pitchFamily="18" charset="0"/>
                                 </a:rPr>
                               </m:ctrlPr>
                             </m:sSupPr>
@@ -8791,7 +9753,7 @@
                             <m:sSubPr>
                               <m:ctrlPr>
                                 <a:rPr lang="en-US" altLang="ko-KR" sz="2800" i="1">
-                                  <a:latin typeface="Cambria Math"/>
+                                  <a:latin typeface="Cambria Math" panose="02040503050406030204" pitchFamily="18" charset="0"/>
                                 </a:rPr>
                               </m:ctrlPr>
                             </m:sSubPr>
@@ -8834,7 +9796,7 @@
                             <m:sSubPr>
                               <m:ctrlPr>
                                 <a:rPr lang="en-US" altLang="ko-KR" sz="2800" i="1">
-                                  <a:latin typeface="Cambria Math"/>
+                                  <a:latin typeface="Cambria Math" panose="02040503050406030204" pitchFamily="18" charset="0"/>
                                 </a:rPr>
                               </m:ctrlPr>
                             </m:sSubPr>
@@ -8889,7 +9851,7 @@
             </p:txBody>
           </p:sp>
         </mc:Choice>
-        <mc:Fallback>
+        <mc:Fallback xmlns="">
           <p:sp>
             <p:nvSpPr>
               <p:cNvPr id="3" name="내용 개체 틀 2"/>
@@ -8973,17 +9935,10 @@
   <p:clrMapOvr>
     <a:masterClrMapping/>
   </p:clrMapOvr>
-  <p:timing>
-    <p:tnLst>
-      <p:par>
-        <p:cTn id="1" dur="indefinite" restart="never" nodeType="tmRoot"/>
-      </p:par>
-    </p:tnLst>
-  </p:timing>
 </p:sld>
 </file>
 
-<file path=ppt/slides/slide17.xml><?xml version="1.0" encoding="utf-8"?>
+<file path=ppt/slides/slide18.xml><?xml version="1.0" encoding="utf-8"?>
 <p:sld xmlns:a="http://schemas.openxmlformats.org/drawingml/2006/main" xmlns:r="http://schemas.openxmlformats.org/officeDocument/2006/relationships" xmlns:p="http://schemas.openxmlformats.org/presentationml/2006/main">
   <p:cSld>
     <p:spTree>
@@ -9016,15 +9971,15 @@
           <a:lstStyle/>
           <a:p>
             <a:r>
-              <a:rPr lang="en-US" altLang="ko-KR" dirty="0" smtClean="0"/>
+              <a:rPr lang="en-US" altLang="ko-KR" dirty="0"/>
               <a:t>Model</a:t>
             </a:r>
             <a:endParaRPr lang="ko-KR" altLang="en-US" dirty="0"/>
           </a:p>
         </p:txBody>
       </p:sp>
-      <mc:AlternateContent xmlns:mc="http://schemas.openxmlformats.org/markup-compatibility/2006">
-        <mc:Choice xmlns:a14="http://schemas.microsoft.com/office/drawing/2010/main" Requires="a14">
+      <mc:AlternateContent xmlns:mc="http://schemas.openxmlformats.org/markup-compatibility/2006" xmlns:a14="http://schemas.microsoft.com/office/drawing/2010/main">
+        <mc:Choice Requires="a14">
           <p:sp>
             <p:nvSpPr>
               <p:cNvPr id="3" name="내용 개체 틀 2"/>
@@ -9061,7 +10016,7 @@
                         <m:dPr>
                           <m:ctrlPr>
                             <a:rPr lang="en-US" altLang="ko-KR" sz="2800" i="1">
-                              <a:latin typeface="Cambria Math"/>
+                              <a:latin typeface="Cambria Math" panose="02040503050406030204" pitchFamily="18" charset="0"/>
                             </a:rPr>
                           </m:ctrlPr>
                         </m:dPr>
@@ -9104,7 +10059,7 @@
                           <m:endChr m:val="}"/>
                           <m:ctrlPr>
                             <a:rPr lang="en-US" altLang="ko-KR" sz="2800" i="1">
-                              <a:latin typeface="Cambria Math"/>
+                              <a:latin typeface="Cambria Math" panose="02040503050406030204" pitchFamily="18" charset="0"/>
                             </a:rPr>
                           </m:ctrlPr>
                         </m:dPr>
@@ -9113,7 +10068,7 @@
                             <m:sSubPr>
                               <m:ctrlPr>
                                 <a:rPr lang="en-US" altLang="ko-KR" sz="2800" i="1">
-                                  <a:latin typeface="Cambria Math"/>
+                                  <a:latin typeface="Cambria Math" panose="02040503050406030204" pitchFamily="18" charset="0"/>
                                 </a:rPr>
                               </m:ctrlPr>
                             </m:sSubPr>
@@ -9156,7 +10111,7 @@
                             <m:dPr>
                               <m:ctrlPr>
                                 <a:rPr lang="en-US" altLang="ko-KR" sz="2800" i="1">
-                                  <a:latin typeface="Cambria Math"/>
+                                  <a:latin typeface="Cambria Math" panose="02040503050406030204" pitchFamily="18" charset="0"/>
                                 </a:rPr>
                               </m:ctrlPr>
                             </m:dPr>
@@ -9177,7 +10132,7 @@
                                 <m:sSubPr>
                                   <m:ctrlPr>
                                     <a:rPr lang="en-US" altLang="ko-KR" sz="2800" i="1">
-                                      <a:latin typeface="Cambria Math"/>
+                                      <a:latin typeface="Cambria Math" panose="02040503050406030204" pitchFamily="18" charset="0"/>
                                     </a:rPr>
                                   </m:ctrlPr>
                                 </m:sSubPr>
@@ -9214,7 +10169,7 @@
                                 <m:sSupPr>
                                   <m:ctrlPr>
                                     <a:rPr lang="en-US" altLang="ko-KR" sz="2800" i="1">
-                                      <a:latin typeface="Cambria Math"/>
+                                      <a:latin typeface="Cambria Math" panose="02040503050406030204" pitchFamily="18" charset="0"/>
                                     </a:rPr>
                                   </m:ctrlPr>
                                 </m:sSupPr>
@@ -9253,7 +10208,7 @@
                             <m:dPr>
                               <m:ctrlPr>
                                 <a:rPr lang="en-US" altLang="ko-KR" sz="2800" i="1">
-                                  <a:latin typeface="Cambria Math"/>
+                                  <a:latin typeface="Cambria Math" panose="02040503050406030204" pitchFamily="18" charset="0"/>
                                 </a:rPr>
                               </m:ctrlPr>
                             </m:dPr>
@@ -9274,7 +10229,7 @@
                                 <m:sSubPr>
                                   <m:ctrlPr>
                                     <a:rPr lang="en-US" altLang="ko-KR" sz="2800" i="1">
-                                      <a:latin typeface="Cambria Math"/>
+                                      <a:latin typeface="Cambria Math" panose="02040503050406030204" pitchFamily="18" charset="0"/>
                                     </a:rPr>
                                   </m:ctrlPr>
                                 </m:sSubPr>
@@ -9305,7 +10260,7 @@
                                 <m:sSupPr>
                                   <m:ctrlPr>
                                     <a:rPr lang="en-US" altLang="ko-KR" sz="2800" i="1">
-                                      <a:latin typeface="Cambria Math"/>
+                                      <a:latin typeface="Cambria Math" panose="02040503050406030204" pitchFamily="18" charset="0"/>
                                     </a:rPr>
                                   </m:ctrlPr>
                                 </m:sSupPr>
@@ -9353,7 +10308,7 @@
                       <m:sSubPr>
                         <m:ctrlPr>
                           <a:rPr lang="en-US" altLang="ko-KR" sz="3200" i="1">
-                            <a:latin typeface="Cambria Math"/>
+                            <a:latin typeface="Cambria Math" panose="02040503050406030204" pitchFamily="18" charset="0"/>
                           </a:rPr>
                         </m:ctrlPr>
                       </m:sSubPr>
@@ -9425,7 +10380,7 @@
                         <m:dPr>
                           <m:ctrlPr>
                             <a:rPr lang="en-US" altLang="ko-KR" sz="2800" i="1">
-                              <a:latin typeface="Cambria Math"/>
+                              <a:latin typeface="Cambria Math" panose="02040503050406030204" pitchFamily="18" charset="0"/>
                             </a:rPr>
                           </m:ctrlPr>
                         </m:dPr>
@@ -9461,7 +10416,7 @@
                         <m:sSubPr>
                           <m:ctrlPr>
                             <a:rPr lang="en-US" altLang="ko-KR" sz="2800" i="1">
-                              <a:latin typeface="Cambria Math"/>
+                              <a:latin typeface="Cambria Math" panose="02040503050406030204" pitchFamily="18" charset="0"/>
                               <a:ea typeface="Cambria Math"/>
                             </a:rPr>
                           </m:ctrlPr>
@@ -9503,7 +10458,7 @@
                         <m:sSubPr>
                           <m:ctrlPr>
                             <a:rPr lang="en-US" altLang="ko-KR" sz="2800" i="1">
-                              <a:latin typeface="Cambria Math"/>
+                              <a:latin typeface="Cambria Math" panose="02040503050406030204" pitchFamily="18" charset="0"/>
                               <a:ea typeface="Cambria Math"/>
                             </a:rPr>
                           </m:ctrlPr>
@@ -9552,7 +10507,7 @@
                         <m:sSubPr>
                           <m:ctrlPr>
                             <a:rPr lang="en-US" altLang="ko-KR" sz="2800" i="1">
-                              <a:latin typeface="Cambria Math"/>
+                              <a:latin typeface="Cambria Math" panose="02040503050406030204" pitchFamily="18" charset="0"/>
                               <a:ea typeface="Cambria Math"/>
                             </a:rPr>
                           </m:ctrlPr>
@@ -9655,7 +10610,7 @@
                         <m:dPr>
                           <m:ctrlPr>
                             <a:rPr lang="en-US" altLang="ko-KR" sz="2800" i="1">
-                              <a:latin typeface="Cambria Math"/>
+                              <a:latin typeface="Cambria Math" panose="02040503050406030204" pitchFamily="18" charset="0"/>
                             </a:rPr>
                           </m:ctrlPr>
                         </m:dPr>
@@ -9692,7 +10647,7 @@
                           <m:supHide m:val="on"/>
                           <m:ctrlPr>
                             <a:rPr lang="en-US" altLang="ko-KR" sz="2800" i="1">
-                              <a:latin typeface="Cambria Math"/>
+                              <a:latin typeface="Cambria Math" panose="02040503050406030204" pitchFamily="18" charset="0"/>
                             </a:rPr>
                           </m:ctrlPr>
                         </m:naryPr>
@@ -9731,7 +10686,7 @@
                             <m:dPr>
                               <m:ctrlPr>
                                 <a:rPr lang="en-US" altLang="ko-KR" sz="2800" i="1">
-                                  <a:latin typeface="Cambria Math"/>
+                                  <a:latin typeface="Cambria Math" panose="02040503050406030204" pitchFamily="18" charset="0"/>
                                 </a:rPr>
                               </m:ctrlPr>
                             </m:dPr>
@@ -9818,7 +10773,7 @@
                         <m:sSubPr>
                           <m:ctrlPr>
                             <a:rPr lang="en-US" altLang="ko-KR" sz="3200" i="1">
-                              <a:latin typeface="Cambria Math"/>
+                              <a:latin typeface="Cambria Math" panose="02040503050406030204" pitchFamily="18" charset="0"/>
                             </a:rPr>
                           </m:ctrlPr>
                         </m:sSubPr>
@@ -9879,7 +10834,7 @@
                         <m:fPr>
                           <m:ctrlPr>
                             <a:rPr lang="en-US" altLang="ko-KR" sz="3200" i="1">
-                              <a:latin typeface="Cambria Math"/>
+                              <a:latin typeface="Cambria Math" panose="02040503050406030204" pitchFamily="18" charset="0"/>
                             </a:rPr>
                           </m:ctrlPr>
                         </m:fPr>
@@ -9888,7 +10843,7 @@
                             <m:sSupPr>
                               <m:ctrlPr>
                                 <a:rPr lang="en-US" altLang="ko-KR" sz="3200" i="1">
-                                  <a:latin typeface="Cambria Math"/>
+                                  <a:latin typeface="Cambria Math" panose="02040503050406030204" pitchFamily="18" charset="0"/>
                                 </a:rPr>
                               </m:ctrlPr>
                             </m:sSupPr>
@@ -9983,7 +10938,7 @@
                               <m:limLoc m:val="subSup"/>
                               <m:ctrlPr>
                                 <a:rPr lang="en-US" altLang="ko-KR" sz="3200" i="1">
-                                  <a:latin typeface="Cambria Math"/>
+                                  <a:latin typeface="Cambria Math" panose="02040503050406030204" pitchFamily="18" charset="0"/>
                                 </a:rPr>
                               </m:ctrlPr>
                             </m:naryPr>
@@ -10023,7 +10978,7 @@
                                 <m:sSupPr>
                                   <m:ctrlPr>
                                     <a:rPr lang="en-US" altLang="ko-KR" sz="3200" i="1">
-                                      <a:latin typeface="Cambria Math"/>
+                                      <a:latin typeface="Cambria Math" panose="02040503050406030204" pitchFamily="18" charset="0"/>
                                     </a:rPr>
                                   </m:ctrlPr>
                                 </m:sSupPr>
@@ -10122,7 +11077,7 @@
             </p:txBody>
           </p:sp>
         </mc:Choice>
-        <mc:Fallback>
+        <mc:Fallback xmlns="">
           <p:sp>
             <p:nvSpPr>
               <p:cNvPr id="3" name="내용 개체 틀 2"/>
@@ -10166,17 +11121,10 @@
   <p:clrMapOvr>
     <a:masterClrMapping/>
   </p:clrMapOvr>
-  <p:timing>
-    <p:tnLst>
-      <p:par>
-        <p:cTn id="1" dur="indefinite" restart="never" nodeType="tmRoot"/>
-      </p:par>
-    </p:tnLst>
-  </p:timing>
 </p:sld>
 </file>
 
-<file path=ppt/slides/slide18.xml><?xml version="1.0" encoding="utf-8"?>
+<file path=ppt/slides/slide19.xml><?xml version="1.0" encoding="utf-8"?>
 <p:sld xmlns:a="http://schemas.openxmlformats.org/drawingml/2006/main" xmlns:r="http://schemas.openxmlformats.org/officeDocument/2006/relationships" xmlns:p="http://schemas.openxmlformats.org/presentationml/2006/main">
   <p:cSld>
     <p:spTree>
@@ -10209,7 +11157,7 @@
           <a:lstStyle/>
           <a:p>
             <a:r>
-              <a:rPr lang="en-US" altLang="ko-KR" dirty="0" smtClean="0"/>
+              <a:rPr lang="en-US" altLang="ko-KR" dirty="0"/>
               <a:t>Model</a:t>
             </a:r>
             <a:endParaRPr lang="ko-KR" altLang="en-US" dirty="0"/>
@@ -10282,92 +11230,6 @@
   <p:clrMapOvr>
     <a:masterClrMapping/>
   </p:clrMapOvr>
-  <p:timing>
-    <p:tnLst>
-      <p:par>
-        <p:cTn id="1" dur="indefinite" restart="never" nodeType="tmRoot"/>
-      </p:par>
-    </p:tnLst>
-  </p:timing>
-</p:sld>
-</file>
-
-<file path=ppt/slides/slide19.xml><?xml version="1.0" encoding="utf-8"?>
-<p:sld xmlns:a="http://schemas.openxmlformats.org/drawingml/2006/main" xmlns:r="http://schemas.openxmlformats.org/officeDocument/2006/relationships" xmlns:p="http://schemas.openxmlformats.org/presentationml/2006/main">
-  <p:cSld>
-    <p:spTree>
-      <p:nvGrpSpPr>
-        <p:cNvPr id="1" name=""/>
-        <p:cNvGrpSpPr/>
-        <p:nvPr/>
-      </p:nvGrpSpPr>
-      <p:grpSpPr>
-        <a:xfrm>
-          <a:off x="0" y="0"/>
-          <a:ext cx="0" cy="0"/>
-          <a:chOff x="0" y="0"/>
-          <a:chExt cx="0" cy="0"/>
-        </a:xfrm>
-      </p:grpSpPr>
-      <p:sp>
-        <p:nvSpPr>
-          <p:cNvPr id="2" name="제목 1"/>
-          <p:cNvSpPr>
-            <a:spLocks noGrp="1"/>
-          </p:cNvSpPr>
-          <p:nvPr>
-            <p:ph type="title"/>
-          </p:nvPr>
-        </p:nvSpPr>
-        <p:spPr/>
-        <p:txBody>
-          <a:bodyPr anchor="t"/>
-          <a:lstStyle/>
-          <a:p>
-            <a:r>
-              <a:rPr lang="en-US" altLang="ko-KR" dirty="0" smtClean="0"/>
-              <a:t>Model Analysis</a:t>
-            </a:r>
-            <a:endParaRPr lang="ko-KR" altLang="en-US" dirty="0"/>
-          </a:p>
-        </p:txBody>
-      </p:sp>
-      <p:sp>
-        <p:nvSpPr>
-          <p:cNvPr id="3" name="내용 개체 틀 2"/>
-          <p:cNvSpPr>
-            <a:spLocks noGrp="1"/>
-          </p:cNvSpPr>
-          <p:nvPr>
-            <p:ph idx="1"/>
-          </p:nvPr>
-        </p:nvSpPr>
-        <p:spPr/>
-        <p:txBody>
-          <a:bodyPr/>
-          <a:lstStyle/>
-          <a:p>
-            <a:endParaRPr lang="ko-KR" altLang="en-US"/>
-          </a:p>
-        </p:txBody>
-      </p:sp>
-    </p:spTree>
-    <p:extLst>
-      <p:ext uri="{BB962C8B-B14F-4D97-AF65-F5344CB8AC3E}">
-        <p14:creationId xmlns:p14="http://schemas.microsoft.com/office/powerpoint/2010/main" val="4062043531"/>
-      </p:ext>
-    </p:extLst>
-  </p:cSld>
-  <p:clrMapOvr>
-    <a:masterClrMapping/>
-  </p:clrMapOvr>
-  <p:timing>
-    <p:tnLst>
-      <p:par>
-        <p:cTn id="1" dur="indefinite" restart="never" nodeType="tmRoot"/>
-      </p:par>
-    </p:tnLst>
-  </p:timing>
 </p:sld>
 </file>
 
@@ -10404,7 +11266,7 @@
           <a:lstStyle/>
           <a:p>
             <a:r>
-              <a:rPr lang="en-US" altLang="ko-KR" dirty="0" smtClean="0"/>
+              <a:rPr lang="en-US" altLang="ko-KR" dirty="0"/>
               <a:t>Introduction</a:t>
             </a:r>
             <a:endParaRPr lang="ko-KR" altLang="en-US" dirty="0"/>
@@ -10628,13 +11490,6 @@
   <p:clrMapOvr>
     <a:masterClrMapping/>
   </p:clrMapOvr>
-  <p:timing>
-    <p:tnLst>
-      <p:par>
-        <p:cTn id="1" dur="indefinite" restart="never" nodeType="tmRoot"/>
-      </p:par>
-    </p:tnLst>
-  </p:timing>
 </p:sld>
 </file>
 
@@ -10672,6 +11527,78 @@
           <a:p>
             <a:r>
               <a:rPr lang="en-US" altLang="ko-KR" dirty="0"/>
+              <a:t>Model Analysis</a:t>
+            </a:r>
+            <a:endParaRPr lang="ko-KR" altLang="en-US" dirty="0"/>
+          </a:p>
+        </p:txBody>
+      </p:sp>
+      <p:sp>
+        <p:nvSpPr>
+          <p:cNvPr id="3" name="내용 개체 틀 2"/>
+          <p:cNvSpPr>
+            <a:spLocks noGrp="1"/>
+          </p:cNvSpPr>
+          <p:nvPr>
+            <p:ph idx="1"/>
+          </p:nvPr>
+        </p:nvSpPr>
+        <p:spPr/>
+        <p:txBody>
+          <a:bodyPr/>
+          <a:lstStyle/>
+          <a:p>
+            <a:endParaRPr lang="ko-KR" altLang="en-US"/>
+          </a:p>
+        </p:txBody>
+      </p:sp>
+    </p:spTree>
+    <p:extLst>
+      <p:ext uri="{BB962C8B-B14F-4D97-AF65-F5344CB8AC3E}">
+        <p14:creationId xmlns:p14="http://schemas.microsoft.com/office/powerpoint/2010/main" val="4062043531"/>
+      </p:ext>
+    </p:extLst>
+  </p:cSld>
+  <p:clrMapOvr>
+    <a:masterClrMapping/>
+  </p:clrMapOvr>
+</p:sld>
+</file>
+
+<file path=ppt/slides/slide21.xml><?xml version="1.0" encoding="utf-8"?>
+<p:sld xmlns:a="http://schemas.openxmlformats.org/drawingml/2006/main" xmlns:r="http://schemas.openxmlformats.org/officeDocument/2006/relationships" xmlns:p="http://schemas.openxmlformats.org/presentationml/2006/main">
+  <p:cSld>
+    <p:spTree>
+      <p:nvGrpSpPr>
+        <p:cNvPr id="1" name=""/>
+        <p:cNvGrpSpPr/>
+        <p:nvPr/>
+      </p:nvGrpSpPr>
+      <p:grpSpPr>
+        <a:xfrm>
+          <a:off x="0" y="0"/>
+          <a:ext cx="0" cy="0"/>
+          <a:chOff x="0" y="0"/>
+          <a:chExt cx="0" cy="0"/>
+        </a:xfrm>
+      </p:grpSpPr>
+      <p:sp>
+        <p:nvSpPr>
+          <p:cNvPr id="2" name="제목 1"/>
+          <p:cNvSpPr>
+            <a:spLocks noGrp="1"/>
+          </p:cNvSpPr>
+          <p:nvPr>
+            <p:ph type="title"/>
+          </p:nvPr>
+        </p:nvSpPr>
+        <p:spPr/>
+        <p:txBody>
+          <a:bodyPr anchor="t"/>
+          <a:lstStyle/>
+          <a:p>
+            <a:r>
+              <a:rPr lang="en-US" altLang="ko-KR" dirty="0"/>
               <a:t>Open questions</a:t>
             </a:r>
             <a:endParaRPr lang="ko-KR" altLang="en-US" dirty="0"/>
@@ -10705,14 +11632,10 @@
             </a:r>
             <a:r>
               <a:rPr lang="ko-KR" altLang="en-US" sz="2000" dirty="0"/>
-              <a:t>감각 불확실성 및 움직임 불확실성 앞에서 보상을 최적화하는 순차적 의사결정 </a:t>
-            </a:r>
-            <a:r>
-              <a:rPr lang="ko-KR" altLang="en-US" sz="2000" dirty="0" smtClean="0"/>
-              <a:t>과제인가</a:t>
-            </a:r>
-            <a:r>
-              <a:rPr lang="en-US" altLang="ko-KR" sz="2000" dirty="0" smtClean="0"/>
+              <a:t>감각 불확실성 및 움직임 불확실성 앞에서 보상을 최적화하는 순차적 의사결정 과제인가</a:t>
+            </a:r>
+            <a:r>
+              <a:rPr lang="en-US" altLang="ko-KR" sz="2000" dirty="0"/>
               <a:t>.</a:t>
             </a:r>
           </a:p>
@@ -10721,23 +11644,19 @@
           </a:p>
           <a:p>
             <a:r>
-              <a:rPr lang="ko-KR" altLang="en-US" sz="2000" dirty="0" smtClean="0"/>
+              <a:rPr lang="ko-KR" altLang="en-US" sz="2000" dirty="0"/>
               <a:t>진동수 차이에 따른 </a:t>
             </a:r>
             <a:r>
-              <a:rPr lang="en-US" altLang="ko-KR" sz="2000" dirty="0" smtClean="0"/>
+              <a:rPr lang="en-US" altLang="ko-KR" sz="2000" dirty="0"/>
               <a:t>Reward expectation </a:t>
             </a:r>
             <a:r>
               <a:rPr lang="ko-KR" altLang="en-US" sz="2000" dirty="0"/>
-              <a:t>의</a:t>
-            </a:r>
-            <a:r>
-              <a:rPr lang="ko-KR" altLang="en-US" sz="2000" dirty="0" smtClean="0"/>
-              <a:t> 유의미한 차이가 관찰되는가</a:t>
-            </a:r>
-            <a:r>
-              <a:rPr lang="en-US" altLang="ko-KR" sz="2000" dirty="0" smtClean="0"/>
+              <a:t>의 유의미한 차이가 관찰되는가</a:t>
+            </a:r>
+            <a:r>
+              <a:rPr lang="en-US" altLang="ko-KR" sz="2000" dirty="0"/>
               <a:t>.</a:t>
             </a:r>
           </a:p>
@@ -10746,19 +11665,19 @@
           </a:p>
           <a:p>
             <a:r>
-              <a:rPr lang="ko-KR" altLang="en-US" sz="2000" dirty="0" smtClean="0"/>
+              <a:rPr lang="ko-KR" altLang="en-US" sz="2000" dirty="0"/>
               <a:t>어떤 </a:t>
             </a:r>
             <a:r>
-              <a:rPr lang="en-US" altLang="ko-KR" sz="2000" dirty="0" smtClean="0"/>
+              <a:rPr lang="en-US" altLang="ko-KR" sz="2000" dirty="0"/>
               <a:t>Model </a:t>
             </a:r>
             <a:r>
-              <a:rPr lang="ko-KR" altLang="en-US" sz="2000" dirty="0" smtClean="0"/>
+              <a:rPr lang="ko-KR" altLang="en-US" sz="2000" dirty="0"/>
               <a:t>이 어떤 진동수 영역에서의 강화학습을 잘 설명해줄 수 있는가</a:t>
             </a:r>
             <a:r>
-              <a:rPr lang="en-US" altLang="ko-KR" sz="2000" dirty="0" smtClean="0"/>
+              <a:rPr lang="en-US" altLang="ko-KR" sz="2000" dirty="0"/>
               <a:t>.</a:t>
             </a:r>
           </a:p>
@@ -10780,13 +11699,6 @@
   <p:clrMapOvr>
     <a:masterClrMapping/>
   </p:clrMapOvr>
-  <p:timing>
-    <p:tnLst>
-      <p:par>
-        <p:cTn id="1" dur="indefinite" restart="never" nodeType="tmRoot"/>
-      </p:par>
-    </p:tnLst>
-  </p:timing>
 </p:sld>
 </file>
 
@@ -10823,7 +11735,7 @@
           <a:lstStyle/>
           <a:p>
             <a:r>
-              <a:rPr lang="en-US" altLang="ko-KR" dirty="0" smtClean="0"/>
+              <a:rPr lang="en-US" altLang="ko-KR" dirty="0"/>
               <a:t>Introduction</a:t>
             </a:r>
             <a:endParaRPr lang="ko-KR" altLang="en-US" dirty="0"/>
@@ -10846,76 +11758,76 @@
           <a:lstStyle/>
           <a:p>
             <a:r>
-              <a:rPr lang="en-US" altLang="ko-KR" dirty="0" smtClean="0"/>
+              <a:rPr lang="en-US" altLang="ko-KR" dirty="0"/>
               <a:t>Somatic sense(</a:t>
             </a:r>
             <a:r>
-              <a:rPr lang="ko-KR" altLang="en-US" dirty="0" err="1" smtClean="0"/>
+              <a:rPr lang="ko-KR" altLang="en-US" dirty="0" err="1"/>
               <a:t>체성</a:t>
             </a:r>
             <a:r>
-              <a:rPr lang="ko-KR" altLang="en-US" dirty="0" smtClean="0"/>
+              <a:rPr lang="ko-KR" altLang="en-US" dirty="0"/>
               <a:t> 감각</a:t>
             </a:r>
             <a:r>
-              <a:rPr lang="en-US" altLang="ko-KR" dirty="0" smtClean="0"/>
+              <a:rPr lang="en-US" altLang="ko-KR" dirty="0"/>
               <a:t>)</a:t>
             </a:r>
           </a:p>
           <a:p>
             <a:pPr lvl="1"/>
             <a:r>
-              <a:rPr lang="en-US" altLang="ko-KR" dirty="0" err="1" smtClean="0"/>
+              <a:rPr lang="en-US" altLang="ko-KR" dirty="0" err="1"/>
               <a:t>exteroception</a:t>
             </a:r>
             <a:r>
-              <a:rPr lang="en-US" altLang="ko-KR" dirty="0" smtClean="0"/>
+              <a:rPr lang="en-US" altLang="ko-KR" dirty="0"/>
               <a:t>(</a:t>
             </a:r>
             <a:r>
-              <a:rPr lang="ko-KR" altLang="en-US" dirty="0" err="1" smtClean="0"/>
+              <a:rPr lang="ko-KR" altLang="en-US" dirty="0" err="1"/>
               <a:t>외수용성</a:t>
             </a:r>
             <a:r>
-              <a:rPr lang="ko-KR" altLang="en-US" dirty="0" smtClean="0"/>
+              <a:rPr lang="ko-KR" altLang="en-US" dirty="0"/>
               <a:t> 감각</a:t>
             </a:r>
             <a:r>
-              <a:rPr lang="en-US" altLang="ko-KR" dirty="0" smtClean="0"/>
+              <a:rPr lang="en-US" altLang="ko-KR" dirty="0"/>
               <a:t>)</a:t>
             </a:r>
           </a:p>
           <a:p>
             <a:pPr lvl="1"/>
             <a:r>
-              <a:rPr lang="en-US" altLang="ko-KR" dirty="0" smtClean="0"/>
+              <a:rPr lang="en-US" altLang="ko-KR" dirty="0"/>
               <a:t>proprioception(</a:t>
             </a:r>
             <a:r>
-              <a:rPr lang="ko-KR" altLang="en-US" dirty="0" smtClean="0"/>
+              <a:rPr lang="ko-KR" altLang="en-US" dirty="0"/>
               <a:t>고유 감각</a:t>
             </a:r>
             <a:r>
-              <a:rPr lang="en-US" altLang="ko-KR" dirty="0" smtClean="0"/>
+              <a:rPr lang="en-US" altLang="ko-KR" dirty="0"/>
               <a:t>)</a:t>
             </a:r>
           </a:p>
           <a:p>
             <a:pPr lvl="1"/>
             <a:r>
-              <a:rPr lang="en-US" altLang="ko-KR" dirty="0" err="1" smtClean="0"/>
+              <a:rPr lang="en-US" altLang="ko-KR" dirty="0" err="1"/>
               <a:t>enteroception</a:t>
             </a:r>
             <a:r>
-              <a:rPr lang="en-US" altLang="ko-KR" dirty="0" smtClean="0"/>
+              <a:rPr lang="en-US" altLang="ko-KR" dirty="0"/>
               <a:t>(</a:t>
             </a:r>
             <a:r>
-              <a:rPr lang="ko-KR" altLang="en-US" dirty="0" smtClean="0"/>
+              <a:rPr lang="ko-KR" altLang="en-US" dirty="0"/>
               <a:t>내장 감각</a:t>
             </a:r>
             <a:r>
-              <a:rPr lang="en-US" altLang="ko-KR" dirty="0" smtClean="0"/>
+              <a:rPr lang="en-US" altLang="ko-KR" dirty="0"/>
               <a:t>)</a:t>
             </a:r>
           </a:p>
@@ -11019,13 +11931,6 @@
   <p:clrMapOvr>
     <a:masterClrMapping/>
   </p:clrMapOvr>
-  <p:timing>
-    <p:tnLst>
-      <p:par>
-        <p:cTn id="1" dur="indefinite" restart="never" nodeType="tmRoot"/>
-      </p:par>
-    </p:tnLst>
-  </p:timing>
 </p:sld>
 </file>
 
@@ -11108,13 +12013,6 @@
   <p:clrMapOvr>
     <a:masterClrMapping/>
   </p:clrMapOvr>
-  <p:timing>
-    <p:tnLst>
-      <p:par>
-        <p:cTn id="1" dur="indefinite" restart="never" nodeType="tmRoot"/>
-      </p:par>
-    </p:tnLst>
-  </p:timing>
 </p:sld>
 </file>
 
@@ -11151,7 +12049,7 @@
           <a:lstStyle/>
           <a:p>
             <a:r>
-              <a:rPr lang="en-US" altLang="ko-KR" dirty="0" smtClean="0"/>
+              <a:rPr lang="en-US" altLang="ko-KR" dirty="0"/>
               <a:t>Introduction</a:t>
             </a:r>
             <a:endParaRPr lang="ko-KR" altLang="en-US" dirty="0"/>
@@ -11211,13 +12109,6 @@
   <p:clrMapOvr>
     <a:masterClrMapping/>
   </p:clrMapOvr>
-  <p:timing>
-    <p:tnLst>
-      <p:par>
-        <p:cTn id="1" dur="indefinite" restart="never" nodeType="tmRoot"/>
-      </p:par>
-    </p:tnLst>
-  </p:timing>
 </p:sld>
 </file>
 
@@ -11254,7 +12145,7 @@
           <a:lstStyle/>
           <a:p>
             <a:r>
-              <a:rPr lang="en-US" altLang="ko-KR" dirty="0" smtClean="0"/>
+              <a:rPr lang="en-US" altLang="ko-KR" dirty="0"/>
               <a:t>Experimental Design</a:t>
             </a:r>
             <a:endParaRPr lang="ko-KR" altLang="en-US" dirty="0"/>
@@ -11278,18 +12169,14 @@
           <a:p>
             <a:r>
               <a:rPr lang="en-US" altLang="ko-KR" dirty="0"/>
-              <a:t>m</a:t>
-            </a:r>
-            <a:r>
-              <a:rPr lang="en-US" altLang="ko-KR" dirty="0" smtClean="0"/>
-              <a:t>ini Piezo Tactile Stimulator (</a:t>
-            </a:r>
-            <a:r>
-              <a:rPr lang="en-US" altLang="ko-KR" dirty="0" err="1" smtClean="0"/>
+              <a:t>mini Piezo Tactile Stimulator (</a:t>
+            </a:r>
+            <a:r>
+              <a:rPr lang="en-US" altLang="ko-KR" dirty="0" err="1"/>
               <a:t>mPTS</a:t>
             </a:r>
             <a:r>
-              <a:rPr lang="en-US" altLang="ko-KR" dirty="0" smtClean="0"/>
+              <a:rPr lang="en-US" altLang="ko-KR" dirty="0"/>
               <a:t>)</a:t>
             </a:r>
           </a:p>
@@ -11297,20 +12184,20 @@
             <a:endParaRPr lang="en-US" altLang="ko-KR" dirty="0"/>
           </a:p>
           <a:p>
-            <a:endParaRPr lang="en-US" altLang="ko-KR" dirty="0" smtClean="0"/>
-          </a:p>
-          <a:p>
             <a:endParaRPr lang="en-US" altLang="ko-KR" dirty="0"/>
           </a:p>
           <a:p>
-            <a:endParaRPr lang="en-US" altLang="ko-KR" dirty="0" smtClean="0"/>
-          </a:p>
-          <a:p>
             <a:endParaRPr lang="en-US" altLang="ko-KR" dirty="0"/>
           </a:p>
           <a:p>
-            <a:r>
-              <a:rPr lang="en-US" altLang="ko-KR" dirty="0" smtClean="0"/>
+            <a:endParaRPr lang="en-US" altLang="ko-KR" dirty="0"/>
+          </a:p>
+          <a:p>
+            <a:endParaRPr lang="en-US" altLang="ko-KR" dirty="0"/>
+          </a:p>
+          <a:p>
+            <a:r>
+              <a:rPr lang="en-US" altLang="ko-KR" dirty="0"/>
               <a:t>Tablet</a:t>
             </a:r>
             <a:endParaRPr lang="ko-KR" altLang="en-US" dirty="0"/>
@@ -11409,13 +12296,6 @@
   <p:clrMapOvr>
     <a:masterClrMapping/>
   </p:clrMapOvr>
-  <p:timing>
-    <p:tnLst>
-      <p:par>
-        <p:cTn id="1" dur="indefinite" restart="never" nodeType="tmRoot"/>
-      </p:par>
-    </p:tnLst>
-  </p:timing>
 </p:sld>
 </file>
 
@@ -11452,7 +12332,7 @@
           <a:lstStyle/>
           <a:p>
             <a:r>
-              <a:rPr lang="en-US" altLang="ko-KR" dirty="0" smtClean="0"/>
+              <a:rPr lang="en-US" altLang="ko-KR" dirty="0"/>
               <a:t>Experimental Design</a:t>
             </a:r>
             <a:endParaRPr lang="ko-KR" altLang="en-US" dirty="0"/>
@@ -11477,98 +12357,64 @@
           <a:lstStyle/>
           <a:p>
             <a:r>
-              <a:rPr lang="en-US" altLang="ko-KR" dirty="0" smtClean="0"/>
-              <a:t>Discrimination Task</a:t>
+              <a:rPr lang="en-US" altLang="ko-KR" dirty="0"/>
+              <a:t>1. Discrimination Task</a:t>
             </a:r>
           </a:p>
           <a:p>
             <a:pPr lvl="1"/>
             <a:r>
-              <a:rPr lang="en-US" altLang="ko-KR" dirty="0" smtClean="0"/>
-              <a:t>Low Frequency*</a:t>
-            </a:r>
-          </a:p>
-          <a:p>
-            <a:pPr lvl="1"/>
-            <a:r>
-              <a:rPr lang="en-US" altLang="ko-KR" dirty="0" smtClean="0"/>
-              <a:t>High Frequency</a:t>
-            </a:r>
-            <a:r>
-              <a:rPr lang="en-US" altLang="ko-KR" dirty="0" smtClean="0"/>
-              <a:t>**</a:t>
-            </a:r>
-          </a:p>
-          <a:p>
-            <a:endParaRPr lang="en-US" altLang="ko-KR" dirty="0" smtClean="0"/>
-          </a:p>
-          <a:p>
-            <a:r>
-              <a:rPr lang="en-US" altLang="ko-KR" dirty="0" smtClean="0"/>
-              <a:t>Hidden Target </a:t>
-            </a:r>
-            <a:r>
-              <a:rPr lang="en-US" altLang="ko-KR" dirty="0" smtClean="0"/>
-              <a:t>Task</a:t>
-            </a:r>
-          </a:p>
-          <a:p>
-            <a:pPr lvl="1"/>
-            <a:r>
               <a:rPr lang="en-US" altLang="ko-KR" dirty="0"/>
-              <a:t>Low Frequency*</a:t>
-            </a:r>
-          </a:p>
-          <a:p>
-            <a:pPr lvl="1"/>
-            <a:r>
-              <a:rPr lang="en-US" altLang="ko-KR" dirty="0"/>
-              <a:t>High Frequency</a:t>
-            </a:r>
-            <a:r>
-              <a:rPr lang="en-US" altLang="ko-KR" dirty="0" smtClean="0"/>
-              <a:t>**</a:t>
-            </a:r>
-          </a:p>
-          <a:p>
-            <a:pPr lvl="1"/>
-            <a:endParaRPr lang="en-US" altLang="ko-KR" dirty="0" smtClean="0"/>
-          </a:p>
-          <a:p>
-            <a:r>
-              <a:rPr lang="en-US" altLang="ko-KR" dirty="0" smtClean="0"/>
-              <a:t>Reaching Task</a:t>
-            </a:r>
-            <a:endParaRPr lang="en-US" altLang="ko-KR" dirty="0" smtClean="0"/>
+              <a:t>Two different oscillatory* stimulations</a:t>
+            </a:r>
           </a:p>
           <a:p>
             <a:pPr lvl="1"/>
             <a:endParaRPr lang="en-US" altLang="ko-KR" dirty="0"/>
+          </a:p>
+          <a:p>
+            <a:r>
+              <a:rPr lang="en-US" altLang="ko-KR" dirty="0"/>
+              <a:t>2. Hidden Target Task</a:t>
+            </a:r>
+          </a:p>
+          <a:p>
+            <a:pPr lvl="1"/>
+            <a:r>
+              <a:rPr lang="en-US" altLang="ko-KR" dirty="0"/>
+              <a:t>Reaching task with low-frequency* vibratory feedback</a:t>
+            </a:r>
+          </a:p>
+          <a:p>
+            <a:pPr lvl="1"/>
+            <a:endParaRPr lang="en-US" altLang="ko-KR" dirty="0"/>
+          </a:p>
+          <a:p>
+            <a:r>
+              <a:rPr lang="en-US" altLang="ko-KR" dirty="0"/>
+              <a:t>3. Reaching Task</a:t>
+            </a:r>
+          </a:p>
+          <a:p>
+            <a:pPr lvl="1"/>
+            <a:r>
+              <a:rPr lang="en-US" altLang="ko-KR" dirty="0"/>
+              <a:t>Reaching task involving repetitive targeting of displayed targets on the screen (no feedback).</a:t>
+            </a:r>
           </a:p>
           <a:p>
             <a:pPr marL="411480" lvl="1" indent="0">
               <a:buNone/>
             </a:pPr>
-            <a:r>
-              <a:rPr lang="en-US" altLang="ko-KR" dirty="0" smtClean="0"/>
-              <a:t>						*   </a:t>
-            </a:r>
-            <a:r>
-              <a:rPr lang="en-US" altLang="ko-KR" dirty="0" smtClean="0"/>
-              <a:t>14-26Hz</a:t>
-            </a:r>
+            <a:endParaRPr lang="en-US" altLang="ko-KR" dirty="0"/>
           </a:p>
           <a:p>
             <a:pPr marL="411480" lvl="1" indent="0">
               <a:buNone/>
             </a:pPr>
             <a:r>
-              <a:rPr lang="en-US" altLang="ko-KR" dirty="0" smtClean="0"/>
-              <a:t>						** </a:t>
-            </a:r>
-            <a:r>
-              <a:rPr lang="en-US" altLang="ko-KR" dirty="0" smtClean="0"/>
-              <a:t>34-46Hz</a:t>
+              <a:rPr lang="en-US" altLang="ko-KR" dirty="0"/>
+              <a:t>						*   10-20Hz</a:t>
             </a:r>
           </a:p>
         </p:txBody>
@@ -11583,13 +12429,6 @@
   <p:clrMapOvr>
     <a:masterClrMapping/>
   </p:clrMapOvr>
-  <p:timing>
-    <p:tnLst>
-      <p:par>
-        <p:cTn id="1" dur="indefinite" restart="never" nodeType="tmRoot"/>
-      </p:par>
-    </p:tnLst>
-  </p:timing>
 </p:sld>
 </file>
 
@@ -11626,15 +12465,15 @@
           <a:lstStyle/>
           <a:p>
             <a:r>
-              <a:rPr lang="en-US" altLang="ko-KR" dirty="0" smtClean="0"/>
-              <a:t>Discrimination Task</a:t>
+              <a:rPr lang="en-US" altLang="ko-KR" dirty="0"/>
+              <a:t>1. Discrimination Task</a:t>
             </a:r>
             <a:endParaRPr lang="ko-KR" altLang="en-US" dirty="0"/>
           </a:p>
         </p:txBody>
       </p:sp>
-      <mc:AlternateContent xmlns:mc="http://schemas.openxmlformats.org/markup-compatibility/2006" xmlns:a14="http://schemas.microsoft.com/office/drawing/2010/main">
-        <mc:Choice Requires="a14">
+      <mc:AlternateContent xmlns:mc="http://schemas.openxmlformats.org/markup-compatibility/2006">
+        <mc:Choice xmlns:a14="http://schemas.microsoft.com/office/drawing/2010/main" Requires="a14">
           <p:sp>
             <p:nvSpPr>
               <p:cNvPr id="3" name="내용 개체 틀 2"/>
@@ -11647,8 +12486,8 @@
             </p:nvSpPr>
             <p:spPr>
               <a:xfrm>
-                <a:off x="2530532" y="1567146"/>
-                <a:ext cx="1609000" cy="504055"/>
+                <a:off x="3463299" y="1350978"/>
+                <a:ext cx="1223003" cy="504055"/>
               </a:xfrm>
             </p:spPr>
             <p:txBody>
@@ -11657,7 +12496,7 @@
               </a:bodyPr>
               <a:lstStyle/>
               <a:p>
-                <a:pPr marL="114300" indent="0">
+                <a:pPr marL="114300" indent="0" algn="ctr">
                   <a:buNone/>
                 </a:pPr>
                 <a14:m>
@@ -11665,42 +12504,52 @@
                     <m:sSub>
                       <m:sSubPr>
                         <m:ctrlPr>
-                          <a:rPr lang="en-US" altLang="ko-KR" sz="2000" i="1" smtClean="0">
-                            <a:latin typeface="Cambria Math"/>
+                          <a:rPr lang="pt-BR" altLang="ko-KR" sz="2000" i="1" smtClean="0">
+                            <a:latin typeface="Cambria Math" panose="02040503050406030204" pitchFamily="18" charset="0"/>
                           </a:rPr>
                         </m:ctrlPr>
                       </m:sSubPr>
                       <m:e>
                         <m:r>
-                          <m:rPr>
-                            <m:nor/>
-                          </m:rPr>
-                          <a:rPr lang="en-US" altLang="ko-KR" sz="2000" dirty="0"/>
-                          <m:t>f</m:t>
+                          <a:rPr lang="en-US" altLang="ko-KR" sz="2000" b="0" i="1" smtClean="0">
+                            <a:latin typeface="Cambria Math" panose="02040503050406030204" pitchFamily="18" charset="0"/>
+                          </a:rPr>
+                          <m:t>𝑓</m:t>
                         </m:r>
                       </m:e>
                       <m:sub>
                         <m:r>
-                          <m:rPr>
-                            <m:nor/>
-                          </m:rPr>
-                          <a:rPr lang="en-US" altLang="ko-KR" sz="2000" dirty="0"/>
-                          <m:t>before</m:t>
+                          <a:rPr lang="en-US" altLang="ko-KR" sz="2000" b="0" i="1" smtClean="0">
+                            <a:latin typeface="Cambria Math" panose="02040503050406030204" pitchFamily="18" charset="0"/>
+                          </a:rPr>
+                          <m:t>1</m:t>
+                        </m:r>
+                        <m:r>
+                          <a:rPr lang="en-US" altLang="ko-KR" sz="2000" b="0" i="1" smtClean="0">
+                            <a:latin typeface="Cambria Math" panose="02040503050406030204" pitchFamily="18" charset="0"/>
+                          </a:rPr>
+                          <m:t>𝑠𝑡</m:t>
                         </m:r>
                       </m:sub>
                     </m:sSub>
+                    <m:r>
+                      <a:rPr lang="pt-BR" altLang="ko-KR" sz="2000" i="1" smtClean="0">
+                        <a:latin typeface="Cambria Math" panose="02040503050406030204" pitchFamily="18" charset="0"/>
+                      </a:rPr>
+                      <m:t> </m:t>
+                    </m:r>
                   </m:oMath>
                 </a14:m>
                 <a:r>
-                  <a:rPr lang="en-US" altLang="ko-KR" sz="2000" dirty="0" smtClean="0"/>
-                  <a:t> (1s)</a:t>
+                  <a:rPr lang="en-US" altLang="ko-KR" sz="2000" dirty="0"/>
+                  <a:t>(1s)</a:t>
                 </a:r>
                 <a:endParaRPr lang="ko-KR" altLang="en-US" sz="2000" dirty="0"/>
               </a:p>
             </p:txBody>
           </p:sp>
         </mc:Choice>
-        <mc:Fallback xmlns="">
+        <mc:Fallback>
           <p:sp>
             <p:nvSpPr>
               <p:cNvPr id="3" name="내용 개체 틀 2"/>
@@ -11713,13 +12562,13 @@
             </p:nvSpPr>
             <p:spPr>
               <a:xfrm>
-                <a:off x="2530532" y="1567146"/>
-                <a:ext cx="1609000" cy="504055"/>
+                <a:off x="3463299" y="1350978"/>
+                <a:ext cx="1223003" cy="504055"/>
               </a:xfrm>
-              <a:blipFill rotWithShape="1">
-                <a:blip r:embed="rId2"/>
+              <a:blipFill>
+                <a:blip r:embed="rId3"/>
                 <a:stretch>
-                  <a:fillRect t="-4819" b="-1205"/>
+                  <a:fillRect t="-7317" r="-1493" b="-1220"/>
                 </a:stretch>
               </a:blipFill>
             </p:spPr>
@@ -11747,7 +12596,7 @@
           <p:nvPr/>
         </p:nvPicPr>
         <p:blipFill>
-          <a:blip r:embed="rId3" cstate="print">
+          <a:blip r:embed="rId4" cstate="print">
             <a:extLst>
               <a:ext uri="{28A0092B-C50C-407E-A947-70E740481C1C}">
                 <a14:useLocalDpi xmlns:a14="http://schemas.microsoft.com/office/drawing/2010/main" val="0"/>
@@ -11760,7 +12609,7 @@
         </p:blipFill>
         <p:spPr>
           <a:xfrm>
-            <a:off x="280327" y="1412776"/>
+            <a:off x="1144423" y="1196608"/>
             <a:ext cx="2341067" cy="1316850"/>
           </a:xfrm>
           <a:prstGeom prst="rect">
@@ -11783,7 +12632,7 @@
           <p:nvPr/>
         </p:nvPicPr>
         <p:blipFill>
-          <a:blip r:embed="rId4" cstate="print">
+          <a:blip r:embed="rId5" cstate="print">
             <a:extLst>
               <a:ext uri="{28A0092B-C50C-407E-A947-70E740481C1C}">
                 <a14:useLocalDpi xmlns:a14="http://schemas.microsoft.com/office/drawing/2010/main" val="0"/>
@@ -11796,7 +12645,7 @@
         </p:blipFill>
         <p:spPr>
           <a:xfrm>
-            <a:off x="1420971" y="5151098"/>
+            <a:off x="2285067" y="4934930"/>
             <a:ext cx="2341067" cy="1316850"/>
           </a:xfrm>
           <a:prstGeom prst="rect">
@@ -11819,7 +12668,7 @@
           <p:nvPr/>
         </p:nvPicPr>
         <p:blipFill>
-          <a:blip r:embed="rId3" cstate="print">
+          <a:blip r:embed="rId4" cstate="print">
             <a:extLst>
               <a:ext uri="{28A0092B-C50C-407E-A947-70E740481C1C}">
                 <a14:useLocalDpi xmlns:a14="http://schemas.microsoft.com/office/drawing/2010/main" val="0"/>
@@ -11832,7 +12681,7 @@
         </p:blipFill>
         <p:spPr>
           <a:xfrm>
-            <a:off x="837535" y="3262301"/>
+            <a:off x="1701631" y="3046133"/>
             <a:ext cx="2341067" cy="1316850"/>
           </a:xfrm>
           <a:prstGeom prst="rect">
@@ -11846,8 +12695,8 @@
           </a:scene3d>
         </p:spPr>
       </p:pic>
-      <mc:AlternateContent xmlns:mc="http://schemas.openxmlformats.org/markup-compatibility/2006" xmlns:a14="http://schemas.microsoft.com/office/drawing/2010/main">
-        <mc:Choice Requires="a14">
+      <mc:AlternateContent xmlns:mc="http://schemas.openxmlformats.org/markup-compatibility/2006">
+        <mc:Choice xmlns:a14="http://schemas.microsoft.com/office/drawing/2010/main" Requires="a14">
           <p:sp>
             <p:nvSpPr>
               <p:cNvPr id="7" name="직사각형 6"/>
@@ -11856,8 +12705,8 @@
             </p:nvSpPr>
             <p:spPr>
               <a:xfrm>
-                <a:off x="3178602" y="3284984"/>
-                <a:ext cx="1393397" cy="418513"/>
+                <a:off x="4120232" y="3278197"/>
+                <a:ext cx="1132141" cy="400110"/>
               </a:xfrm>
               <a:prstGeom prst="rect">
                 <a:avLst/>
@@ -11869,7 +12718,7 @@
               </a:bodyPr>
               <a:lstStyle/>
               <a:p>
-                <a:pPr marL="114300" indent="0">
+                <a:pPr marL="114300" indent="0" algn="ctr">
                   <a:buNone/>
                 </a:pPr>
                 <a14:m>
@@ -11877,42 +12726,52 @@
                     <m:sSub>
                       <m:sSubPr>
                         <m:ctrlPr>
-                          <a:rPr lang="en-US" altLang="ko-KR" sz="2000" i="1" smtClean="0">
-                            <a:latin typeface="Cambria Math"/>
+                          <a:rPr lang="pt-BR" altLang="ko-KR" sz="2000" i="1" smtClean="0">
+                            <a:latin typeface="Cambria Math" panose="02040503050406030204" pitchFamily="18" charset="0"/>
                           </a:rPr>
                         </m:ctrlPr>
                       </m:sSubPr>
                       <m:e>
                         <m:r>
-                          <m:rPr>
-                            <m:nor/>
-                          </m:rPr>
-                          <a:rPr lang="en-US" altLang="ko-KR" sz="2000" dirty="0"/>
-                          <m:t>f</m:t>
+                          <a:rPr lang="en-US" altLang="ko-KR" sz="2000" b="0" i="1" smtClean="0">
+                            <a:latin typeface="Cambria Math" panose="02040503050406030204" pitchFamily="18" charset="0"/>
+                          </a:rPr>
+                          <m:t>𝑓</m:t>
                         </m:r>
                       </m:e>
                       <m:sub>
                         <m:r>
-                          <m:rPr>
-                            <m:nor/>
-                          </m:rPr>
-                          <a:rPr lang="en-US" altLang="ko-KR" sz="2000" b="0" i="0" dirty="0" smtClean="0"/>
-                          <m:t>after</m:t>
+                          <a:rPr lang="en-US" altLang="ko-KR" sz="2000" b="0" i="1" smtClean="0">
+                            <a:latin typeface="Cambria Math" panose="02040503050406030204" pitchFamily="18" charset="0"/>
+                          </a:rPr>
+                          <m:t>2</m:t>
+                        </m:r>
+                        <m:r>
+                          <a:rPr lang="en-US" altLang="ko-KR" sz="2000" b="0" i="1" smtClean="0">
+                            <a:latin typeface="Cambria Math" panose="02040503050406030204" pitchFamily="18" charset="0"/>
+                          </a:rPr>
+                          <m:t>𝑛𝑑</m:t>
                         </m:r>
                       </m:sub>
                     </m:sSub>
+                    <m:r>
+                      <a:rPr lang="en-US" altLang="ko-KR" sz="2000" b="0" i="0" smtClean="0">
+                        <a:latin typeface="Cambria Math" panose="02040503050406030204" pitchFamily="18" charset="0"/>
+                      </a:rPr>
+                      <m:t> </m:t>
+                    </m:r>
                   </m:oMath>
                 </a14:m>
                 <a:r>
-                  <a:rPr lang="en-US" altLang="ko-KR" sz="2000" dirty="0" smtClean="0"/>
-                  <a:t> (1s)</a:t>
+                  <a:rPr lang="en-US" altLang="ko-KR" sz="2000" dirty="0"/>
+                  <a:t>(1s)</a:t>
                 </a:r>
                 <a:endParaRPr lang="ko-KR" altLang="en-US" sz="2000" dirty="0"/>
               </a:p>
             </p:txBody>
           </p:sp>
         </mc:Choice>
-        <mc:Fallback xmlns="">
+        <mc:Fallback>
           <p:sp>
             <p:nvSpPr>
               <p:cNvPr id="7" name="직사각형 6"/>
@@ -11923,16 +12782,129 @@
             </p:nvSpPr>
             <p:spPr>
               <a:xfrm>
-                <a:off x="3178602" y="3284984"/>
-                <a:ext cx="1393397" cy="418513"/>
+                <a:off x="4120232" y="3278197"/>
+                <a:ext cx="1132141" cy="400110"/>
               </a:xfrm>
               <a:prstGeom prst="rect">
                 <a:avLst/>
               </a:prstGeom>
-              <a:blipFill rotWithShape="1">
+              <a:blipFill>
+                <a:blip r:embed="rId6"/>
+                <a:stretch>
+                  <a:fillRect t="-9231" r="-8602" b="-27692"/>
+                </a:stretch>
+              </a:blipFill>
+            </p:spPr>
+            <p:txBody>
+              <a:bodyPr/>
+              <a:lstStyle/>
+              <a:p>
+                <a:r>
+                  <a:rPr lang="ko-KR" altLang="en-US">
+                    <a:noFill/>
+                  </a:rPr>
+                  <a:t> </a:t>
+                </a:r>
+              </a:p>
+            </p:txBody>
+          </p:sp>
+        </mc:Fallback>
+      </mc:AlternateContent>
+      <mc:AlternateContent xmlns:mc="http://schemas.openxmlformats.org/markup-compatibility/2006">
+        <mc:Choice xmlns:a14="http://schemas.microsoft.com/office/drawing/2010/main" Requires="a14">
+          <p:sp>
+            <p:nvSpPr>
+              <p:cNvPr id="8" name="TextBox 7"/>
+              <p:cNvSpPr txBox="1"/>
+              <p:nvPr/>
+            </p:nvSpPr>
+            <p:spPr>
+              <a:xfrm>
+                <a:off x="2782284" y="2437163"/>
+                <a:ext cx="1843850" cy="369332"/>
+              </a:xfrm>
+              <a:prstGeom prst="rect">
+                <a:avLst/>
+              </a:prstGeom>
+              <a:noFill/>
+            </p:spPr>
+            <p:txBody>
+              <a:bodyPr wrap="square" rtlCol="0">
+                <a:spAutoFit/>
+              </a:bodyPr>
+              <a:lstStyle/>
+              <a:p>
+                <a:pPr algn="ctr"/>
+                <a14:m>
+                  <m:oMath xmlns:m="http://schemas.openxmlformats.org/officeDocument/2006/math">
+                    <m:r>
+                      <a:rPr lang="en-US" altLang="ko-KR" b="0" i="1" smtClean="0">
+                        <a:latin typeface="Cambria Math" panose="02040503050406030204" pitchFamily="18" charset="0"/>
+                      </a:rPr>
+                      <m:t>&lt;</m:t>
+                    </m:r>
+                    <m:sSub>
+                      <m:sSubPr>
+                        <m:ctrlPr>
+                          <a:rPr lang="en-US" altLang="ko-KR" b="0" i="1" smtClean="0">
+                            <a:latin typeface="Cambria Math" panose="02040503050406030204" pitchFamily="18" charset="0"/>
+                          </a:rPr>
+                        </m:ctrlPr>
+                      </m:sSubPr>
+                      <m:e>
+                        <m:r>
+                          <a:rPr lang="en-US" altLang="ko-KR" b="0" i="1" smtClean="0">
+                            <a:latin typeface="Cambria Math" panose="02040503050406030204" pitchFamily="18" charset="0"/>
+                          </a:rPr>
+                          <m:t>𝐼𝑆𝐼</m:t>
+                        </m:r>
+                      </m:e>
+                      <m:sub>
+                        <m:r>
+                          <a:rPr lang="en-US" altLang="ko-KR" b="0" i="1" smtClean="0">
+                            <a:latin typeface="Cambria Math" panose="02040503050406030204" pitchFamily="18" charset="0"/>
+                          </a:rPr>
+                          <m:t>1</m:t>
+                        </m:r>
+                      </m:sub>
+                    </m:sSub>
+                    <m:r>
+                      <a:rPr lang="en-US" altLang="ko-KR" b="0" i="1" smtClean="0">
+                        <a:latin typeface="Cambria Math" panose="02040503050406030204" pitchFamily="18" charset="0"/>
+                      </a:rPr>
+                      <m:t>&gt; =5.5</m:t>
+                    </m:r>
+                  </m:oMath>
+                </a14:m>
+                <a:r>
+                  <a:rPr lang="en-US" altLang="ko-KR" dirty="0"/>
+                  <a:t>s</a:t>
+                </a:r>
+              </a:p>
+            </p:txBody>
+          </p:sp>
+        </mc:Choice>
+        <mc:Fallback>
+          <p:sp>
+            <p:nvSpPr>
+              <p:cNvPr id="8" name="TextBox 7"/>
+              <p:cNvSpPr txBox="1">
+                <a:spLocks noRot="1" noChangeAspect="1" noMove="1" noResize="1" noEditPoints="1" noAdjustHandles="1" noChangeArrowheads="1" noChangeShapeType="1" noTextEdit="1"/>
+              </p:cNvSpPr>
+              <p:nvPr/>
+            </p:nvSpPr>
+            <p:spPr>
+              <a:xfrm>
+                <a:off x="2782284" y="2437163"/>
+                <a:ext cx="1843850" cy="369332"/>
+              </a:xfrm>
+              <a:prstGeom prst="rect">
+                <a:avLst/>
+              </a:prstGeom>
+              <a:blipFill>
                 <a:blip r:embed="rId7"/>
                 <a:stretch>
-                  <a:fillRect t="-5797" b="-21739"/>
+                  <a:fillRect t="-10000" b="-26667"/>
                 </a:stretch>
               </a:blipFill>
             </p:spPr>
@@ -11953,75 +12925,13 @@
       </mc:AlternateContent>
       <p:sp>
         <p:nvSpPr>
-          <p:cNvPr id="8" name="TextBox 7"/>
-          <p:cNvSpPr txBox="1"/>
-          <p:nvPr/>
-        </p:nvSpPr>
-        <p:spPr>
-          <a:xfrm>
-            <a:off x="1918188" y="2727730"/>
-            <a:ext cx="673316" cy="369332"/>
-          </a:xfrm>
-          <a:prstGeom prst="rect">
-            <a:avLst/>
-          </a:prstGeom>
-          <a:noFill/>
-        </p:spPr>
-        <p:txBody>
-          <a:bodyPr wrap="square" rtlCol="0">
-            <a:spAutoFit/>
-          </a:bodyPr>
-          <a:lstStyle/>
-          <a:p>
-            <a:r>
-              <a:rPr lang="en-US" altLang="ko-KR" dirty="0"/>
-              <a:t>5</a:t>
-            </a:r>
-            <a:r>
-              <a:rPr lang="en-US" altLang="ko-KR" dirty="0" smtClean="0"/>
-              <a:t>.5 s</a:t>
-            </a:r>
-          </a:p>
-        </p:txBody>
-      </p:sp>
-      <p:sp>
-        <p:nvSpPr>
-          <p:cNvPr id="11" name="TextBox 10"/>
-          <p:cNvSpPr txBox="1"/>
-          <p:nvPr/>
-        </p:nvSpPr>
-        <p:spPr>
-          <a:xfrm>
-            <a:off x="2537388" y="4571836"/>
-            <a:ext cx="516046" cy="369332"/>
-          </a:xfrm>
-          <a:prstGeom prst="rect">
-            <a:avLst/>
-          </a:prstGeom>
-          <a:noFill/>
-        </p:spPr>
-        <p:txBody>
-          <a:bodyPr wrap="square" rtlCol="0">
-            <a:spAutoFit/>
-          </a:bodyPr>
-          <a:lstStyle/>
-          <a:p>
-            <a:r>
-              <a:rPr lang="en-US" altLang="ko-KR" dirty="0" smtClean="0"/>
-              <a:t>4 s</a:t>
-            </a:r>
-          </a:p>
-        </p:txBody>
-      </p:sp>
-      <p:sp>
-        <p:nvSpPr>
           <p:cNvPr id="9" name="오른쪽 화살표 8"/>
           <p:cNvSpPr/>
           <p:nvPr/>
         </p:nvSpPr>
         <p:spPr>
           <a:xfrm rot="4004732">
-            <a:off x="1434128" y="2894235"/>
+            <a:off x="2298224" y="2678067"/>
             <a:ext cx="407252" cy="231834"/>
           </a:xfrm>
           <a:prstGeom prst="rightArrow">
@@ -12061,7 +12971,7 @@
         </p:nvSpPr>
         <p:spPr>
           <a:xfrm rot="4004732">
-            <a:off x="2116597" y="4777083"/>
+            <a:off x="2980693" y="4560915"/>
             <a:ext cx="407252" cy="231834"/>
           </a:xfrm>
           <a:prstGeom prst="rightArrow">
@@ -12101,7 +13011,7 @@
         </p:nvSpPr>
         <p:spPr>
           <a:xfrm>
-            <a:off x="3935906" y="5478688"/>
+            <a:off x="4800002" y="5262520"/>
             <a:ext cx="407252" cy="231834"/>
           </a:xfrm>
           <a:prstGeom prst="rightArrow">
@@ -12141,7 +13051,7 @@
         </p:nvSpPr>
         <p:spPr>
           <a:xfrm rot="16200000">
-            <a:off x="5008597" y="1027264"/>
+            <a:off x="5872693" y="811096"/>
             <a:ext cx="1260140" cy="3770263"/>
           </a:xfrm>
           <a:prstGeom prst="rect">
@@ -12156,7 +13066,7 @@
           <a:lstStyle/>
           <a:p>
             <a:r>
-              <a:rPr lang="en-US" altLang="ko-KR" sz="23900" dirty="0" smtClean="0"/>
+              <a:rPr lang="en-US" altLang="ko-KR" sz="23900" dirty="0"/>
               <a:t>}</a:t>
             </a:r>
             <a:endParaRPr lang="ko-KR" altLang="en-US" sz="23900" dirty="0"/>
@@ -12171,8 +13081,8 @@
         </p:nvSpPr>
         <p:spPr>
           <a:xfrm>
-            <a:off x="5293656" y="2082270"/>
-            <a:ext cx="936104" cy="400110"/>
+            <a:off x="6120735" y="1481111"/>
+            <a:ext cx="1223003" cy="707886"/>
           </a:xfrm>
           <a:prstGeom prst="rect">
             <a:avLst/>
@@ -12185,9 +13095,17 @@
           </a:bodyPr>
           <a:lstStyle/>
           <a:p>
-            <a:r>
-              <a:rPr lang="en-US" altLang="ko-KR" sz="2000" dirty="0" smtClean="0"/>
-              <a:t>reward</a:t>
+            <a:pPr algn="ctr"/>
+            <a:r>
+              <a:rPr lang="en-US" altLang="ko-KR" sz="2000" dirty="0"/>
+              <a:t>Reward</a:t>
+            </a:r>
+          </a:p>
+          <a:p>
+            <a:pPr algn="ctr"/>
+            <a:r>
+              <a:rPr lang="en-US" altLang="ko-KR" sz="2000" dirty="0"/>
+              <a:t>Feedback</a:t>
             </a:r>
             <a:endParaRPr lang="ko-KR" altLang="en-US" sz="2000" dirty="0"/>
           </a:p>
@@ -12201,7 +13119,7 @@
         </p:nvGrpSpPr>
         <p:grpSpPr>
           <a:xfrm>
-            <a:off x="4716016" y="3645168"/>
+            <a:off x="5580112" y="3429000"/>
             <a:ext cx="2304250" cy="1296000"/>
             <a:chOff x="4716016" y="3645168"/>
             <a:chExt cx="2304250" cy="1296000"/>
@@ -12298,7 +13216,7 @@
         </p:nvGrpSpPr>
         <p:grpSpPr>
           <a:xfrm>
-            <a:off x="4716016" y="5085184"/>
+            <a:off x="5580112" y="4869016"/>
             <a:ext cx="2304250" cy="1296000"/>
             <a:chOff x="4716016" y="5085184"/>
             <a:chExt cx="2304250" cy="1296000"/>
@@ -12387,6 +13305,365 @@
           </p:spPr>
         </p:pic>
       </p:grpSp>
+      <mc:AlternateContent xmlns:mc="http://schemas.openxmlformats.org/markup-compatibility/2006">
+        <mc:Choice xmlns:a14="http://schemas.microsoft.com/office/drawing/2010/main" Requires="a14">
+          <p:sp>
+            <p:nvSpPr>
+              <p:cNvPr id="17" name="TextBox 16">
+                <a:extLst>
+                  <a:ext uri="{FF2B5EF4-FFF2-40B4-BE49-F238E27FC236}">
+                    <a16:creationId xmlns:a16="http://schemas.microsoft.com/office/drawing/2014/main" id="{65E6E696-D483-8467-9869-B7900D938311}"/>
+                  </a:ext>
+                </a:extLst>
+              </p:cNvPr>
+              <p:cNvSpPr txBox="1"/>
+              <p:nvPr/>
+            </p:nvSpPr>
+            <p:spPr>
+              <a:xfrm>
+                <a:off x="3424346" y="4328957"/>
+                <a:ext cx="1843850" cy="369332"/>
+              </a:xfrm>
+              <a:prstGeom prst="rect">
+                <a:avLst/>
+              </a:prstGeom>
+              <a:noFill/>
+            </p:spPr>
+            <p:txBody>
+              <a:bodyPr wrap="square" rtlCol="0">
+                <a:spAutoFit/>
+              </a:bodyPr>
+              <a:lstStyle/>
+              <a:p>
+                <a:pPr algn="ctr"/>
+                <a14:m>
+                  <m:oMath xmlns:m="http://schemas.openxmlformats.org/officeDocument/2006/math">
+                    <m:r>
+                      <a:rPr lang="en-US" altLang="ko-KR" b="0" i="1" smtClean="0">
+                        <a:latin typeface="Cambria Math" panose="02040503050406030204" pitchFamily="18" charset="0"/>
+                      </a:rPr>
+                      <m:t>&lt;</m:t>
+                    </m:r>
+                    <m:sSub>
+                      <m:sSubPr>
+                        <m:ctrlPr>
+                          <a:rPr lang="en-US" altLang="ko-KR" b="0" i="1" smtClean="0">
+                            <a:latin typeface="Cambria Math" panose="02040503050406030204" pitchFamily="18" charset="0"/>
+                          </a:rPr>
+                        </m:ctrlPr>
+                      </m:sSubPr>
+                      <m:e>
+                        <m:r>
+                          <a:rPr lang="en-US" altLang="ko-KR" b="0" i="1" smtClean="0">
+                            <a:latin typeface="Cambria Math" panose="02040503050406030204" pitchFamily="18" charset="0"/>
+                          </a:rPr>
+                          <m:t>𝐼𝑆𝐼</m:t>
+                        </m:r>
+                      </m:e>
+                      <m:sub>
+                        <m:r>
+                          <a:rPr lang="en-US" altLang="ko-KR" b="0" i="1" smtClean="0">
+                            <a:latin typeface="Cambria Math" panose="02040503050406030204" pitchFamily="18" charset="0"/>
+                          </a:rPr>
+                          <m:t>2</m:t>
+                        </m:r>
+                      </m:sub>
+                    </m:sSub>
+                    <m:r>
+                      <a:rPr lang="en-US" altLang="ko-KR" b="0" i="1" smtClean="0">
+                        <a:latin typeface="Cambria Math" panose="02040503050406030204" pitchFamily="18" charset="0"/>
+                      </a:rPr>
+                      <m:t>&gt; =4.0</m:t>
+                    </m:r>
+                  </m:oMath>
+                </a14:m>
+                <a:r>
+                  <a:rPr lang="en-US" altLang="ko-KR" dirty="0"/>
+                  <a:t>s</a:t>
+                </a:r>
+              </a:p>
+            </p:txBody>
+          </p:sp>
+        </mc:Choice>
+        <mc:Fallback>
+          <p:sp>
+            <p:nvSpPr>
+              <p:cNvPr id="17" name="TextBox 16">
+                <a:extLst>
+                  <a:ext uri="{FF2B5EF4-FFF2-40B4-BE49-F238E27FC236}">
+                    <a16:creationId xmlns:a16="http://schemas.microsoft.com/office/drawing/2014/main" id="{65E6E696-D483-8467-9869-B7900D938311}"/>
+                  </a:ext>
+                </a:extLst>
+              </p:cNvPr>
+              <p:cNvSpPr txBox="1">
+                <a:spLocks noRot="1" noChangeAspect="1" noMove="1" noResize="1" noEditPoints="1" noAdjustHandles="1" noChangeArrowheads="1" noChangeShapeType="1" noTextEdit="1"/>
+              </p:cNvSpPr>
+              <p:nvPr/>
+            </p:nvSpPr>
+            <p:spPr>
+              <a:xfrm>
+                <a:off x="3424346" y="4328957"/>
+                <a:ext cx="1843850" cy="369332"/>
+              </a:xfrm>
+              <a:prstGeom prst="rect">
+                <a:avLst/>
+              </a:prstGeom>
+              <a:blipFill>
+                <a:blip r:embed="rId12"/>
+                <a:stretch>
+                  <a:fillRect t="-8197" b="-24590"/>
+                </a:stretch>
+              </a:blipFill>
+            </p:spPr>
+            <p:txBody>
+              <a:bodyPr/>
+              <a:lstStyle/>
+              <a:p>
+                <a:r>
+                  <a:rPr lang="ko-KR" altLang="en-US">
+                    <a:noFill/>
+                  </a:rPr>
+                  <a:t> </a:t>
+                </a:r>
+              </a:p>
+            </p:txBody>
+          </p:sp>
+        </mc:Fallback>
+      </mc:AlternateContent>
+      <mc:AlternateContent xmlns:mc="http://schemas.openxmlformats.org/markup-compatibility/2006">
+        <mc:Choice xmlns:a14="http://schemas.microsoft.com/office/drawing/2010/main" Requires="a14">
+          <p:sp>
+            <p:nvSpPr>
+              <p:cNvPr id="18" name="TextBox 17">
+                <a:extLst>
+                  <a:ext uri="{FF2B5EF4-FFF2-40B4-BE49-F238E27FC236}">
+                    <a16:creationId xmlns:a16="http://schemas.microsoft.com/office/drawing/2014/main" id="{94E228AD-7BC4-373D-2AFA-A93C400B902C}"/>
+                  </a:ext>
+                </a:extLst>
+              </p:cNvPr>
+              <p:cNvSpPr txBox="1"/>
+              <p:nvPr/>
+            </p:nvSpPr>
+            <p:spPr>
+              <a:xfrm>
+                <a:off x="4034912" y="6216991"/>
+                <a:ext cx="1843850" cy="369332"/>
+              </a:xfrm>
+              <a:prstGeom prst="rect">
+                <a:avLst/>
+              </a:prstGeom>
+              <a:noFill/>
+            </p:spPr>
+            <p:txBody>
+              <a:bodyPr wrap="square" rtlCol="0">
+                <a:spAutoFit/>
+              </a:bodyPr>
+              <a:lstStyle/>
+              <a:p>
+                <a:pPr algn="ctr"/>
+                <a14:m>
+                  <m:oMath xmlns:m="http://schemas.openxmlformats.org/officeDocument/2006/math">
+                    <m:r>
+                      <a:rPr lang="en-US" altLang="ko-KR" b="0" i="1" smtClean="0">
+                        <a:latin typeface="Cambria Math" panose="02040503050406030204" pitchFamily="18" charset="0"/>
+                      </a:rPr>
+                      <m:t>&lt;</m:t>
+                    </m:r>
+                    <m:sSub>
+                      <m:sSubPr>
+                        <m:ctrlPr>
+                          <a:rPr lang="en-US" altLang="ko-KR" b="0" i="1" smtClean="0">
+                            <a:latin typeface="Cambria Math" panose="02040503050406030204" pitchFamily="18" charset="0"/>
+                          </a:rPr>
+                        </m:ctrlPr>
+                      </m:sSubPr>
+                      <m:e>
+                        <m:r>
+                          <a:rPr lang="en-US" altLang="ko-KR" b="0" i="1" smtClean="0">
+                            <a:latin typeface="Cambria Math" panose="02040503050406030204" pitchFamily="18" charset="0"/>
+                          </a:rPr>
+                          <m:t>𝐼𝑆𝐼</m:t>
+                        </m:r>
+                      </m:e>
+                      <m:sub>
+                        <m:r>
+                          <a:rPr lang="en-US" altLang="ko-KR" b="0" i="1" smtClean="0">
+                            <a:latin typeface="Cambria Math" panose="02040503050406030204" pitchFamily="18" charset="0"/>
+                          </a:rPr>
+                          <m:t>2</m:t>
+                        </m:r>
+                      </m:sub>
+                    </m:sSub>
+                    <m:r>
+                      <a:rPr lang="en-US" altLang="ko-KR" b="0" i="1" smtClean="0">
+                        <a:latin typeface="Cambria Math" panose="02040503050406030204" pitchFamily="18" charset="0"/>
+                      </a:rPr>
+                      <m:t>&gt; =4.0</m:t>
+                    </m:r>
+                  </m:oMath>
+                </a14:m>
+                <a:r>
+                  <a:rPr lang="en-US" altLang="ko-KR" dirty="0"/>
+                  <a:t>s</a:t>
+                </a:r>
+              </a:p>
+            </p:txBody>
+          </p:sp>
+        </mc:Choice>
+        <mc:Fallback>
+          <p:sp>
+            <p:nvSpPr>
+              <p:cNvPr id="18" name="TextBox 17">
+                <a:extLst>
+                  <a:ext uri="{FF2B5EF4-FFF2-40B4-BE49-F238E27FC236}">
+                    <a16:creationId xmlns:a16="http://schemas.microsoft.com/office/drawing/2014/main" id="{94E228AD-7BC4-373D-2AFA-A93C400B902C}"/>
+                  </a:ext>
+                </a:extLst>
+              </p:cNvPr>
+              <p:cNvSpPr txBox="1">
+                <a:spLocks noRot="1" noChangeAspect="1" noMove="1" noResize="1" noEditPoints="1" noAdjustHandles="1" noChangeArrowheads="1" noChangeShapeType="1" noTextEdit="1"/>
+              </p:cNvSpPr>
+              <p:nvPr/>
+            </p:nvSpPr>
+            <p:spPr>
+              <a:xfrm>
+                <a:off x="4034912" y="6216991"/>
+                <a:ext cx="1843850" cy="369332"/>
+              </a:xfrm>
+              <a:prstGeom prst="rect">
+                <a:avLst/>
+              </a:prstGeom>
+              <a:blipFill>
+                <a:blip r:embed="rId13"/>
+                <a:stretch>
+                  <a:fillRect t="-10000" b="-26667"/>
+                </a:stretch>
+              </a:blipFill>
+            </p:spPr>
+            <p:txBody>
+              <a:bodyPr/>
+              <a:lstStyle/>
+              <a:p>
+                <a:r>
+                  <a:rPr lang="ko-KR" altLang="en-US">
+                    <a:noFill/>
+                  </a:rPr>
+                  <a:t> </a:t>
+                </a:r>
+              </a:p>
+            </p:txBody>
+          </p:sp>
+        </mc:Fallback>
+      </mc:AlternateContent>
+      <p:sp>
+        <p:nvSpPr>
+          <p:cNvPr id="19" name="TextBox 18">
+            <a:extLst>
+              <a:ext uri="{FF2B5EF4-FFF2-40B4-BE49-F238E27FC236}">
+                <a16:creationId xmlns:a16="http://schemas.microsoft.com/office/drawing/2014/main" id="{CD75C720-2877-FD2E-0E2A-CDE39E0204FC}"/>
+              </a:ext>
+            </a:extLst>
+          </p:cNvPr>
+          <p:cNvSpPr txBox="1"/>
+          <p:nvPr/>
+        </p:nvSpPr>
+        <p:spPr>
+          <a:xfrm>
+            <a:off x="1310625" y="5605449"/>
+            <a:ext cx="1023418" cy="646331"/>
+          </a:xfrm>
+          <a:prstGeom prst="rect">
+            <a:avLst/>
+          </a:prstGeom>
+          <a:noFill/>
+        </p:spPr>
+        <p:txBody>
+          <a:bodyPr wrap="square" rtlCol="0">
+            <a:spAutoFit/>
+          </a:bodyPr>
+          <a:lstStyle/>
+          <a:p>
+            <a:pPr algn="ctr"/>
+            <a:r>
+              <a:rPr lang="en-US" altLang="ko-KR" dirty="0"/>
+              <a:t>Decision (1.2s)</a:t>
+            </a:r>
+            <a:endParaRPr lang="ko-KR" altLang="en-US" dirty="0"/>
+          </a:p>
+        </p:txBody>
+      </p:sp>
+      <p:sp>
+        <p:nvSpPr>
+          <p:cNvPr id="21" name="TextBox 20">
+            <a:extLst>
+              <a:ext uri="{FF2B5EF4-FFF2-40B4-BE49-F238E27FC236}">
+                <a16:creationId xmlns:a16="http://schemas.microsoft.com/office/drawing/2014/main" id="{C356715D-7554-F94E-18A8-1C3A92DFE8D4}"/>
+              </a:ext>
+            </a:extLst>
+          </p:cNvPr>
+          <p:cNvSpPr txBox="1"/>
+          <p:nvPr/>
+        </p:nvSpPr>
+        <p:spPr>
+          <a:xfrm rot="10093029">
+            <a:off x="1133433" y="1441167"/>
+            <a:ext cx="551920" cy="3770263"/>
+          </a:xfrm>
+          <a:prstGeom prst="rect">
+            <a:avLst/>
+          </a:prstGeom>
+          <a:noFill/>
+        </p:spPr>
+        <p:txBody>
+          <a:bodyPr wrap="square" rtlCol="0">
+            <a:spAutoFit/>
+          </a:bodyPr>
+          <a:lstStyle/>
+          <a:p>
+            <a:r>
+              <a:rPr lang="en-US" altLang="ko-KR" sz="23900" dirty="0"/>
+              <a:t>}</a:t>
+            </a:r>
+            <a:endParaRPr lang="ko-KR" altLang="en-US" sz="23900" dirty="0"/>
+          </a:p>
+        </p:txBody>
+      </p:sp>
+      <p:sp>
+        <p:nvSpPr>
+          <p:cNvPr id="22" name="TextBox 21">
+            <a:extLst>
+              <a:ext uri="{FF2B5EF4-FFF2-40B4-BE49-F238E27FC236}">
+                <a16:creationId xmlns:a16="http://schemas.microsoft.com/office/drawing/2014/main" id="{8DB2C8B6-C4B1-FC1F-A415-13F23906FDEF}"/>
+              </a:ext>
+            </a:extLst>
+          </p:cNvPr>
+          <p:cNvSpPr txBox="1"/>
+          <p:nvPr/>
+        </p:nvSpPr>
+        <p:spPr>
+          <a:xfrm>
+            <a:off x="-9618" y="3541407"/>
+            <a:ext cx="1026898" cy="369332"/>
+          </a:xfrm>
+          <a:prstGeom prst="rect">
+            <a:avLst/>
+          </a:prstGeom>
+          <a:noFill/>
+        </p:spPr>
+        <p:txBody>
+          <a:bodyPr wrap="square" rtlCol="0">
+            <a:spAutoFit/>
+          </a:bodyPr>
+          <a:lstStyle/>
+          <a:p>
+            <a:pPr algn="ctr"/>
+            <a:r>
+              <a:rPr lang="en-US" altLang="ko-KR" dirty="0"/>
+              <a:t>12 Pairs</a:t>
+            </a:r>
+          </a:p>
+        </p:txBody>
+      </p:sp>
     </p:spTree>
     <p:extLst>
       <p:ext uri="{BB962C8B-B14F-4D97-AF65-F5344CB8AC3E}">
@@ -12397,13 +13674,6 @@
   <p:clrMapOvr>
     <a:masterClrMapping/>
   </p:clrMapOvr>
-  <p:timing>
-    <p:tnLst>
-      <p:par>
-        <p:cTn id="1" dur="indefinite" restart="never" nodeType="tmRoot"/>
-      </p:par>
-    </p:tnLst>
-  </p:timing>
 </p:sld>
 </file>
 
@@ -12440,8 +13710,8 @@
           <a:lstStyle/>
           <a:p>
             <a:r>
-              <a:rPr lang="en-US" altLang="ko-KR" dirty="0" smtClean="0"/>
-              <a:t>Hidden Target Task</a:t>
+              <a:rPr lang="en-US" altLang="ko-KR" dirty="0"/>
+              <a:t>2. Hidden Target Task</a:t>
             </a:r>
             <a:endParaRPr lang="ko-KR" altLang="en-US" dirty="0"/>
           </a:p>
@@ -12459,8 +13729,8 @@
         </p:nvSpPr>
         <p:spPr>
           <a:xfrm>
-            <a:off x="2635824" y="1674161"/>
-            <a:ext cx="2195386" cy="396337"/>
+            <a:off x="2794851" y="1616143"/>
+            <a:ext cx="1849157" cy="396337"/>
           </a:xfrm>
         </p:spPr>
         <p:txBody>
@@ -12469,12 +13739,12 @@
           </a:bodyPr>
           <a:lstStyle/>
           <a:p>
-            <a:pPr marL="114300" indent="0">
+            <a:pPr marL="114300" indent="0" algn="ctr">
               <a:buNone/>
             </a:pPr>
             <a:r>
-              <a:rPr lang="en-US" altLang="ko-KR" sz="2000" dirty="0" smtClean="0"/>
-              <a:t>reaching (1.5s)</a:t>
+              <a:rPr lang="en-US" altLang="ko-KR" sz="2000" dirty="0"/>
+              <a:t>Reaching (1.5s)</a:t>
             </a:r>
           </a:p>
         </p:txBody>
@@ -12501,7 +13771,7 @@
         </p:blipFill>
         <p:spPr>
           <a:xfrm>
-            <a:off x="308437" y="1412776"/>
+            <a:off x="467464" y="1354758"/>
             <a:ext cx="2341067" cy="1316850"/>
           </a:xfrm>
           <a:prstGeom prst="rect">
@@ -12537,7 +13807,7 @@
         </p:blipFill>
         <p:spPr>
           <a:xfrm>
-            <a:off x="1011451" y="3265864"/>
+            <a:off x="1170478" y="3207846"/>
             <a:ext cx="2341067" cy="1316850"/>
           </a:xfrm>
           <a:prstGeom prst="rect">
@@ -12573,7 +13843,7 @@
         </p:blipFill>
         <p:spPr>
           <a:xfrm>
-            <a:off x="1704570" y="5272999"/>
+            <a:off x="3477649" y="5060934"/>
             <a:ext cx="2341067" cy="1316850"/>
           </a:xfrm>
           <a:prstGeom prst="rect">
@@ -12595,7 +13865,7 @@
         </p:nvSpPr>
         <p:spPr>
           <a:xfrm rot="4004732">
-            <a:off x="1530933" y="2904285"/>
+            <a:off x="1689960" y="2846267"/>
             <a:ext cx="407252" cy="231834"/>
           </a:xfrm>
           <a:prstGeom prst="rightArrow">
@@ -12635,7 +13905,7 @@
         </p:nvSpPr>
         <p:spPr>
           <a:xfrm rot="4004732">
-            <a:off x="2258983" y="4871284"/>
+            <a:off x="2418010" y="4813266"/>
             <a:ext cx="407252" cy="231834"/>
           </a:xfrm>
           <a:prstGeom prst="rightArrow">
@@ -12677,8 +13947,8 @@
         </p:nvSpPr>
         <p:spPr>
           <a:xfrm>
-            <a:off x="3352518" y="3527952"/>
-            <a:ext cx="1867554" cy="396337"/>
+            <a:off x="3511545" y="3469934"/>
+            <a:ext cx="1708527" cy="396337"/>
           </a:xfrm>
           <a:prstGeom prst="rect">
             <a:avLst/>
@@ -12853,12 +14123,12 @@
             </a:lvl9pPr>
           </a:lstStyle>
           <a:p>
-            <a:pPr marL="114300" indent="0">
+            <a:pPr marL="114300" indent="0" algn="ctr">
               <a:buFont typeface="Arial" pitchFamily="34" charset="0"/>
               <a:buNone/>
             </a:pPr>
             <a:r>
-              <a:rPr lang="en-US" altLang="ko-KR" sz="2000" dirty="0" smtClean="0"/>
+              <a:rPr lang="en-US" altLang="ko-KR" sz="2000" dirty="0"/>
               <a:t>Feedback (1s)</a:t>
             </a:r>
           </a:p>
@@ -12874,8 +14144,8 @@
         </p:nvSpPr>
         <p:spPr>
           <a:xfrm>
-            <a:off x="4103948" y="5560878"/>
-            <a:ext cx="1656184" cy="396337"/>
+            <a:off x="5877026" y="5348813"/>
+            <a:ext cx="2200173" cy="396337"/>
           </a:xfrm>
           <a:prstGeom prst="rect">
             <a:avLst/>
@@ -13050,19 +14320,14 @@
             </a:lvl9pPr>
           </a:lstStyle>
           <a:p>
-            <a:pPr marL="114300" indent="0">
+            <a:pPr marL="114300" indent="0" algn="ctr">
               <a:buFont typeface="Arial" pitchFamily="34" charset="0"/>
               <a:buNone/>
             </a:pPr>
             <a:r>
-              <a:rPr lang="en-US" altLang="ko-KR" sz="2000" dirty="0" smtClean="0"/>
-              <a:t>show </a:t>
-            </a:r>
-            <a:r>
-              <a:rPr lang="en-US" altLang="ko-KR" sz="2000" dirty="0" smtClean="0"/>
-              <a:t>target*</a:t>
-            </a:r>
-            <a:endParaRPr lang="en-US" altLang="ko-KR" sz="2000" dirty="0" smtClean="0"/>
+              <a:rPr lang="en-US" altLang="ko-KR" sz="2000" dirty="0"/>
+              <a:t>Showing target* (2s)</a:t>
+            </a:r>
           </a:p>
         </p:txBody>
       </p:sp>
@@ -13074,7 +14339,7 @@
         </p:nvSpPr>
         <p:spPr>
           <a:xfrm>
-            <a:off x="4932040" y="332656"/>
+            <a:off x="5091067" y="274638"/>
             <a:ext cx="1260140" cy="4508927"/>
           </a:xfrm>
           <a:prstGeom prst="rect">
@@ -13089,7 +14354,7 @@
           <a:lstStyle/>
           <a:p>
             <a:r>
-              <a:rPr lang="en-US" altLang="ko-KR" sz="28700" dirty="0" smtClean="0"/>
+              <a:rPr lang="en-US" altLang="ko-KR" sz="28700" dirty="0"/>
               <a:t>}</a:t>
             </a:r>
             <a:endParaRPr lang="ko-KR" altLang="en-US" sz="28700" dirty="0"/>
@@ -13104,7 +14369,7 @@
         </p:nvSpPr>
         <p:spPr>
           <a:xfrm>
-            <a:off x="6300192" y="2544960"/>
+            <a:off x="6459219" y="2486942"/>
             <a:ext cx="1008112" cy="369332"/>
           </a:xfrm>
           <a:prstGeom prst="rect">
@@ -13118,40 +14383,12 @@
           </a:bodyPr>
           <a:lstStyle/>
           <a:p>
-            <a:r>
-              <a:rPr lang="en-US" altLang="ko-KR" dirty="0" smtClean="0"/>
+            <a:pPr algn="ctr"/>
+            <a:r>
+              <a:rPr lang="en-US" altLang="ko-KR" dirty="0"/>
               <a:t>15 trials</a:t>
             </a:r>
             <a:endParaRPr lang="ko-KR" altLang="en-US" dirty="0"/>
-          </a:p>
-        </p:txBody>
-      </p:sp>
-      <p:sp>
-        <p:nvSpPr>
-          <p:cNvPr id="13" name="TextBox 12"/>
-          <p:cNvSpPr txBox="1"/>
-          <p:nvPr/>
-        </p:nvSpPr>
-        <p:spPr>
-          <a:xfrm>
-            <a:off x="2038551" y="2729626"/>
-            <a:ext cx="516046" cy="369332"/>
-          </a:xfrm>
-          <a:prstGeom prst="rect">
-            <a:avLst/>
-          </a:prstGeom>
-          <a:noFill/>
-        </p:spPr>
-        <p:txBody>
-          <a:bodyPr wrap="square" rtlCol="0">
-            <a:spAutoFit/>
-          </a:bodyPr>
-          <a:lstStyle/>
-          <a:p>
-            <a:r>
-              <a:rPr lang="en-US" altLang="ko-KR" dirty="0" smtClean="0"/>
-              <a:t>4 s</a:t>
-            </a:r>
           </a:p>
         </p:txBody>
       </p:sp>
@@ -13163,7 +14400,7 @@
         </p:nvSpPr>
         <p:spPr>
           <a:xfrm>
-            <a:off x="6192180" y="6099688"/>
+            <a:off x="6351207" y="6156509"/>
             <a:ext cx="1476164" cy="307777"/>
           </a:xfrm>
           <a:prstGeom prst="rect">
@@ -13178,13 +14415,212 @@
           <a:lstStyle/>
           <a:p>
             <a:r>
-              <a:rPr lang="en-US" altLang="ko-KR" sz="1400" dirty="0" smtClean="0"/>
+              <a:rPr lang="en-US" altLang="ko-KR" sz="1400" dirty="0"/>
               <a:t>* Total 16 targets</a:t>
             </a:r>
             <a:endParaRPr lang="ko-KR" altLang="en-US" sz="1400" dirty="0"/>
           </a:p>
         </p:txBody>
       </p:sp>
+      <p:sp>
+        <p:nvSpPr>
+          <p:cNvPr id="15" name="오른쪽 화살표 7">
+            <a:extLst>
+              <a:ext uri="{FF2B5EF4-FFF2-40B4-BE49-F238E27FC236}">
+                <a16:creationId xmlns:a16="http://schemas.microsoft.com/office/drawing/2014/main" id="{230BFBF6-D9FF-3CA5-C19B-5D9B66C4D86C}"/>
+              </a:ext>
+            </a:extLst>
+          </p:cNvPr>
+          <p:cNvSpPr/>
+          <p:nvPr/>
+        </p:nvSpPr>
+        <p:spPr>
+          <a:xfrm>
+            <a:off x="3012087" y="5629233"/>
+            <a:ext cx="407252" cy="231834"/>
+          </a:xfrm>
+          <a:prstGeom prst="rightArrow">
+            <a:avLst/>
+          </a:prstGeom>
+        </p:spPr>
+        <p:style>
+          <a:lnRef idx="2">
+            <a:schemeClr val="accent1">
+              <a:shade val="50000"/>
+            </a:schemeClr>
+          </a:lnRef>
+          <a:fillRef idx="1">
+            <a:schemeClr val="accent1"/>
+          </a:fillRef>
+          <a:effectRef idx="0">
+            <a:schemeClr val="accent1"/>
+          </a:effectRef>
+          <a:fontRef idx="minor">
+            <a:schemeClr val="lt1"/>
+          </a:fontRef>
+        </p:style>
+        <p:txBody>
+          <a:bodyPr rtlCol="0" anchor="ctr"/>
+          <a:lstStyle/>
+          <a:p>
+            <a:pPr algn="ctr"/>
+            <a:endParaRPr lang="ko-KR" altLang="en-US"/>
+          </a:p>
+        </p:txBody>
+      </p:sp>
+      <mc:AlternateContent xmlns:mc="http://schemas.openxmlformats.org/markup-compatibility/2006">
+        <mc:Choice xmlns:p14="http://schemas.microsoft.com/office/powerpoint/2010/main" Requires="p14">
+          <p:contentPart p14:bwMode="auto" r:id="rId5">
+            <p14:nvContentPartPr>
+              <p14:cNvPr id="23" name="Ink 22">
+                <a:extLst>
+                  <a:ext uri="{FF2B5EF4-FFF2-40B4-BE49-F238E27FC236}">
+                    <a16:creationId xmlns:a16="http://schemas.microsoft.com/office/drawing/2014/main" id="{987632B5-15FE-B7F2-5E22-72FBF78957DE}"/>
+                  </a:ext>
+                </a:extLst>
+              </p14:cNvPr>
+              <p14:cNvContentPartPr/>
+              <p14:nvPr/>
+            </p14:nvContentPartPr>
+            <p14:xfrm>
+              <a:off x="2742624" y="5254464"/>
+              <a:ext cx="360" cy="360"/>
+            </p14:xfrm>
+          </p:contentPart>
+        </mc:Choice>
+        <mc:Fallback>
+          <p:pic>
+            <p:nvPicPr>
+              <p:cNvPr id="23" name="Ink 22">
+                <a:extLst>
+                  <a:ext uri="{FF2B5EF4-FFF2-40B4-BE49-F238E27FC236}">
+                    <a16:creationId xmlns:a16="http://schemas.microsoft.com/office/drawing/2014/main" id="{987632B5-15FE-B7F2-5E22-72FBF78957DE}"/>
+                  </a:ext>
+                </a:extLst>
+              </p:cNvPr>
+              <p:cNvPicPr/>
+              <p:nvPr/>
+            </p:nvPicPr>
+            <p:blipFill>
+              <a:blip r:embed="rId6"/>
+              <a:stretch>
+                <a:fillRect/>
+              </a:stretch>
+            </p:blipFill>
+            <p:spPr>
+              <a:xfrm>
+                <a:off x="2706624" y="5218464"/>
+                <a:ext cx="72000" cy="72000"/>
+              </a:xfrm>
+              <a:prstGeom prst="rect">
+                <a:avLst/>
+              </a:prstGeom>
+            </p:spPr>
+          </p:pic>
+        </mc:Fallback>
+      </mc:AlternateContent>
+      <mc:AlternateContent xmlns:mc="http://schemas.openxmlformats.org/markup-compatibility/2006">
+        <mc:Choice xmlns:p14="http://schemas.microsoft.com/office/powerpoint/2010/main" Requires="p14">
+          <p:contentPart p14:bwMode="auto" r:id="rId7">
+            <p14:nvContentPartPr>
+              <p14:cNvPr id="24" name="Ink 23">
+                <a:extLst>
+                  <a:ext uri="{FF2B5EF4-FFF2-40B4-BE49-F238E27FC236}">
+                    <a16:creationId xmlns:a16="http://schemas.microsoft.com/office/drawing/2014/main" id="{1690C316-9AB1-4282-AADC-23507CEE90A9}"/>
+                  </a:ext>
+                </a:extLst>
+              </p14:cNvPr>
+              <p14:cNvContentPartPr/>
+              <p14:nvPr/>
+            </p14:nvContentPartPr>
+            <p14:xfrm>
+              <a:off x="2816064" y="5400624"/>
+              <a:ext cx="360" cy="360"/>
+            </p14:xfrm>
+          </p:contentPart>
+        </mc:Choice>
+        <mc:Fallback>
+          <p:pic>
+            <p:nvPicPr>
+              <p:cNvPr id="24" name="Ink 23">
+                <a:extLst>
+                  <a:ext uri="{FF2B5EF4-FFF2-40B4-BE49-F238E27FC236}">
+                    <a16:creationId xmlns:a16="http://schemas.microsoft.com/office/drawing/2014/main" id="{1690C316-9AB1-4282-AADC-23507CEE90A9}"/>
+                  </a:ext>
+                </a:extLst>
+              </p:cNvPr>
+              <p:cNvPicPr/>
+              <p:nvPr/>
+            </p:nvPicPr>
+            <p:blipFill>
+              <a:blip r:embed="rId6"/>
+              <a:stretch>
+                <a:fillRect/>
+              </a:stretch>
+            </p:blipFill>
+            <p:spPr>
+              <a:xfrm>
+                <a:off x="2780064" y="5364624"/>
+                <a:ext cx="72000" cy="72000"/>
+              </a:xfrm>
+              <a:prstGeom prst="rect">
+                <a:avLst/>
+              </a:prstGeom>
+            </p:spPr>
+          </p:pic>
+        </mc:Fallback>
+      </mc:AlternateContent>
+      <mc:AlternateContent xmlns:mc="http://schemas.openxmlformats.org/markup-compatibility/2006">
+        <mc:Choice xmlns:p14="http://schemas.microsoft.com/office/powerpoint/2010/main" Requires="p14">
+          <p:contentPart p14:bwMode="auto" r:id="rId8">
+            <p14:nvContentPartPr>
+              <p14:cNvPr id="25" name="Ink 24">
+                <a:extLst>
+                  <a:ext uri="{FF2B5EF4-FFF2-40B4-BE49-F238E27FC236}">
+                    <a16:creationId xmlns:a16="http://schemas.microsoft.com/office/drawing/2014/main" id="{82BE1130-F5BD-A1E2-8A52-ED6953B21377}"/>
+                  </a:ext>
+                </a:extLst>
+              </p14:cNvPr>
+              <p14:cNvContentPartPr/>
+              <p14:nvPr/>
+            </p14:nvContentPartPr>
+            <p14:xfrm>
+              <a:off x="2901024" y="5547144"/>
+              <a:ext cx="360" cy="360"/>
+            </p14:xfrm>
+          </p:contentPart>
+        </mc:Choice>
+        <mc:Fallback>
+          <p:pic>
+            <p:nvPicPr>
+              <p:cNvPr id="25" name="Ink 24">
+                <a:extLst>
+                  <a:ext uri="{FF2B5EF4-FFF2-40B4-BE49-F238E27FC236}">
+                    <a16:creationId xmlns:a16="http://schemas.microsoft.com/office/drawing/2014/main" id="{82BE1130-F5BD-A1E2-8A52-ED6953B21377}"/>
+                  </a:ext>
+                </a:extLst>
+              </p:cNvPr>
+              <p:cNvPicPr/>
+              <p:nvPr/>
+            </p:nvPicPr>
+            <p:blipFill>
+              <a:blip r:embed="rId6"/>
+              <a:stretch>
+                <a:fillRect/>
+              </a:stretch>
+            </p:blipFill>
+            <p:spPr>
+              <a:xfrm>
+                <a:off x="2865384" y="5511144"/>
+                <a:ext cx="72000" cy="72000"/>
+              </a:xfrm>
+              <a:prstGeom prst="rect">
+                <a:avLst/>
+              </a:prstGeom>
+            </p:spPr>
+          </p:pic>
+        </mc:Fallback>
+      </mc:AlternateContent>
     </p:spTree>
     <p:extLst>
       <p:ext uri="{BB962C8B-B14F-4D97-AF65-F5344CB8AC3E}">
@@ -13195,13 +14631,6 @@
   <p:clrMapOvr>
     <a:masterClrMapping/>
   </p:clrMapOvr>
-  <p:timing>
-    <p:tnLst>
-      <p:par>
-        <p:cTn id="1" dur="indefinite" restart="never" nodeType="tmRoot"/>
-      </p:par>
-    </p:tnLst>
-  </p:timing>
 </p:sld>
 </file>
 
